--- a/SE2022-G17小组-软件需求.pptx
+++ b/SE2022-G17小组-软件需求.pptx
@@ -1,20 +1,32 @@
 
 <file path=ppt/presentation.xml><?xml version="1.0" encoding="utf-8"?>
-<p:presentation xmlns:a="http://schemas.openxmlformats.org/drawingml/2006/main" xmlns:r="http://schemas.openxmlformats.org/officeDocument/2006/relationships" xmlns:p="http://schemas.openxmlformats.org/presentationml/2006/main" saveSubsetFonts="1">
+<p:presentation xmlns:a="http://schemas.openxmlformats.org/drawingml/2006/main" xmlns:r="http://schemas.openxmlformats.org/officeDocument/2006/relationships" xmlns:p="http://schemas.openxmlformats.org/presentationml/2006/main">
   <p:sldMasterIdLst>
-    <p:sldMasterId id="2147483660" r:id="rId1"/>
+    <p:sldMasterId id="2147483648" r:id="rId1"/>
   </p:sldMasterIdLst>
   <p:sldIdLst>
-    <p:sldId id="256" r:id="rId2"/>
-    <p:sldId id="261" r:id="rId3"/>
-    <p:sldId id="258" r:id="rId4"/>
-    <p:sldId id="263" r:id="rId5"/>
-    <p:sldId id="259" r:id="rId6"/>
-    <p:sldId id="262" r:id="rId7"/>
-    <p:sldId id="257" r:id="rId8"/>
+    <p:sldId id="256" r:id="rId3"/>
+    <p:sldId id="265" r:id="rId4"/>
+    <p:sldId id="280" r:id="rId5"/>
+    <p:sldId id="275" r:id="rId6"/>
+    <p:sldId id="261" r:id="rId7"/>
+    <p:sldId id="277" r:id="rId8"/>
+    <p:sldId id="274" r:id="rId9"/>
+    <p:sldId id="278" r:id="rId10"/>
+    <p:sldId id="258" r:id="rId11"/>
+    <p:sldId id="263" r:id="rId12"/>
+    <p:sldId id="259" r:id="rId13"/>
+    <p:sldId id="276" r:id="rId14"/>
+    <p:sldId id="262" r:id="rId15"/>
+    <p:sldId id="279" r:id="rId16"/>
+    <p:sldId id="257" r:id="rId17"/>
+    <p:sldId id="293" r:id="rId18"/>
   </p:sldIdLst>
   <p:sldSz cx="12192000" cy="6858000"/>
   <p:notesSz cx="6858000" cy="9144000"/>
+  <p:custDataLst>
+    <p:tags r:id="rId22"/>
+  </p:custDataLst>
   <p:defaultTextStyle>
     <a:defPPr>
       <a:defRPr lang="zh-CN"/>
@@ -110,27 +122,11 @@
       </a:defRPr>
     </a:lvl9pPr>
   </p:defaultTextStyle>
-  <p:extLst>
-    <p:ext uri="{EFAFB233-063F-42B5-8137-9DF3F51BA10A}">
-      <p15:sldGuideLst xmlns:p15="http://schemas.microsoft.com/office/powerpoint/2012/main">
-        <p15:guide id="1" orient="horz" pos="2160">
-          <p15:clr>
-            <a:srgbClr val="A4A3A4"/>
-          </p15:clr>
-        </p15:guide>
-        <p15:guide id="2" pos="3840">
-          <p15:clr>
-            <a:srgbClr val="A4A3A4"/>
-          </p15:clr>
-        </p15:guide>
-      </p15:sldGuideLst>
-    </p:ext>
-  </p:extLst>
 </p:presentation>
 </file>
 
 <file path=ppt/slideLayouts/slideLayout1.xml><?xml version="1.0" encoding="utf-8"?>
-<p:sldLayout xmlns:a="http://schemas.openxmlformats.org/drawingml/2006/main" xmlns:r="http://schemas.openxmlformats.org/officeDocument/2006/relationships" xmlns:p="http://schemas.openxmlformats.org/presentationml/2006/main" showMasterSp="0" type="title" preserve="1">
+<p:sldLayout xmlns:a="http://schemas.openxmlformats.org/drawingml/2006/main" xmlns:r="http://schemas.openxmlformats.org/officeDocument/2006/relationships" xmlns:p="http://schemas.openxmlformats.org/presentationml/2006/main" type="title" preserve="1" showMasterSp="0">
   <p:cSld name="标题幻灯片">
     <p:spTree>
       <p:nvGrpSpPr>
@@ -258,7 +254,6 @@
                 </a:effectLst>
               </a:defRPr>
             </a:lvl1pPr>
-            <a:extLst/>
           </a:lstStyle>
           <a:p>
             <a:r>
@@ -288,7 +283,7 @@
         <p:txBody>
           <a:bodyPr lIns="45720" rIns="45720"/>
           <a:lstStyle>
-            <a:lvl1pPr marL="0" marR="64008" indent="0" algn="r">
+            <a:lvl1pPr marL="0" marR="64135" indent="0" algn="r">
               <a:buNone/>
               <a:defRPr>
                 <a:solidFill>
@@ -320,7 +315,6 @@
             <a:lvl9pPr marL="3657600" indent="0" algn="ctr">
               <a:buNone/>
             </a:lvl9pPr>
-            <a:extLst/>
           </a:lstStyle>
           <a:p>
             <a:r>
@@ -348,9 +342,7 @@
         <p:sp>
           <p:nvSpPr>
             <p:cNvPr id="7" name="任意多边形 6"/>
-            <p:cNvSpPr>
-              <a:spLocks/>
-            </p:cNvSpPr>
+            <p:cNvSpPr/>
             <p:nvPr/>
           </p:nvSpPr>
           <p:spPr bwMode="auto">
@@ -431,9 +423,7 @@
         <p:sp>
           <p:nvSpPr>
             <p:cNvPr id="8" name="任意多边形 7"/>
-            <p:cNvSpPr>
-              <a:spLocks/>
-            </p:cNvSpPr>
+            <p:cNvSpPr/>
             <p:nvPr/>
           </p:nvSpPr>
           <p:spPr bwMode="auto">
@@ -511,9 +501,7 @@
         <p:sp>
           <p:nvSpPr>
             <p:cNvPr id="11" name="任意多边形 10"/>
-            <p:cNvSpPr>
-              <a:spLocks/>
-            </p:cNvSpPr>
+            <p:cNvSpPr/>
             <p:nvPr/>
           </p:nvSpPr>
           <p:spPr bwMode="auto">
@@ -741,12 +729,10 @@
                 </a:solidFill>
               </a:defRPr>
             </a:lvl1pPr>
-            <a:extLst/>
           </a:lstStyle>
           <a:p>
             <a:fld id="{0E74D3FF-88B1-413F-934F-543E2B4CF409}" type="datetimeFigureOut">
               <a:rPr lang="zh-CN" altLang="en-US" smtClean="0"/>
-              <a:t>2022/11/2</a:t>
             </a:fld>
             <a:endParaRPr lang="zh-CN" altLang="en-US"/>
           </a:p>
@@ -775,7 +761,6 @@
                 </a:solidFill>
               </a:defRPr>
             </a:lvl1pPr>
-            <a:extLst/>
           </a:lstStyle>
           <a:p>
             <a:endParaRPr lang="zh-CN" altLang="en-US"/>
@@ -803,12 +788,10 @@
                 </a:solidFill>
               </a:defRPr>
             </a:lvl1pPr>
-            <a:extLst/>
           </a:lstStyle>
           <a:p>
             <a:fld id="{191CB8CA-5380-489E-9AA3-9A16E7E26556}" type="slidenum">
               <a:rPr lang="zh-CN" altLang="en-US" smtClean="0"/>
-              <a:t>‹#›</a:t>
             </a:fld>
             <a:endParaRPr lang="zh-CN" altLang="en-US"/>
           </a:p>
@@ -887,6 +870,7 @@
               <a:rPr lang="zh-CN" altLang="en-US"/>
               <a:t>单击此处编辑母版文本样式</a:t>
             </a:r>
+            <a:endParaRPr lang="zh-CN" altLang="en-US"/>
           </a:p>
           <a:p>
             <a:pPr lvl="1" eaLnBrk="1" latinLnBrk="0" hangingPunct="1"/>
@@ -894,6 +878,7 @@
               <a:rPr lang="zh-CN" altLang="en-US"/>
               <a:t>第二级</a:t>
             </a:r>
+            <a:endParaRPr lang="zh-CN" altLang="en-US"/>
           </a:p>
           <a:p>
             <a:pPr lvl="2" eaLnBrk="1" latinLnBrk="0" hangingPunct="1"/>
@@ -901,6 +886,7 @@
               <a:rPr lang="zh-CN" altLang="en-US"/>
               <a:t>第三级</a:t>
             </a:r>
+            <a:endParaRPr lang="zh-CN" altLang="en-US"/>
           </a:p>
           <a:p>
             <a:pPr lvl="3" eaLnBrk="1" latinLnBrk="0" hangingPunct="1"/>
@@ -908,6 +894,7 @@
               <a:rPr lang="zh-CN" altLang="en-US"/>
               <a:t>第四级</a:t>
             </a:r>
+            <a:endParaRPr lang="zh-CN" altLang="en-US"/>
           </a:p>
           <a:p>
             <a:pPr lvl="4" eaLnBrk="1" latinLnBrk="0" hangingPunct="1"/>
@@ -936,7 +923,6 @@
           <a:p>
             <a:fld id="{0E74D3FF-88B1-413F-934F-543E2B4CF409}" type="datetimeFigureOut">
               <a:rPr lang="zh-CN" altLang="en-US" smtClean="0"/>
-              <a:t>2022/11/2</a:t>
             </a:fld>
             <a:endParaRPr lang="zh-CN" altLang="en-US"/>
           </a:p>
@@ -978,7 +964,6 @@
           <a:p>
             <a:fld id="{191CB8CA-5380-489E-9AA3-9A16E7E26556}" type="slidenum">
               <a:rPr lang="zh-CN" altLang="en-US" smtClean="0"/>
-              <a:t>‹#›</a:t>
             </a:fld>
             <a:endParaRPr lang="zh-CN" altLang="en-US"/>
           </a:p>
@@ -1062,6 +1047,7 @@
               <a:rPr lang="zh-CN" altLang="en-US"/>
               <a:t>单击此处编辑母版文本样式</a:t>
             </a:r>
+            <a:endParaRPr lang="zh-CN" altLang="en-US"/>
           </a:p>
           <a:p>
             <a:pPr lvl="1" eaLnBrk="1" latinLnBrk="0" hangingPunct="1"/>
@@ -1069,6 +1055,7 @@
               <a:rPr lang="zh-CN" altLang="en-US"/>
               <a:t>第二级</a:t>
             </a:r>
+            <a:endParaRPr lang="zh-CN" altLang="en-US"/>
           </a:p>
           <a:p>
             <a:pPr lvl="2" eaLnBrk="1" latinLnBrk="0" hangingPunct="1"/>
@@ -1076,6 +1063,7 @@
               <a:rPr lang="zh-CN" altLang="en-US"/>
               <a:t>第三级</a:t>
             </a:r>
+            <a:endParaRPr lang="zh-CN" altLang="en-US"/>
           </a:p>
           <a:p>
             <a:pPr lvl="3" eaLnBrk="1" latinLnBrk="0" hangingPunct="1"/>
@@ -1083,6 +1071,7 @@
               <a:rPr lang="zh-CN" altLang="en-US"/>
               <a:t>第四级</a:t>
             </a:r>
+            <a:endParaRPr lang="zh-CN" altLang="en-US"/>
           </a:p>
           <a:p>
             <a:pPr lvl="4" eaLnBrk="1" latinLnBrk="0" hangingPunct="1"/>
@@ -1111,7 +1100,6 @@
           <a:p>
             <a:fld id="{0E74D3FF-88B1-413F-934F-543E2B4CF409}" type="datetimeFigureOut">
               <a:rPr lang="zh-CN" altLang="en-US" smtClean="0"/>
-              <a:t>2022/11/2</a:t>
             </a:fld>
             <a:endParaRPr lang="zh-CN" altLang="en-US"/>
           </a:p>
@@ -1153,7 +1141,6 @@
           <a:p>
             <a:fld id="{191CB8CA-5380-489E-9AA3-9A16E7E26556}" type="slidenum">
               <a:rPr lang="zh-CN" altLang="en-US" smtClean="0"/>
-              <a:t>‹#›</a:t>
             </a:fld>
             <a:endParaRPr lang="zh-CN" altLang="en-US"/>
           </a:p>
@@ -1204,6 +1191,7 @@
               <a:rPr lang="zh-CN" altLang="en-US"/>
               <a:t>单击此处编辑母版文本样式</a:t>
             </a:r>
+            <a:endParaRPr lang="zh-CN" altLang="en-US"/>
           </a:p>
           <a:p>
             <a:pPr lvl="1" eaLnBrk="1" latinLnBrk="0" hangingPunct="1"/>
@@ -1211,6 +1199,7 @@
               <a:rPr lang="zh-CN" altLang="en-US"/>
               <a:t>第二级</a:t>
             </a:r>
+            <a:endParaRPr lang="zh-CN" altLang="en-US"/>
           </a:p>
           <a:p>
             <a:pPr lvl="2" eaLnBrk="1" latinLnBrk="0" hangingPunct="1"/>
@@ -1218,6 +1207,7 @@
               <a:rPr lang="zh-CN" altLang="en-US"/>
               <a:t>第三级</a:t>
             </a:r>
+            <a:endParaRPr lang="zh-CN" altLang="en-US"/>
           </a:p>
           <a:p>
             <a:pPr lvl="3" eaLnBrk="1" latinLnBrk="0" hangingPunct="1"/>
@@ -1225,6 +1215,7 @@
               <a:rPr lang="zh-CN" altLang="en-US"/>
               <a:t>第四级</a:t>
             </a:r>
+            <a:endParaRPr lang="zh-CN" altLang="en-US"/>
           </a:p>
           <a:p>
             <a:pPr lvl="4" eaLnBrk="1" latinLnBrk="0" hangingPunct="1"/>
@@ -1253,7 +1244,6 @@
           <a:p>
             <a:fld id="{0E74D3FF-88B1-413F-934F-543E2B4CF409}" type="datetimeFigureOut">
               <a:rPr lang="zh-CN" altLang="en-US" smtClean="0"/>
-              <a:t>2022/11/2</a:t>
             </a:fld>
             <a:endParaRPr lang="zh-CN" altLang="en-US"/>
           </a:p>
@@ -1295,7 +1285,6 @@
           <a:p>
             <a:fld id="{191CB8CA-5380-489E-9AA3-9A16E7E26556}" type="slidenum">
               <a:rPr lang="zh-CN" altLang="en-US" smtClean="0"/>
-              <a:t>‹#›</a:t>
             </a:fld>
             <a:endParaRPr lang="zh-CN" altLang="en-US"/>
           </a:p>
@@ -1394,7 +1383,6 @@
                 </a:effectLst>
               </a:defRPr>
             </a:lvl1pPr>
-            <a:extLst/>
           </a:lstStyle>
           <a:p>
             <a:r>
@@ -1472,7 +1460,6 @@
                 </a:solidFill>
               </a:defRPr>
             </a:lvl5pPr>
-            <a:extLst/>
           </a:lstStyle>
           <a:p>
             <a:pPr lvl="0" eaLnBrk="1" latinLnBrk="0" hangingPunct="1"/>
@@ -1480,6 +1467,7 @@
               <a:rPr kumimoji="0" lang="zh-CN" altLang="en-US"/>
               <a:t>单击此处编辑母版文本样式</a:t>
             </a:r>
+            <a:endParaRPr kumimoji="0" lang="zh-CN" altLang="en-US"/>
           </a:p>
         </p:txBody>
       </p:sp>
@@ -1500,7 +1488,6 @@
           <a:p>
             <a:fld id="{0E74D3FF-88B1-413F-934F-543E2B4CF409}" type="datetimeFigureOut">
               <a:rPr lang="zh-CN" altLang="en-US" smtClean="0"/>
-              <a:t>2022/11/2</a:t>
             </a:fld>
             <a:endParaRPr lang="zh-CN" altLang="en-US"/>
           </a:p>
@@ -1542,7 +1529,6 @@
           <a:p>
             <a:fld id="{191CB8CA-5380-489E-9AA3-9A16E7E26556}" type="slidenum">
               <a:rPr lang="zh-CN" altLang="en-US" smtClean="0"/>
-              <a:t>‹#›</a:t>
             </a:fld>
             <a:endParaRPr lang="zh-CN" altLang="en-US"/>
           </a:p>
@@ -1768,7 +1754,6 @@
             <a:lvl5pPr>
               <a:defRPr sz="1800"/>
             </a:lvl5pPr>
-            <a:extLst/>
           </a:lstStyle>
           <a:p>
             <a:pPr lvl="0" eaLnBrk="1" latinLnBrk="0" hangingPunct="1"/>
@@ -1776,6 +1761,7 @@
               <a:rPr lang="zh-CN" altLang="en-US"/>
               <a:t>单击此处编辑母版文本样式</a:t>
             </a:r>
+            <a:endParaRPr lang="zh-CN" altLang="en-US"/>
           </a:p>
           <a:p>
             <a:pPr lvl="1" eaLnBrk="1" latinLnBrk="0" hangingPunct="1"/>
@@ -1783,6 +1769,7 @@
               <a:rPr lang="zh-CN" altLang="en-US"/>
               <a:t>第二级</a:t>
             </a:r>
+            <a:endParaRPr lang="zh-CN" altLang="en-US"/>
           </a:p>
           <a:p>
             <a:pPr lvl="2" eaLnBrk="1" latinLnBrk="0" hangingPunct="1"/>
@@ -1790,6 +1777,7 @@
               <a:rPr lang="zh-CN" altLang="en-US"/>
               <a:t>第三级</a:t>
             </a:r>
+            <a:endParaRPr lang="zh-CN" altLang="en-US"/>
           </a:p>
           <a:p>
             <a:pPr lvl="3" eaLnBrk="1" latinLnBrk="0" hangingPunct="1"/>
@@ -1797,6 +1785,7 @@
               <a:rPr lang="zh-CN" altLang="en-US"/>
               <a:t>第四级</a:t>
             </a:r>
+            <a:endParaRPr lang="zh-CN" altLang="en-US"/>
           </a:p>
           <a:p>
             <a:pPr lvl="4" eaLnBrk="1" latinLnBrk="0" hangingPunct="1"/>
@@ -1842,7 +1831,6 @@
             <a:lvl5pPr>
               <a:defRPr sz="1800"/>
             </a:lvl5pPr>
-            <a:extLst/>
           </a:lstStyle>
           <a:p>
             <a:pPr lvl="0" eaLnBrk="1" latinLnBrk="0" hangingPunct="1"/>
@@ -1850,6 +1838,7 @@
               <a:rPr lang="zh-CN" altLang="en-US"/>
               <a:t>单击此处编辑母版文本样式</a:t>
             </a:r>
+            <a:endParaRPr lang="zh-CN" altLang="en-US"/>
           </a:p>
           <a:p>
             <a:pPr lvl="1" eaLnBrk="1" latinLnBrk="0" hangingPunct="1"/>
@@ -1857,6 +1846,7 @@
               <a:rPr lang="zh-CN" altLang="en-US"/>
               <a:t>第二级</a:t>
             </a:r>
+            <a:endParaRPr lang="zh-CN" altLang="en-US"/>
           </a:p>
           <a:p>
             <a:pPr lvl="2" eaLnBrk="1" latinLnBrk="0" hangingPunct="1"/>
@@ -1864,6 +1854,7 @@
               <a:rPr lang="zh-CN" altLang="en-US"/>
               <a:t>第三级</a:t>
             </a:r>
+            <a:endParaRPr lang="zh-CN" altLang="en-US"/>
           </a:p>
           <a:p>
             <a:pPr lvl="3" eaLnBrk="1" latinLnBrk="0" hangingPunct="1"/>
@@ -1871,6 +1862,7 @@
               <a:rPr lang="zh-CN" altLang="en-US"/>
               <a:t>第四级</a:t>
             </a:r>
+            <a:endParaRPr lang="zh-CN" altLang="en-US"/>
           </a:p>
           <a:p>
             <a:pPr lvl="4" eaLnBrk="1" latinLnBrk="0" hangingPunct="1"/>
@@ -1899,7 +1891,6 @@
           <a:p>
             <a:fld id="{0E74D3FF-88B1-413F-934F-543E2B4CF409}" type="datetimeFigureOut">
               <a:rPr lang="zh-CN" altLang="en-US" smtClean="0"/>
-              <a:t>2022/11/2</a:t>
             </a:fld>
             <a:endParaRPr lang="zh-CN" altLang="en-US"/>
           </a:p>
@@ -1941,7 +1932,6 @@
           <a:p>
             <a:fld id="{191CB8CA-5380-489E-9AA3-9A16E7E26556}" type="slidenum">
               <a:rPr lang="zh-CN" altLang="en-US" smtClean="0"/>
-              <a:t>‹#›</a:t>
             </a:fld>
             <a:endParaRPr lang="zh-CN" altLang="en-US"/>
           </a:p>
@@ -1979,7 +1969,7 @@
 </file>
 
 <file path=ppt/slideLayouts/slideLayout5.xml><?xml version="1.0" encoding="utf-8"?>
-<p:sldLayout xmlns:a="http://schemas.openxmlformats.org/drawingml/2006/main" xmlns:r="http://schemas.openxmlformats.org/officeDocument/2006/relationships" xmlns:p="http://schemas.openxmlformats.org/presentationml/2006/main" showMasterSp="0" type="twoTxTwoObj" preserve="1">
+<p:sldLayout xmlns:a="http://schemas.openxmlformats.org/drawingml/2006/main" xmlns:r="http://schemas.openxmlformats.org/officeDocument/2006/relationships" xmlns:p="http://schemas.openxmlformats.org/presentationml/2006/main" type="twoTxTwoObj" preserve="1" showMasterSp="0">
   <p:cSld name="比较">
     <p:bg>
       <p:bgRef idx="1003">
@@ -2022,7 +2012,6 @@
             <a:lvl1pPr>
               <a:defRPr/>
             </a:lvl1pPr>
-            <a:extLst/>
           </a:lstStyle>
           <a:p>
             <a:r>
@@ -2085,7 +2074,6 @@
               <a:buNone/>
               <a:defRPr sz="1600" b="1"/>
             </a:lvl5pPr>
-            <a:extLst/>
           </a:lstStyle>
           <a:p>
             <a:pPr lvl="0" eaLnBrk="1" latinLnBrk="0" hangingPunct="1"/>
@@ -2093,6 +2081,7 @@
               <a:rPr kumimoji="0" lang="zh-CN" altLang="en-US"/>
               <a:t>单击此处编辑母版文本样式</a:t>
             </a:r>
+            <a:endParaRPr kumimoji="0" lang="zh-CN" altLang="en-US"/>
           </a:p>
         </p:txBody>
       </p:sp>
@@ -2148,7 +2137,6 @@
               <a:buNone/>
               <a:defRPr sz="1600" b="1"/>
             </a:lvl5pPr>
-            <a:extLst/>
           </a:lstStyle>
           <a:p>
             <a:pPr lvl="0" eaLnBrk="1" latinLnBrk="0" hangingPunct="1"/>
@@ -2156,6 +2144,7 @@
               <a:rPr kumimoji="0" lang="zh-CN" altLang="en-US"/>
               <a:t>单击此处编辑母版文本样式</a:t>
             </a:r>
+            <a:endParaRPr kumimoji="0" lang="zh-CN" altLang="en-US"/>
           </a:p>
         </p:txBody>
       </p:sp>
@@ -2198,7 +2187,6 @@
             <a:lvl5pPr>
               <a:defRPr sz="1600"/>
             </a:lvl5pPr>
-            <a:extLst/>
           </a:lstStyle>
           <a:p>
             <a:pPr lvl="0" eaLnBrk="1" latinLnBrk="0" hangingPunct="1"/>
@@ -2206,6 +2194,7 @@
               <a:rPr lang="zh-CN" altLang="en-US"/>
               <a:t>单击此处编辑母版文本样式</a:t>
             </a:r>
+            <a:endParaRPr lang="zh-CN" altLang="en-US"/>
           </a:p>
           <a:p>
             <a:pPr lvl="1" eaLnBrk="1" latinLnBrk="0" hangingPunct="1"/>
@@ -2213,6 +2202,7 @@
               <a:rPr lang="zh-CN" altLang="en-US"/>
               <a:t>第二级</a:t>
             </a:r>
+            <a:endParaRPr lang="zh-CN" altLang="en-US"/>
           </a:p>
           <a:p>
             <a:pPr lvl="2" eaLnBrk="1" latinLnBrk="0" hangingPunct="1"/>
@@ -2220,6 +2210,7 @@
               <a:rPr lang="zh-CN" altLang="en-US"/>
               <a:t>第三级</a:t>
             </a:r>
+            <a:endParaRPr lang="zh-CN" altLang="en-US"/>
           </a:p>
           <a:p>
             <a:pPr lvl="3" eaLnBrk="1" latinLnBrk="0" hangingPunct="1"/>
@@ -2227,6 +2218,7 @@
               <a:rPr lang="zh-CN" altLang="en-US"/>
               <a:t>第四级</a:t>
             </a:r>
+            <a:endParaRPr lang="zh-CN" altLang="en-US"/>
           </a:p>
           <a:p>
             <a:pPr lvl="4" eaLnBrk="1" latinLnBrk="0" hangingPunct="1"/>
@@ -2280,7 +2272,6 @@
             <a:lvl5pPr>
               <a:defRPr sz="1600"/>
             </a:lvl5pPr>
-            <a:extLst/>
           </a:lstStyle>
           <a:p>
             <a:pPr lvl="0" eaLnBrk="1" latinLnBrk="0" hangingPunct="1"/>
@@ -2288,6 +2279,7 @@
               <a:rPr lang="zh-CN" altLang="en-US"/>
               <a:t>单击此处编辑母版文本样式</a:t>
             </a:r>
+            <a:endParaRPr lang="zh-CN" altLang="en-US"/>
           </a:p>
           <a:p>
             <a:pPr lvl="1" eaLnBrk="1" latinLnBrk="0" hangingPunct="1"/>
@@ -2295,6 +2287,7 @@
               <a:rPr lang="zh-CN" altLang="en-US"/>
               <a:t>第二级</a:t>
             </a:r>
+            <a:endParaRPr lang="zh-CN" altLang="en-US"/>
           </a:p>
           <a:p>
             <a:pPr lvl="2" eaLnBrk="1" latinLnBrk="0" hangingPunct="1"/>
@@ -2302,6 +2295,7 @@
               <a:rPr lang="zh-CN" altLang="en-US"/>
               <a:t>第三级</a:t>
             </a:r>
+            <a:endParaRPr lang="zh-CN" altLang="en-US"/>
           </a:p>
           <a:p>
             <a:pPr lvl="3" eaLnBrk="1" latinLnBrk="0" hangingPunct="1"/>
@@ -2309,6 +2303,7 @@
               <a:rPr lang="zh-CN" altLang="en-US"/>
               <a:t>第四级</a:t>
             </a:r>
+            <a:endParaRPr lang="zh-CN" altLang="en-US"/>
           </a:p>
           <a:p>
             <a:pPr lvl="4" eaLnBrk="1" latinLnBrk="0" hangingPunct="1"/>
@@ -2337,7 +2332,6 @@
           <a:p>
             <a:fld id="{0E74D3FF-88B1-413F-934F-543E2B4CF409}" type="datetimeFigureOut">
               <a:rPr lang="zh-CN" altLang="en-US" smtClean="0"/>
-              <a:t>2022/11/2</a:t>
             </a:fld>
             <a:endParaRPr lang="zh-CN" altLang="en-US"/>
           </a:p>
@@ -2379,7 +2373,6 @@
           <a:p>
             <a:fld id="{191CB8CA-5380-489E-9AA3-9A16E7E26556}" type="slidenum">
               <a:rPr lang="zh-CN" altLang="en-US" smtClean="0"/>
-              <a:t>‹#›</a:t>
             </a:fld>
             <a:endParaRPr lang="zh-CN" altLang="en-US"/>
           </a:p>
@@ -2432,7 +2425,6 @@
           <a:p>
             <a:fld id="{0E74D3FF-88B1-413F-934F-543E2B4CF409}" type="datetimeFigureOut">
               <a:rPr lang="zh-CN" altLang="en-US" smtClean="0"/>
-              <a:t>2022/11/2</a:t>
             </a:fld>
             <a:endParaRPr lang="zh-CN" altLang="en-US"/>
           </a:p>
@@ -2474,7 +2466,6 @@
           <a:p>
             <a:fld id="{191CB8CA-5380-489E-9AA3-9A16E7E26556}" type="slidenum">
               <a:rPr lang="zh-CN" altLang="en-US" smtClean="0"/>
-              <a:t>‹#›</a:t>
             </a:fld>
             <a:endParaRPr lang="zh-CN" altLang="en-US"/>
           </a:p>
@@ -2545,7 +2536,6 @@
           <a:p>
             <a:fld id="{0E74D3FF-88B1-413F-934F-543E2B4CF409}" type="datetimeFigureOut">
               <a:rPr lang="zh-CN" altLang="en-US" smtClean="0"/>
-              <a:t>2022/11/2</a:t>
             </a:fld>
             <a:endParaRPr lang="zh-CN" altLang="en-US"/>
           </a:p>
@@ -2587,7 +2577,6 @@
           <a:p>
             <a:fld id="{191CB8CA-5380-489E-9AA3-9A16E7E26556}" type="slidenum">
               <a:rPr lang="zh-CN" altLang="en-US" smtClean="0"/>
-              <a:t>‹#›</a:t>
             </a:fld>
             <a:endParaRPr lang="zh-CN" altLang="en-US"/>
           </a:p>
@@ -2602,7 +2591,7 @@
 </file>
 
 <file path=ppt/slideLayouts/slideLayout8.xml><?xml version="1.0" encoding="utf-8"?>
-<p:sldLayout xmlns:a="http://schemas.openxmlformats.org/drawingml/2006/main" xmlns:r="http://schemas.openxmlformats.org/officeDocument/2006/relationships" xmlns:p="http://schemas.openxmlformats.org/presentationml/2006/main" showMasterSp="0" type="objTx" preserve="1">
+<p:sldLayout xmlns:a="http://schemas.openxmlformats.org/drawingml/2006/main" xmlns:r="http://schemas.openxmlformats.org/officeDocument/2006/relationships" xmlns:p="http://schemas.openxmlformats.org/presentationml/2006/main" type="objTx" preserve="1" showMasterSp="0">
   <p:cSld name="内容与标题">
     <p:bg>
       <p:bgRef idx="1003">
@@ -2656,7 +2645,6 @@
                 <a:effectLst/>
               </a:defRPr>
             </a:lvl1pPr>
-            <a:extLst/>
           </a:lstStyle>
           <a:p>
             <a:r>
@@ -2706,7 +2694,6 @@
               <a:buNone/>
               <a:defRPr sz="900"/>
             </a:lvl5pPr>
-            <a:extLst/>
           </a:lstStyle>
           <a:p>
             <a:pPr lvl="0" eaLnBrk="1" latinLnBrk="0" hangingPunct="1"/>
@@ -2714,6 +2701,7 @@
               <a:rPr kumimoji="0" lang="zh-CN" altLang="en-US"/>
               <a:t>单击此处编辑母版文本样式</a:t>
             </a:r>
+            <a:endParaRPr kumimoji="0" lang="zh-CN" altLang="en-US"/>
           </a:p>
         </p:txBody>
       </p:sp>
@@ -2751,7 +2739,6 @@
             <a:lvl5pPr>
               <a:defRPr sz="2000"/>
             </a:lvl5pPr>
-            <a:extLst/>
           </a:lstStyle>
           <a:p>
             <a:pPr lvl="0" eaLnBrk="1" latinLnBrk="0" hangingPunct="1"/>
@@ -2759,6 +2746,7 @@
               <a:rPr lang="zh-CN" altLang="en-US"/>
               <a:t>单击此处编辑母版文本样式</a:t>
             </a:r>
+            <a:endParaRPr lang="zh-CN" altLang="en-US"/>
           </a:p>
           <a:p>
             <a:pPr lvl="1" eaLnBrk="1" latinLnBrk="0" hangingPunct="1"/>
@@ -2766,6 +2754,7 @@
               <a:rPr lang="zh-CN" altLang="en-US"/>
               <a:t>第二级</a:t>
             </a:r>
+            <a:endParaRPr lang="zh-CN" altLang="en-US"/>
           </a:p>
           <a:p>
             <a:pPr lvl="2" eaLnBrk="1" latinLnBrk="0" hangingPunct="1"/>
@@ -2773,6 +2762,7 @@
               <a:rPr lang="zh-CN" altLang="en-US"/>
               <a:t>第三级</a:t>
             </a:r>
+            <a:endParaRPr lang="zh-CN" altLang="en-US"/>
           </a:p>
           <a:p>
             <a:pPr lvl="3" eaLnBrk="1" latinLnBrk="0" hangingPunct="1"/>
@@ -2780,6 +2770,7 @@
               <a:rPr lang="zh-CN" altLang="en-US"/>
               <a:t>第四级</a:t>
             </a:r>
+            <a:endParaRPr lang="zh-CN" altLang="en-US"/>
           </a:p>
           <a:p>
             <a:pPr lvl="4" eaLnBrk="1" latinLnBrk="0" hangingPunct="1"/>
@@ -2813,7 +2804,6 @@
           <a:p>
             <a:fld id="{0E74D3FF-88B1-413F-934F-543E2B4CF409}" type="datetimeFigureOut">
               <a:rPr lang="zh-CN" altLang="en-US" smtClean="0"/>
-              <a:t>2022/11/2</a:t>
             </a:fld>
             <a:endParaRPr lang="zh-CN" altLang="en-US"/>
           </a:p>
@@ -2855,7 +2845,6 @@
           <a:p>
             <a:fld id="{191CB8CA-5380-489E-9AA3-9A16E7E26556}" type="slidenum">
               <a:rPr lang="zh-CN" altLang="en-US" smtClean="0"/>
-              <a:t>‹#›</a:t>
             </a:fld>
             <a:endParaRPr lang="zh-CN" altLang="en-US"/>
           </a:p>
@@ -2870,7 +2859,7 @@
 </file>
 
 <file path=ppt/slideLayouts/slideLayout9.xml><?xml version="1.0" encoding="utf-8"?>
-<p:sldLayout xmlns:a="http://schemas.openxmlformats.org/drawingml/2006/main" xmlns:r="http://schemas.openxmlformats.org/officeDocument/2006/relationships" xmlns:p="http://schemas.openxmlformats.org/presentationml/2006/main" showMasterSp="0" type="picTx" preserve="1">
+<p:sldLayout xmlns:a="http://schemas.openxmlformats.org/drawingml/2006/main" xmlns:r="http://schemas.openxmlformats.org/officeDocument/2006/relationships" xmlns:p="http://schemas.openxmlformats.org/presentationml/2006/main" type="picTx" preserve="1" showMasterSp="0">
   <p:cSld name="图片与标题">
     <p:bg>
       <p:bgRef idx="1002">
@@ -2911,7 +2900,7 @@
         <p:txBody>
           <a:bodyPr lIns="91440" tIns="0" rIns="91440" anchor="t"/>
           <a:lstStyle>
-            <a:lvl1pPr marL="0" marR="18288" indent="0" algn="r">
+            <a:lvl1pPr marL="0" marR="18415" indent="0" algn="r">
               <a:buNone/>
               <a:defRPr sz="1400"/>
             </a:lvl1pPr>
@@ -2927,7 +2916,6 @@
             <a:lvl5pPr>
               <a:defRPr sz="900"/>
             </a:lvl5pPr>
-            <a:extLst/>
           </a:lstStyle>
           <a:p>
             <a:pPr lvl="0" eaLnBrk="1" latinLnBrk="0" hangingPunct="1"/>
@@ -2935,6 +2923,7 @@
               <a:rPr kumimoji="0" lang="zh-CN" altLang="en-US"/>
               <a:t>单击此处编辑母版文本样式</a:t>
             </a:r>
+            <a:endParaRPr kumimoji="0" lang="zh-CN" altLang="en-US"/>
           </a:p>
         </p:txBody>
       </p:sp>
@@ -2977,7 +2966,6 @@
               <a:buNone/>
               <a:defRPr sz="3200"/>
             </a:lvl1pPr>
-            <a:extLst/>
           </a:lstStyle>
           <a:p>
             <a:r>
@@ -3009,12 +2997,10 @@
                 </a:solidFill>
               </a:defRPr>
             </a:lvl1pPr>
-            <a:extLst/>
           </a:lstStyle>
           <a:p>
             <a:fld id="{0E74D3FF-88B1-413F-934F-543E2B4CF409}" type="datetimeFigureOut">
               <a:rPr lang="zh-CN" altLang="en-US" smtClean="0"/>
-              <a:t>2022/11/2</a:t>
             </a:fld>
             <a:endParaRPr lang="zh-CN" altLang="en-US"/>
           </a:p>
@@ -3046,7 +3032,6 @@
                 </a:solidFill>
               </a:defRPr>
             </a:lvl1pPr>
-            <a:extLst/>
           </a:lstStyle>
           <a:p>
             <a:endParaRPr lang="zh-CN" altLang="en-US"/>
@@ -3074,12 +3059,10 @@
                 </a:solidFill>
               </a:defRPr>
             </a:lvl1pPr>
-            <a:extLst/>
           </a:lstStyle>
           <a:p>
             <a:fld id="{191CB8CA-5380-489E-9AA3-9A16E7E26556}" type="slidenum">
               <a:rPr lang="zh-CN" altLang="en-US" smtClean="0"/>
-              <a:t>‹#›</a:t>
             </a:fld>
             <a:endParaRPr lang="zh-CN" altLang="en-US"/>
           </a:p>
@@ -3122,7 +3105,6 @@
                 </a:effectLst>
               </a:defRPr>
             </a:lvl1pPr>
-            <a:extLst/>
           </a:lstStyle>
           <a:p>
             <a:r>
@@ -3136,9 +3118,7 @@
       <p:sp>
         <p:nvSpPr>
           <p:cNvPr id="8" name="任意多边形 7"/>
-          <p:cNvSpPr>
-            <a:spLocks/>
-          </p:cNvSpPr>
+          <p:cNvSpPr/>
           <p:nvPr/>
         </p:nvSpPr>
         <p:spPr bwMode="auto">
@@ -3218,9 +3198,7 @@
       <p:sp>
         <p:nvSpPr>
           <p:cNvPr id="9" name="任意多边形 8"/>
-          <p:cNvSpPr>
-            <a:spLocks/>
-          </p:cNvSpPr>
+          <p:cNvSpPr/>
           <p:nvPr/>
         </p:nvSpPr>
         <p:spPr bwMode="auto">
@@ -3298,9 +3276,7 @@
       <p:sp>
         <p:nvSpPr>
           <p:cNvPr id="10" name="直角三角形 9"/>
-          <p:cNvSpPr>
-            <a:spLocks/>
-          </p:cNvSpPr>
+          <p:cNvSpPr/>
           <p:nvPr/>
         </p:nvSpPr>
         <p:spPr bwMode="auto">
@@ -3646,9 +3622,7 @@
       <p:sp>
         <p:nvSpPr>
           <p:cNvPr id="13" name="任意多边形 12"/>
-          <p:cNvSpPr>
-            <a:spLocks/>
-          </p:cNvSpPr>
+          <p:cNvSpPr/>
           <p:nvPr/>
         </p:nvSpPr>
         <p:spPr bwMode="auto">
@@ -3728,9 +3702,7 @@
       <p:sp>
         <p:nvSpPr>
           <p:cNvPr id="12" name="任意多边形 11"/>
-          <p:cNvSpPr>
-            <a:spLocks/>
-          </p:cNvSpPr>
+          <p:cNvSpPr/>
           <p:nvPr/>
         </p:nvSpPr>
         <p:spPr bwMode="auto">
@@ -3808,9 +3780,7 @@
       <p:sp>
         <p:nvSpPr>
           <p:cNvPr id="14" name="直角三角形 13"/>
-          <p:cNvSpPr>
-            <a:spLocks/>
-          </p:cNvSpPr>
+          <p:cNvSpPr/>
           <p:nvPr/>
         </p:nvSpPr>
         <p:spPr bwMode="auto">
@@ -3822,7 +3792,7 @@
             <a:avLst/>
           </a:prstGeom>
           <a:blipFill>
-            <a:blip r:embed="rId13">
+            <a:blip r:embed="rId12">
               <a:alphaModFix amt="50000"/>
             </a:blip>
             <a:tile tx="0" ty="0" sx="50000" sy="50000" flip="none" algn="t"/>
@@ -4037,6 +4007,7 @@
               <a:rPr kumimoji="0" lang="zh-CN" altLang="en-US"/>
               <a:t>单击此处编辑母版文本样式</a:t>
             </a:r>
+            <a:endParaRPr kumimoji="0" lang="zh-CN" altLang="en-US"/>
           </a:p>
           <a:p>
             <a:pPr lvl="1" eaLnBrk="1" latinLnBrk="0" hangingPunct="1"/>
@@ -4044,6 +4015,7 @@
               <a:rPr kumimoji="0" lang="zh-CN" altLang="en-US"/>
               <a:t>第二级</a:t>
             </a:r>
+            <a:endParaRPr kumimoji="0" lang="zh-CN" altLang="en-US"/>
           </a:p>
           <a:p>
             <a:pPr lvl="2" eaLnBrk="1" latinLnBrk="0" hangingPunct="1"/>
@@ -4051,6 +4023,7 @@
               <a:rPr kumimoji="0" lang="zh-CN" altLang="en-US"/>
               <a:t>第三级</a:t>
             </a:r>
+            <a:endParaRPr kumimoji="0" lang="zh-CN" altLang="en-US"/>
           </a:p>
           <a:p>
             <a:pPr lvl="3" eaLnBrk="1" latinLnBrk="0" hangingPunct="1"/>
@@ -4058,6 +4031,7 @@
               <a:rPr kumimoji="0" lang="zh-CN" altLang="en-US"/>
               <a:t>第四级</a:t>
             </a:r>
+            <a:endParaRPr kumimoji="0" lang="zh-CN" altLang="en-US"/>
           </a:p>
           <a:p>
             <a:pPr lvl="4" eaLnBrk="1" latinLnBrk="0" hangingPunct="1"/>
@@ -4098,12 +4072,10 @@
                 </a:solidFill>
               </a:defRPr>
             </a:lvl1pPr>
-            <a:extLst/>
           </a:lstStyle>
           <a:p>
             <a:fld id="{0E74D3FF-88B1-413F-934F-543E2B4CF409}" type="datetimeFigureOut">
               <a:rPr lang="zh-CN" altLang="en-US" smtClean="0"/>
-              <a:t>2022/11/2</a:t>
             </a:fld>
             <a:endParaRPr lang="zh-CN" altLang="en-US"/>
           </a:p>
@@ -4138,7 +4110,6 @@
                 </a:solidFill>
               </a:defRPr>
             </a:lvl1pPr>
-            <a:extLst/>
           </a:lstStyle>
           <a:p>
             <a:endParaRPr lang="zh-CN" altLang="en-US"/>
@@ -4174,12 +4145,10 @@
                 </a:solidFill>
               </a:defRPr>
             </a:lvl1pPr>
-            <a:extLst/>
           </a:lstStyle>
           <a:p>
             <a:fld id="{191CB8CA-5380-489E-9AA3-9A16E7E26556}" type="slidenum">
               <a:rPr lang="zh-CN" altLang="en-US" smtClean="0"/>
-              <a:t>‹#›</a:t>
             </a:fld>
             <a:endParaRPr lang="zh-CN" altLang="en-US"/>
           </a:p>
@@ -4189,17 +4158,17 @@
   </p:cSld>
   <p:clrMap bg1="lt1" tx1="dk1" bg2="lt2" tx2="dk2" accent1="accent1" accent2="accent2" accent3="accent3" accent4="accent4" accent5="accent5" accent6="accent6" hlink="hlink" folHlink="folHlink"/>
   <p:sldLayoutIdLst>
-    <p:sldLayoutId id="2147483661" r:id="rId1"/>
-    <p:sldLayoutId id="2147483662" r:id="rId2"/>
-    <p:sldLayoutId id="2147483663" r:id="rId3"/>
-    <p:sldLayoutId id="2147483664" r:id="rId4"/>
-    <p:sldLayoutId id="2147483665" r:id="rId5"/>
-    <p:sldLayoutId id="2147483666" r:id="rId6"/>
-    <p:sldLayoutId id="2147483667" r:id="rId7"/>
-    <p:sldLayoutId id="2147483668" r:id="rId8"/>
-    <p:sldLayoutId id="2147483669" r:id="rId9"/>
-    <p:sldLayoutId id="2147483670" r:id="rId10"/>
-    <p:sldLayoutId id="2147483671" r:id="rId11"/>
+    <p:sldLayoutId id="2147483649" r:id="rId1"/>
+    <p:sldLayoutId id="2147483650" r:id="rId2"/>
+    <p:sldLayoutId id="2147483651" r:id="rId3"/>
+    <p:sldLayoutId id="2147483652" r:id="rId4"/>
+    <p:sldLayoutId id="2147483653" r:id="rId5"/>
+    <p:sldLayoutId id="2147483654" r:id="rId6"/>
+    <p:sldLayoutId id="2147483655" r:id="rId7"/>
+    <p:sldLayoutId id="2147483656" r:id="rId8"/>
+    <p:sldLayoutId id="2147483657" r:id="rId9"/>
+    <p:sldLayoutId id="2147483658" r:id="rId10"/>
+    <p:sldLayoutId id="2147483659" r:id="rId11"/>
   </p:sldLayoutIdLst>
   <p:txStyles>
     <p:titleStyle>
@@ -4224,10 +4193,9 @@
           <a:cs typeface="+mj-cs"/>
         </a:defRPr>
       </a:lvl1pPr>
-      <a:extLst/>
     </p:titleStyle>
     <p:bodyStyle>
-      <a:lvl1pPr marL="365760" indent="-256032" algn="l" rtl="0" eaLnBrk="1" latinLnBrk="0" hangingPunct="1">
+      <a:lvl1pPr marL="365760" indent="-255905" algn="l" rtl="0" eaLnBrk="1" latinLnBrk="0" hangingPunct="1">
         <a:spcBef>
           <a:spcPts val="400"/>
         </a:spcBef>
@@ -4249,14 +4217,14 @@
           <a:cs typeface="+mn-cs"/>
         </a:defRPr>
       </a:lvl1pPr>
-      <a:lvl2pPr marL="621792" indent="-228600" algn="l" rtl="0" eaLnBrk="1" latinLnBrk="0" hangingPunct="1">
+      <a:lvl2pPr marL="621665" indent="-228600" algn="l" rtl="0" eaLnBrk="1" latinLnBrk="0" hangingPunct="1">
         <a:spcBef>
-          <a:spcPts val="324"/>
+          <a:spcPts val="325"/>
         </a:spcBef>
         <a:buClr>
           <a:schemeClr val="accent1"/>
         </a:buClr>
-        <a:buFont typeface="Verdana"/>
+        <a:buFont typeface="Verdana" panose="020B0604030504040204"/>
         <a:buChar char="◦"/>
         <a:defRPr kumimoji="0" sz="2300" kern="1200">
           <a:solidFill>
@@ -4267,7 +4235,7 @@
           <a:cs typeface="+mn-cs"/>
         </a:defRPr>
       </a:lvl2pPr>
-      <a:lvl3pPr marL="859536" indent="-228600" algn="l" rtl="0" eaLnBrk="1" latinLnBrk="0" hangingPunct="1">
+      <a:lvl3pPr marL="859790" indent="-228600" algn="l" rtl="0" eaLnBrk="1" latinLnBrk="0" hangingPunct="1">
         <a:spcBef>
           <a:spcPts val="350"/>
         </a:spcBef>
@@ -4394,7 +4362,6 @@
           <a:cs typeface="+mn-cs"/>
         </a:defRPr>
       </a:lvl9pPr>
-      <a:extLst/>
     </p:bodyStyle>
     <p:otherStyle>
       <a:lvl1pPr marL="0" algn="l" rtl="0" eaLnBrk="1" latinLnBrk="0" hangingPunct="1">
@@ -4487,7 +4454,6 @@
           <a:cs typeface="+mn-cs"/>
         </a:defRPr>
       </a:lvl9pPr>
-      <a:extLst/>
     </p:otherStyle>
   </p:txStyles>
 </p:sldMaster>
@@ -4512,13 +4478,7 @@
       </p:grpSpPr>
       <p:sp>
         <p:nvSpPr>
-          <p:cNvPr id="2" name="标题 1">
-            <a:extLst>
-              <a:ext uri="{FF2B5EF4-FFF2-40B4-BE49-F238E27FC236}">
-                <a16:creationId xmlns:a16="http://schemas.microsoft.com/office/drawing/2014/main" id="{F41FEB16-EB3A-9578-0934-4B76CB886DD5}"/>
-              </a:ext>
-            </a:extLst>
-          </p:cNvPr>
+          <p:cNvPr id="2" name="标题 1"/>
           <p:cNvSpPr>
             <a:spLocks noGrp="1"/>
           </p:cNvSpPr>
@@ -4555,18 +4515,13 @@
               <a:rPr lang="zh-CN" altLang="en-US" dirty="0"/>
               <a:t>打豆豆</a:t>
             </a:r>
-          </a:p>
-        </p:txBody>
-      </p:sp>
-      <p:sp>
-        <p:nvSpPr>
-          <p:cNvPr id="3" name="副标题 2">
-            <a:extLst>
-              <a:ext uri="{FF2B5EF4-FFF2-40B4-BE49-F238E27FC236}">
-                <a16:creationId xmlns:a16="http://schemas.microsoft.com/office/drawing/2014/main" id="{59CFC866-F170-30C1-2297-BAC1B9146B1E}"/>
-              </a:ext>
-            </a:extLst>
-          </p:cNvPr>
+            <a:endParaRPr lang="zh-CN" altLang="en-US" dirty="0"/>
+          </a:p>
+        </p:txBody>
+      </p:sp>
+      <p:sp>
+        <p:nvSpPr>
+          <p:cNvPr id="3" name="副标题 2"/>
           <p:cNvSpPr>
             <a:spLocks noGrp="1"/>
           </p:cNvSpPr>
@@ -4597,6 +4552,7 @@
               <a:rPr lang="en-US" altLang="zh-CN" dirty="0"/>
               <a:t>	</a:t>
             </a:r>
+            <a:endParaRPr lang="en-US" altLang="zh-CN" dirty="0"/>
           </a:p>
           <a:p>
             <a:r>
@@ -4615,6 +4571,7 @@
               <a:rPr lang="en-US" altLang="zh-CN" dirty="0"/>
               <a:t>	</a:t>
             </a:r>
+            <a:endParaRPr lang="en-US" altLang="zh-CN" dirty="0"/>
           </a:p>
           <a:p>
             <a:r>
@@ -4629,6 +4586,7 @@
               <a:rPr lang="zh-CN" altLang="en-US" dirty="0"/>
               <a:t>秦思豪</a:t>
             </a:r>
+            <a:endParaRPr lang="zh-CN" altLang="en-US" dirty="0"/>
           </a:p>
         </p:txBody>
       </p:sp>
@@ -4641,7 +4599,7 @@
           <p:nvPr/>
         </p:nvPicPr>
         <p:blipFill>
-          <a:blip r:embed="rId2">
+          <a:blip r:embed="rId1">
             <a:extLst>
               <a:ext uri="{28A0092B-C50C-407E-A947-70E740481C1C}">
                 <a14:useLocalDpi xmlns:a14="http://schemas.microsoft.com/office/drawing/2010/main" val="0"/>
@@ -4674,11 +4632,748 @@
         </p:spPr>
       </p:pic>
     </p:spTree>
-    <p:extLst>
-      <p:ext uri="{BB962C8B-B14F-4D97-AF65-F5344CB8AC3E}">
-        <p14:creationId xmlns:p14="http://schemas.microsoft.com/office/powerpoint/2010/main" val="3731698278"/>
-      </p:ext>
-    </p:extLst>
+  </p:cSld>
+  <p:clrMapOvr>
+    <a:masterClrMapping/>
+  </p:clrMapOvr>
+</p:sld>
+</file>
+
+<file path=ppt/slides/slide10.xml><?xml version="1.0" encoding="utf-8"?>
+<p:sld xmlns:a="http://schemas.openxmlformats.org/drawingml/2006/main" xmlns:r="http://schemas.openxmlformats.org/officeDocument/2006/relationships" xmlns:p="http://schemas.openxmlformats.org/presentationml/2006/main">
+  <p:cSld>
+    <p:spTree>
+      <p:nvGrpSpPr>
+        <p:cNvPr id="1" name=""/>
+        <p:cNvGrpSpPr/>
+        <p:nvPr/>
+      </p:nvGrpSpPr>
+      <p:grpSpPr>
+        <a:xfrm>
+          <a:off x="0" y="0"/>
+          <a:ext cx="0" cy="0"/>
+          <a:chOff x="0" y="0"/>
+          <a:chExt cx="0" cy="0"/>
+        </a:xfrm>
+      </p:grpSpPr>
+      <p:pic>
+        <p:nvPicPr>
+          <p:cNvPr id="5" name="内容占位符 4"/>
+          <p:cNvPicPr>
+            <a:picLocks noGrp="1" noChangeAspect="1"/>
+          </p:cNvPicPr>
+          <p:nvPr>
+            <p:ph idx="1"/>
+          </p:nvPr>
+        </p:nvPicPr>
+        <p:blipFill>
+          <a:blip r:embed="rId1"/>
+          <a:stretch>
+            <a:fillRect/>
+          </a:stretch>
+        </p:blipFill>
+        <p:spPr>
+          <a:xfrm>
+            <a:off x="1395412" y="1534319"/>
+            <a:ext cx="9401175" cy="4419600"/>
+          </a:xfrm>
+        </p:spPr>
+      </p:pic>
+      <p:sp>
+        <p:nvSpPr>
+          <p:cNvPr id="3" name="标题 2"/>
+          <p:cNvSpPr>
+            <a:spLocks noGrp="1"/>
+          </p:cNvSpPr>
+          <p:nvPr>
+            <p:ph type="title"/>
+          </p:nvPr>
+        </p:nvSpPr>
+        <p:spPr/>
+        <p:txBody>
+          <a:bodyPr/>
+          <a:lstStyle/>
+          <a:p>
+            <a:r>
+              <a:rPr lang="en-US" altLang="zh-CN" dirty="0"/>
+              <a:t>E-R</a:t>
+            </a:r>
+            <a:r>
+              <a:rPr lang="zh-CN" altLang="en-US" dirty="0"/>
+              <a:t>图</a:t>
+            </a:r>
+            <a:endParaRPr lang="zh-CN" altLang="en-US" dirty="0"/>
+          </a:p>
+        </p:txBody>
+      </p:sp>
+    </p:spTree>
+  </p:cSld>
+  <p:clrMapOvr>
+    <a:masterClrMapping/>
+  </p:clrMapOvr>
+</p:sld>
+</file>
+
+<file path=ppt/slides/slide11.xml><?xml version="1.0" encoding="utf-8"?>
+<p:sld xmlns:a="http://schemas.openxmlformats.org/drawingml/2006/main" xmlns:r="http://schemas.openxmlformats.org/officeDocument/2006/relationships" xmlns:p="http://schemas.openxmlformats.org/presentationml/2006/main">
+  <p:cSld>
+    <p:spTree>
+      <p:nvGrpSpPr>
+        <p:cNvPr id="1" name=""/>
+        <p:cNvGrpSpPr/>
+        <p:nvPr/>
+      </p:nvGrpSpPr>
+      <p:grpSpPr>
+        <a:xfrm>
+          <a:off x="0" y="0"/>
+          <a:ext cx="0" cy="0"/>
+          <a:chOff x="0" y="0"/>
+          <a:chExt cx="0" cy="0"/>
+        </a:xfrm>
+      </p:grpSpPr>
+      <p:sp>
+        <p:nvSpPr>
+          <p:cNvPr id="2" name="内容占位符 1"/>
+          <p:cNvSpPr>
+            <a:spLocks noGrp="1"/>
+          </p:cNvSpPr>
+          <p:nvPr>
+            <p:ph idx="1"/>
+          </p:nvPr>
+        </p:nvSpPr>
+        <p:spPr/>
+        <p:txBody>
+          <a:bodyPr/>
+          <a:lstStyle/>
+          <a:p>
+            <a:pPr algn="just"/>
+            <a:r>
+              <a:rPr lang="en-US" altLang="zh-CN" sz="1800" kern="100" dirty="0">
+                <a:effectLst/>
+                <a:latin typeface="Times New Roman" panose="02020603050405020304" pitchFamily="18" charset="0"/>
+                <a:ea typeface="宋体" panose="02010600030101010101" pitchFamily="2" charset="-122"/>
+              </a:rPr>
+              <a:t>(1)</a:t>
+            </a:r>
+            <a:r>
+              <a:rPr lang="zh-CN" altLang="zh-CN" sz="1800" kern="100" dirty="0">
+                <a:effectLst/>
+                <a:latin typeface="Times New Roman" panose="02020603050405020304" pitchFamily="18" charset="0"/>
+                <a:ea typeface="宋体" panose="02010600030101010101" pitchFamily="2" charset="-122"/>
+              </a:rPr>
+              <a:t>经费限制：本项目主要目标为通过软件工程课程，没有赞助商和投资，经费需要由小组成员自行承担；</a:t>
+            </a:r>
+            <a:endParaRPr lang="zh-CN" altLang="zh-CN" sz="1800" kern="100" dirty="0">
+              <a:effectLst/>
+              <a:latin typeface="Times New Roman" panose="02020603050405020304" pitchFamily="18" charset="0"/>
+              <a:ea typeface="宋体" panose="02010600030101010101" pitchFamily="2" charset="-122"/>
+            </a:endParaRPr>
+          </a:p>
+          <a:p>
+            <a:pPr algn="just"/>
+            <a:r>
+              <a:rPr lang="en-US" altLang="zh-CN" sz="1800" kern="100" dirty="0">
+                <a:effectLst/>
+                <a:latin typeface="Times New Roman" panose="02020603050405020304" pitchFamily="18" charset="0"/>
+                <a:ea typeface="宋体" panose="02010600030101010101" pitchFamily="2" charset="-122"/>
+              </a:rPr>
+              <a:t>(2)</a:t>
+            </a:r>
+            <a:r>
+              <a:rPr lang="zh-CN" altLang="zh-CN" sz="1800" kern="100" dirty="0">
+                <a:effectLst/>
+                <a:latin typeface="Times New Roman" panose="02020603050405020304" pitchFamily="18" charset="0"/>
+                <a:ea typeface="宋体" panose="02010600030101010101" pitchFamily="2" charset="-122"/>
+              </a:rPr>
+              <a:t>开发期限：本项目为软件工程课程任务，平时的其他课程作业导致时间不足</a:t>
+            </a:r>
+            <a:endParaRPr lang="zh-CN" altLang="zh-CN" sz="1800" kern="100" dirty="0">
+              <a:effectLst/>
+              <a:latin typeface="Times New Roman" panose="02020603050405020304" pitchFamily="18" charset="0"/>
+              <a:ea typeface="宋体" panose="02010600030101010101" pitchFamily="2" charset="-122"/>
+            </a:endParaRPr>
+          </a:p>
+          <a:p>
+            <a:endParaRPr lang="zh-CN" altLang="en-US" dirty="0"/>
+          </a:p>
+        </p:txBody>
+      </p:sp>
+      <p:sp>
+        <p:nvSpPr>
+          <p:cNvPr id="3" name="标题 2"/>
+          <p:cNvSpPr>
+            <a:spLocks noGrp="1"/>
+          </p:cNvSpPr>
+          <p:nvPr>
+            <p:ph type="title"/>
+          </p:nvPr>
+        </p:nvSpPr>
+        <p:spPr/>
+        <p:txBody>
+          <a:bodyPr/>
+          <a:lstStyle/>
+          <a:p>
+            <a:r>
+              <a:rPr lang="zh-CN" altLang="en-US" dirty="0"/>
+              <a:t>约束条件</a:t>
+            </a:r>
+            <a:endParaRPr lang="zh-CN" altLang="en-US" dirty="0"/>
+          </a:p>
+        </p:txBody>
+      </p:sp>
+    </p:spTree>
+  </p:cSld>
+  <p:clrMapOvr>
+    <a:masterClrMapping/>
+  </p:clrMapOvr>
+</p:sld>
+</file>
+
+<file path=ppt/slides/slide12.xml><?xml version="1.0" encoding="utf-8"?>
+<p:sld xmlns:a="http://schemas.openxmlformats.org/drawingml/2006/main" xmlns:r="http://schemas.openxmlformats.org/officeDocument/2006/relationships" xmlns:p="http://schemas.openxmlformats.org/presentationml/2006/main">
+  <p:cSld>
+    <p:spTree>
+      <p:nvGrpSpPr>
+        <p:cNvPr id="1" name=""/>
+        <p:cNvGrpSpPr/>
+        <p:nvPr/>
+      </p:nvGrpSpPr>
+      <p:grpSpPr>
+        <a:xfrm>
+          <a:off x="0" y="0"/>
+          <a:ext cx="0" cy="0"/>
+          <a:chOff x="0" y="0"/>
+          <a:chExt cx="0" cy="0"/>
+        </a:xfrm>
+      </p:grpSpPr>
+      <p:sp>
+        <p:nvSpPr>
+          <p:cNvPr id="3" name="标题 2"/>
+          <p:cNvSpPr>
+            <a:spLocks noGrp="1"/>
+          </p:cNvSpPr>
+          <p:nvPr>
+            <p:ph type="title"/>
+          </p:nvPr>
+        </p:nvSpPr>
+        <p:spPr>
+          <a:xfrm>
+            <a:off x="3465921" y="2386242"/>
+            <a:ext cx="10972800" cy="1143000"/>
+          </a:xfrm>
+        </p:spPr>
+        <p:txBody>
+          <a:bodyPr/>
+          <a:lstStyle/>
+          <a:p>
+            <a:r>
+              <a:rPr lang="zh-CN" altLang="en-US" dirty="0"/>
+              <a:t>五</a:t>
+            </a:r>
+            <a:r>
+              <a:rPr lang="en-US" altLang="zh-CN" dirty="0"/>
+              <a:t>.</a:t>
+            </a:r>
+            <a:r>
+              <a:rPr lang="zh-CN" altLang="en-US" dirty="0"/>
+              <a:t>组员分工及评价</a:t>
+            </a:r>
+            <a:endParaRPr lang="zh-CN" altLang="en-US" dirty="0"/>
+          </a:p>
+        </p:txBody>
+      </p:sp>
+    </p:spTree>
+  </p:cSld>
+  <p:clrMapOvr>
+    <a:masterClrMapping/>
+  </p:clrMapOvr>
+</p:sld>
+</file>
+
+<file path=ppt/slides/slide13.xml><?xml version="1.0" encoding="utf-8"?>
+<p:sld xmlns:a="http://schemas.openxmlformats.org/drawingml/2006/main" xmlns:r="http://schemas.openxmlformats.org/officeDocument/2006/relationships" xmlns:p="http://schemas.openxmlformats.org/presentationml/2006/main">
+  <p:cSld>
+    <p:spTree>
+      <p:nvGrpSpPr>
+        <p:cNvPr id="1" name=""/>
+        <p:cNvGrpSpPr/>
+        <p:nvPr/>
+      </p:nvGrpSpPr>
+      <p:grpSpPr>
+        <a:xfrm>
+          <a:off x="0" y="0"/>
+          <a:ext cx="0" cy="0"/>
+          <a:chOff x="0" y="0"/>
+          <a:chExt cx="0" cy="0"/>
+        </a:xfrm>
+      </p:grpSpPr>
+      <p:sp>
+        <p:nvSpPr>
+          <p:cNvPr id="2" name="内容占位符 1"/>
+          <p:cNvSpPr>
+            <a:spLocks noGrp="1"/>
+          </p:cNvSpPr>
+          <p:nvPr>
+            <p:ph idx="1"/>
+          </p:nvPr>
+        </p:nvSpPr>
+        <p:spPr/>
+        <p:txBody>
+          <a:bodyPr/>
+          <a:lstStyle/>
+          <a:p>
+            <a:r>
+              <a:rPr lang="zh-CN" altLang="en-US" dirty="0"/>
+              <a:t>李时博：完善分析报告与</a:t>
+            </a:r>
+            <a:r>
+              <a:rPr lang="en-US" altLang="zh-CN" dirty="0"/>
+              <a:t>PPT</a:t>
+            </a:r>
+            <a:r>
+              <a:rPr lang="zh-CN" altLang="en-US" dirty="0"/>
+              <a:t>绘制原理图（</a:t>
+            </a:r>
+            <a:r>
+              <a:rPr lang="en-US" altLang="zh-CN" dirty="0"/>
+              <a:t>93</a:t>
+            </a:r>
+            <a:r>
+              <a:rPr lang="zh-CN" altLang="en-US" dirty="0"/>
+              <a:t>）</a:t>
+            </a:r>
+            <a:endParaRPr lang="en-US" altLang="zh-CN" dirty="0"/>
+          </a:p>
+          <a:p>
+            <a:endParaRPr lang="en-US" altLang="zh-CN" dirty="0"/>
+          </a:p>
+          <a:p>
+            <a:r>
+              <a:rPr lang="zh-CN" altLang="en-US" dirty="0"/>
+              <a:t>秦思豪：编写需求分析</a:t>
+            </a:r>
+            <a:r>
+              <a:rPr lang="en-US" altLang="zh-CN" dirty="0"/>
+              <a:t>ppt</a:t>
+            </a:r>
+            <a:r>
+              <a:rPr lang="zh-CN" altLang="en-US" dirty="0"/>
+              <a:t>制作（</a:t>
+            </a:r>
+            <a:r>
+              <a:rPr lang="en-US" altLang="zh-CN" dirty="0"/>
+              <a:t>91</a:t>
+            </a:r>
+            <a:r>
+              <a:rPr lang="zh-CN" altLang="en-US" dirty="0"/>
+              <a:t>）</a:t>
+            </a:r>
+            <a:endParaRPr lang="en-US" altLang="zh-CN" dirty="0"/>
+          </a:p>
+          <a:p>
+            <a:endParaRPr lang="en-US" altLang="zh-CN" dirty="0"/>
+          </a:p>
+          <a:p>
+            <a:r>
+              <a:rPr lang="zh-CN" altLang="en-US" dirty="0"/>
+              <a:t>范伟：编写需求分析报告（</a:t>
+            </a:r>
+            <a:r>
+              <a:rPr lang="en-US" altLang="zh-CN" dirty="0"/>
+              <a:t>90</a:t>
+            </a:r>
+            <a:r>
+              <a:rPr lang="zh-CN" altLang="en-US" dirty="0"/>
+              <a:t>）</a:t>
+            </a:r>
+            <a:endParaRPr lang="zh-CN" altLang="en-US" dirty="0"/>
+          </a:p>
+        </p:txBody>
+      </p:sp>
+      <p:sp>
+        <p:nvSpPr>
+          <p:cNvPr id="3" name="标题 2"/>
+          <p:cNvSpPr>
+            <a:spLocks noGrp="1"/>
+          </p:cNvSpPr>
+          <p:nvPr>
+            <p:ph type="title"/>
+          </p:nvPr>
+        </p:nvSpPr>
+        <p:spPr/>
+        <p:txBody>
+          <a:bodyPr/>
+          <a:lstStyle/>
+          <a:p>
+            <a:r>
+              <a:rPr lang="zh-CN" altLang="en-US" dirty="0"/>
+              <a:t>组员分工及评价</a:t>
+            </a:r>
+            <a:endParaRPr lang="zh-CN" altLang="en-US" dirty="0"/>
+          </a:p>
+        </p:txBody>
+      </p:sp>
+    </p:spTree>
+  </p:cSld>
+  <p:clrMapOvr>
+    <a:masterClrMapping/>
+  </p:clrMapOvr>
+</p:sld>
+</file>
+
+<file path=ppt/slides/slide14.xml><?xml version="1.0" encoding="utf-8"?>
+<p:sld xmlns:a="http://schemas.openxmlformats.org/drawingml/2006/main" xmlns:r="http://schemas.openxmlformats.org/officeDocument/2006/relationships" xmlns:p="http://schemas.openxmlformats.org/presentationml/2006/main">
+  <p:cSld>
+    <p:spTree>
+      <p:nvGrpSpPr>
+        <p:cNvPr id="1" name=""/>
+        <p:cNvGrpSpPr/>
+        <p:nvPr/>
+      </p:nvGrpSpPr>
+      <p:grpSpPr>
+        <a:xfrm>
+          <a:off x="0" y="0"/>
+          <a:ext cx="0" cy="0"/>
+          <a:chOff x="0" y="0"/>
+          <a:chExt cx="0" cy="0"/>
+        </a:xfrm>
+      </p:grpSpPr>
+      <p:sp>
+        <p:nvSpPr>
+          <p:cNvPr id="3" name="标题 2"/>
+          <p:cNvSpPr>
+            <a:spLocks noGrp="1"/>
+          </p:cNvSpPr>
+          <p:nvPr>
+            <p:ph type="title"/>
+          </p:nvPr>
+        </p:nvSpPr>
+        <p:spPr>
+          <a:xfrm>
+            <a:off x="4568858" y="2461657"/>
+            <a:ext cx="10972800" cy="1143000"/>
+          </a:xfrm>
+        </p:spPr>
+        <p:txBody>
+          <a:bodyPr/>
+          <a:lstStyle/>
+          <a:p>
+            <a:r>
+              <a:rPr lang="zh-CN" altLang="en-US" dirty="0"/>
+              <a:t>六</a:t>
+            </a:r>
+            <a:r>
+              <a:rPr lang="en-US" altLang="zh-CN" dirty="0"/>
+              <a:t>.</a:t>
+            </a:r>
+            <a:r>
+              <a:rPr lang="zh-CN" altLang="en-US" dirty="0"/>
+              <a:t>参考资料</a:t>
+            </a:r>
+            <a:endParaRPr lang="zh-CN" altLang="en-US" dirty="0"/>
+          </a:p>
+        </p:txBody>
+      </p:sp>
+    </p:spTree>
+  </p:cSld>
+  <p:clrMapOvr>
+    <a:masterClrMapping/>
+  </p:clrMapOvr>
+</p:sld>
+</file>
+
+<file path=ppt/slides/slide15.xml><?xml version="1.0" encoding="utf-8"?>
+<p:sld xmlns:a="http://schemas.openxmlformats.org/drawingml/2006/main" xmlns:r="http://schemas.openxmlformats.org/officeDocument/2006/relationships" xmlns:p="http://schemas.openxmlformats.org/presentationml/2006/main">
+  <p:cSld>
+    <p:spTree>
+      <p:nvGrpSpPr>
+        <p:cNvPr id="1" name=""/>
+        <p:cNvGrpSpPr/>
+        <p:nvPr/>
+      </p:nvGrpSpPr>
+      <p:grpSpPr>
+        <a:xfrm>
+          <a:off x="0" y="0"/>
+          <a:ext cx="0" cy="0"/>
+          <a:chOff x="0" y="0"/>
+          <a:chExt cx="0" cy="0"/>
+        </a:xfrm>
+      </p:grpSpPr>
+      <p:sp>
+        <p:nvSpPr>
+          <p:cNvPr id="2" name="内容占位符 1"/>
+          <p:cNvSpPr>
+            <a:spLocks noGrp="1"/>
+          </p:cNvSpPr>
+          <p:nvPr>
+            <p:ph idx="1"/>
+          </p:nvPr>
+        </p:nvSpPr>
+        <p:spPr/>
+        <p:txBody>
+          <a:bodyPr/>
+          <a:lstStyle/>
+          <a:p>
+            <a:pPr marL="342900" lvl="0" indent="-342900" algn="just">
+              <a:lnSpc>
+                <a:spcPct val="150000"/>
+              </a:lnSpc>
+              <a:buFont typeface="+mj-lt"/>
+              <a:buAutoNum type="arabicPeriod"/>
+              <a:tabLst>
+                <a:tab pos="266700" algn="l"/>
+              </a:tabLst>
+            </a:pPr>
+            <a:r>
+              <a:rPr lang="en-US" altLang="zh-CN" sz="1800" kern="100" dirty="0">
+                <a:effectLst/>
+                <a:latin typeface="Times New Roman" panose="02020603050405020304" pitchFamily="18" charset="0"/>
+                <a:ea typeface="宋体" panose="02010600030101010101" pitchFamily="2" charset="-122"/>
+              </a:rPr>
+              <a:t>GB8567--88</a:t>
+            </a:r>
+            <a:r>
+              <a:rPr lang="zh-CN" altLang="zh-CN" sz="1800" kern="100" dirty="0">
+                <a:effectLst/>
+                <a:latin typeface="Times New Roman" panose="02020603050405020304" pitchFamily="18" charset="0"/>
+                <a:ea typeface="宋体" panose="02010600030101010101" pitchFamily="2" charset="-122"/>
+              </a:rPr>
+              <a:t>；</a:t>
+            </a:r>
+            <a:endParaRPr lang="zh-CN" altLang="zh-CN" sz="1800" kern="100" dirty="0">
+              <a:effectLst/>
+              <a:latin typeface="Times New Roman" panose="02020603050405020304" pitchFamily="18" charset="0"/>
+              <a:ea typeface="宋体" panose="02010600030101010101" pitchFamily="2" charset="-122"/>
+            </a:endParaRPr>
+          </a:p>
+          <a:p>
+            <a:pPr marL="342900" lvl="0" indent="-342900" algn="l">
+              <a:buFont typeface="+mj-lt"/>
+              <a:buAutoNum type="arabicPeriod"/>
+              <a:tabLst>
+                <a:tab pos="266700" algn="l"/>
+              </a:tabLst>
+            </a:pPr>
+            <a:r>
+              <a:rPr lang="en-US" altLang="zh-CN" sz="1800" kern="100" dirty="0">
+                <a:effectLst/>
+                <a:latin typeface="Times New Roman" panose="02020603050405020304" pitchFamily="18" charset="0"/>
+                <a:ea typeface="宋体" panose="02010600030101010101" pitchFamily="2" charset="-122"/>
+              </a:rPr>
+              <a:t>B</a:t>
+            </a:r>
+            <a:r>
+              <a:rPr lang="zh-CN" altLang="zh-CN" sz="1800" kern="100" dirty="0">
+                <a:effectLst/>
+                <a:latin typeface="Times New Roman" panose="02020603050405020304" pitchFamily="18" charset="0"/>
+                <a:ea typeface="宋体" panose="02010600030101010101" pitchFamily="2" charset="-122"/>
+              </a:rPr>
+              <a:t>站视频：</a:t>
+            </a:r>
+            <a:r>
+              <a:rPr lang="en-US" altLang="zh-CN" sz="1800" kern="100" dirty="0">
+                <a:effectLst/>
+                <a:latin typeface="Times New Roman" panose="02020603050405020304" pitchFamily="18" charset="0"/>
+                <a:ea typeface="宋体" panose="02010600030101010101" pitchFamily="2" charset="-122"/>
+              </a:rPr>
+              <a:t>https://www.bilibili.com/video/BV1y3411s7He/?spm_id_from=333.880.my_history.page.click</a:t>
+            </a:r>
+            <a:endParaRPr lang="zh-CN" altLang="zh-CN" sz="1800" kern="100" dirty="0">
+              <a:effectLst/>
+              <a:latin typeface="Times New Roman" panose="02020603050405020304" pitchFamily="18" charset="0"/>
+              <a:ea typeface="宋体" panose="02010600030101010101" pitchFamily="2" charset="-122"/>
+            </a:endParaRPr>
+          </a:p>
+          <a:p>
+            <a:pPr marL="342900" lvl="0" indent="-342900" algn="just">
+              <a:buFont typeface="+mj-lt"/>
+              <a:buAutoNum type="arabicPeriod"/>
+              <a:tabLst>
+                <a:tab pos="266700" algn="l"/>
+              </a:tabLst>
+            </a:pPr>
+            <a:r>
+              <a:rPr lang="en-US" altLang="zh-CN" sz="1800" kern="100" dirty="0" err="1">
+                <a:effectLst/>
+                <a:latin typeface="Times New Roman" panose="02020603050405020304" pitchFamily="18" charset="0"/>
+                <a:ea typeface="宋体" panose="02010600030101010101" pitchFamily="2" charset="-122"/>
+              </a:rPr>
+              <a:t>Csdn</a:t>
+            </a:r>
+            <a:r>
+              <a:rPr lang="en-US" altLang="zh-CN" sz="1800" kern="100" dirty="0">
+                <a:effectLst/>
+                <a:latin typeface="Times New Roman" panose="02020603050405020304" pitchFamily="18" charset="0"/>
+                <a:ea typeface="宋体" panose="02010600030101010101" pitchFamily="2" charset="-122"/>
+              </a:rPr>
+              <a:t> </a:t>
+            </a:r>
+            <a:r>
+              <a:rPr lang="en-US" altLang="zh-CN" sz="1800" u="sng" kern="100" dirty="0">
+                <a:solidFill>
+                  <a:srgbClr val="0000FF"/>
+                </a:solidFill>
+                <a:effectLst/>
+                <a:latin typeface="Times New Roman" panose="02020603050405020304" pitchFamily="18" charset="0"/>
+                <a:ea typeface="宋体" panose="02010600030101010101" pitchFamily="2" charset="-122"/>
+                <a:hlinkClick r:id="rId1"/>
+              </a:rPr>
+              <a:t>https://blog.csdn.net/weixin_36204727/article/details/117786281?spm=1001.2101.3001.6650.2&amp;utm_medium=distribute.pc_relevant.none-task-blog-2~default~CTRLIST~Rate-2-117786281-blog-125726404.pc_relevant_3mothn_strategy_recovery&amp;depth_1-utm_source=distribute.pc_relevant.none-task-blog-2~default~CTRLIST~Rate-2-117786281-blog-125726404.pc_relevant_3mothn_strategy_recovery&amp;utm_relevant_index=4</a:t>
+            </a:r>
+            <a:endParaRPr lang="zh-CN" altLang="zh-CN" sz="1800" kern="100" dirty="0">
+              <a:effectLst/>
+              <a:latin typeface="Times New Roman" panose="02020603050405020304" pitchFamily="18" charset="0"/>
+              <a:ea typeface="宋体" panose="02010600030101010101" pitchFamily="2" charset="-122"/>
+            </a:endParaRPr>
+          </a:p>
+          <a:p>
+            <a:pPr marL="342900" lvl="0" indent="-342900" algn="just">
+              <a:buFont typeface="+mj-lt"/>
+              <a:buAutoNum type="arabicPeriod"/>
+              <a:tabLst>
+                <a:tab pos="266700" algn="l"/>
+              </a:tabLst>
+            </a:pPr>
+            <a:r>
+              <a:rPr lang="en-US" altLang="zh-CN" sz="1800" u="sng" kern="100" dirty="0">
+                <a:solidFill>
+                  <a:srgbClr val="0000FF"/>
+                </a:solidFill>
+                <a:effectLst/>
+                <a:latin typeface="Times New Roman" panose="02020603050405020304" pitchFamily="18" charset="0"/>
+                <a:ea typeface="宋体" panose="02010600030101010101" pitchFamily="2" charset="-122"/>
+                <a:hlinkClick r:id="rId2"/>
+              </a:rPr>
+              <a:t>https://blog.csdn.net/mhx3008557816/article/details/121542706</a:t>
+            </a:r>
+            <a:endParaRPr lang="zh-CN" altLang="zh-CN" sz="1800" kern="100" dirty="0">
+              <a:effectLst/>
+              <a:latin typeface="Times New Roman" panose="02020603050405020304" pitchFamily="18" charset="0"/>
+              <a:ea typeface="宋体" panose="02010600030101010101" pitchFamily="2" charset="-122"/>
+            </a:endParaRPr>
+          </a:p>
+          <a:p>
+            <a:pPr marL="342900" lvl="0" indent="-342900" algn="just">
+              <a:buFont typeface="+mj-lt"/>
+              <a:buAutoNum type="arabicPeriod"/>
+              <a:tabLst>
+                <a:tab pos="266700" algn="l"/>
+              </a:tabLst>
+            </a:pPr>
+            <a:r>
+              <a:rPr lang="zh-CN" altLang="zh-CN" sz="1800" kern="100" dirty="0">
+                <a:effectLst/>
+                <a:latin typeface="Times New Roman" panose="02020603050405020304" pitchFamily="18" charset="0"/>
+                <a:ea typeface="宋体" panose="02010600030101010101" pitchFamily="2" charset="-122"/>
+              </a:rPr>
+              <a:t>《如何评价植物大战僵尸》</a:t>
+            </a:r>
+            <a:r>
+              <a:rPr lang="en-US" altLang="zh-CN" sz="1800" kern="100" dirty="0">
+                <a:effectLst/>
+                <a:latin typeface="Times New Roman" panose="02020603050405020304" pitchFamily="18" charset="0"/>
+                <a:ea typeface="宋体" panose="02010600030101010101" pitchFamily="2" charset="-122"/>
+              </a:rPr>
+              <a:t>https://baijiahao.baidu.com/s?id=1691471808354440505&amp;wfr=spider&amp;for=pc</a:t>
+            </a:r>
+            <a:endParaRPr lang="zh-CN" altLang="zh-CN" sz="1800" kern="100" dirty="0">
+              <a:effectLst/>
+              <a:latin typeface="Times New Roman" panose="02020603050405020304" pitchFamily="18" charset="0"/>
+              <a:ea typeface="宋体" panose="02010600030101010101" pitchFamily="2" charset="-122"/>
+            </a:endParaRPr>
+          </a:p>
+          <a:p>
+            <a:endParaRPr lang="zh-CN" altLang="en-US" dirty="0"/>
+          </a:p>
+        </p:txBody>
+      </p:sp>
+      <p:sp>
+        <p:nvSpPr>
+          <p:cNvPr id="3" name="标题 2"/>
+          <p:cNvSpPr>
+            <a:spLocks noGrp="1"/>
+          </p:cNvSpPr>
+          <p:nvPr>
+            <p:ph type="title"/>
+          </p:nvPr>
+        </p:nvSpPr>
+        <p:spPr/>
+        <p:txBody>
+          <a:bodyPr/>
+          <a:lstStyle/>
+          <a:p>
+            <a:r>
+              <a:rPr lang="zh-CN" altLang="en-US" dirty="0"/>
+              <a:t>参考资料</a:t>
+            </a:r>
+            <a:endParaRPr lang="zh-CN" altLang="en-US" dirty="0"/>
+          </a:p>
+        </p:txBody>
+      </p:sp>
+    </p:spTree>
+  </p:cSld>
+  <p:clrMapOvr>
+    <a:masterClrMapping/>
+  </p:clrMapOvr>
+</p:sld>
+</file>
+
+<file path=ppt/slides/slide16.xml><?xml version="1.0" encoding="utf-8"?>
+<p:sld xmlns:a="http://schemas.openxmlformats.org/drawingml/2006/main" xmlns:r="http://schemas.openxmlformats.org/officeDocument/2006/relationships" xmlns:p="http://schemas.openxmlformats.org/presentationml/2006/main">
+  <p:cSld>
+    <p:spTree>
+      <p:nvGrpSpPr>
+        <p:cNvPr id="1" name=""/>
+        <p:cNvGrpSpPr/>
+        <p:nvPr/>
+      </p:nvGrpSpPr>
+      <p:grpSpPr/>
+      <p:sp>
+        <p:nvSpPr>
+          <p:cNvPr id="2" name="内容占位符 1"/>
+          <p:cNvSpPr>
+            <a:spLocks noGrp="1"/>
+          </p:cNvSpPr>
+          <p:nvPr>
+            <p:ph idx="1"/>
+          </p:nvPr>
+        </p:nvSpPr>
+        <p:spPr/>
+        <p:txBody>
+          <a:bodyPr/>
+          <a:p>
+            <a:endParaRPr lang="zh-CN" altLang="en-US"/>
+          </a:p>
+        </p:txBody>
+      </p:sp>
+      <p:sp>
+        <p:nvSpPr>
+          <p:cNvPr id="3" name="标题 2"/>
+          <p:cNvSpPr>
+            <a:spLocks noGrp="1"/>
+          </p:cNvSpPr>
+          <p:nvPr>
+            <p:ph type="title"/>
+          </p:nvPr>
+        </p:nvSpPr>
+        <p:spPr>
+          <a:xfrm>
+            <a:off x="4373245" y="2624773"/>
+            <a:ext cx="10972800" cy="1143000"/>
+          </a:xfrm>
+        </p:spPr>
+        <p:txBody>
+          <a:bodyPr/>
+          <a:p>
+            <a:r>
+              <a:rPr lang="zh-CN" altLang="en-US"/>
+              <a:t>谢谢大家</a:t>
+            </a:r>
+            <a:endParaRPr lang="zh-CN" altLang="en-US"/>
+          </a:p>
+        </p:txBody>
+      </p:sp>
+    </p:spTree>
   </p:cSld>
   <p:clrMapOvr>
     <a:masterClrMapping/>
@@ -4705,13 +5400,7 @@
       </p:grpSpPr>
       <p:sp>
         <p:nvSpPr>
-          <p:cNvPr id="2" name="内容占位符 1">
-            <a:extLst>
-              <a:ext uri="{FF2B5EF4-FFF2-40B4-BE49-F238E27FC236}">
-                <a16:creationId xmlns:a16="http://schemas.microsoft.com/office/drawing/2014/main" id="{EB659F84-5771-F3B1-4A9B-4101858A40A6}"/>
-              </a:ext>
-            </a:extLst>
-          </p:cNvPr>
+          <p:cNvPr id="3" name="内容占位符 2"/>
           <p:cNvSpPr>
             <a:spLocks noGrp="1"/>
           </p:cNvSpPr>
@@ -4724,47 +5413,101 @@
           <a:bodyPr/>
           <a:lstStyle/>
           <a:p>
+            <a:pPr marL="514350" indent="-514350">
+              <a:buFont typeface="+mj-lt"/>
+              <a:buAutoNum type="arabicPeriod"/>
+            </a:pPr>
             <a:r>
               <a:rPr lang="zh-CN" altLang="en-US" dirty="0"/>
-              <a:t>广大青少年和有空闲时间的人</a:t>
-            </a:r>
-          </a:p>
-        </p:txBody>
-      </p:sp>
-      <p:sp>
-        <p:nvSpPr>
-          <p:cNvPr id="3" name="标题 2">
-            <a:extLst>
-              <a:ext uri="{FF2B5EF4-FFF2-40B4-BE49-F238E27FC236}">
-                <a16:creationId xmlns:a16="http://schemas.microsoft.com/office/drawing/2014/main" id="{E3103D56-F3C6-CA76-D07D-609B03F2C1AE}"/>
-              </a:ext>
-            </a:extLst>
-          </p:cNvPr>
-          <p:cNvSpPr>
-            <a:spLocks noGrp="1"/>
-          </p:cNvSpPr>
-          <p:nvPr>
-            <p:ph type="title"/>
-          </p:nvPr>
-        </p:nvSpPr>
-        <p:spPr/>
-        <p:txBody>
-          <a:bodyPr/>
-          <a:lstStyle/>
-          <a:p>
+              <a:t>里程碑评审</a:t>
+            </a:r>
+            <a:endParaRPr lang="en-US" altLang="zh-CN" dirty="0"/>
+          </a:p>
+          <a:p>
+            <a:pPr marL="514350" indent="-514350">
+              <a:buFont typeface="+mj-lt"/>
+              <a:buAutoNum type="arabicPeriod"/>
+            </a:pPr>
             <a:r>
               <a:rPr lang="zh-CN" altLang="en-US" dirty="0"/>
               <a:t>用户代表</a:t>
             </a:r>
+            <a:endParaRPr lang="en-US" altLang="zh-CN" dirty="0"/>
+          </a:p>
+          <a:p>
+            <a:pPr marL="514350" indent="-514350">
+              <a:buFont typeface="+mj-lt"/>
+              <a:buAutoNum type="arabicPeriod"/>
+            </a:pPr>
+            <a:r>
+              <a:rPr lang="zh-CN" altLang="en-US" dirty="0"/>
+              <a:t>会议纪要</a:t>
+            </a:r>
+            <a:endParaRPr lang="en-US" altLang="zh-CN" dirty="0"/>
+          </a:p>
+          <a:p>
+            <a:pPr marL="514350" indent="-514350">
+              <a:buFont typeface="+mj-lt"/>
+              <a:buAutoNum type="arabicPeriod"/>
+            </a:pPr>
+            <a:r>
+              <a:rPr lang="en-US" altLang="zh-CN" dirty="0"/>
+              <a:t>E-R</a:t>
+            </a:r>
+            <a:r>
+              <a:rPr lang="zh-CN" altLang="en-US" dirty="0"/>
+              <a:t>图</a:t>
+            </a:r>
+            <a:endParaRPr lang="en-US" altLang="zh-CN" dirty="0"/>
+          </a:p>
+          <a:p>
+            <a:pPr marL="514350" indent="-514350">
+              <a:buFont typeface="+mj-lt"/>
+              <a:buAutoNum type="arabicPeriod"/>
+            </a:pPr>
+            <a:r>
+              <a:rPr lang="zh-CN" altLang="en-US" dirty="0"/>
+              <a:t>组员分工及评价</a:t>
+            </a:r>
+            <a:endParaRPr lang="en-US" altLang="zh-CN" dirty="0"/>
+          </a:p>
+          <a:p>
+            <a:pPr marL="514350" indent="-514350">
+              <a:buFont typeface="+mj-lt"/>
+              <a:buAutoNum type="arabicPeriod"/>
+            </a:pPr>
+            <a:r>
+              <a:rPr lang="zh-CN" altLang="en-US" dirty="0"/>
+              <a:t>参考文献</a:t>
+            </a:r>
+            <a:endParaRPr lang="zh-CN" altLang="en-US" dirty="0"/>
+          </a:p>
+        </p:txBody>
+      </p:sp>
+      <p:sp>
+        <p:nvSpPr>
+          <p:cNvPr id="2" name="标题 1"/>
+          <p:cNvSpPr>
+            <a:spLocks noGrp="1"/>
+          </p:cNvSpPr>
+          <p:nvPr>
+            <p:ph type="title"/>
+          </p:nvPr>
+        </p:nvSpPr>
+        <p:spPr/>
+        <p:txBody>
+          <a:bodyPr/>
+          <a:lstStyle/>
+          <a:p>
+            <a:r>
+              <a:rPr lang="zh-CN" altLang="en-US" dirty="0"/>
+              <a:t>目录</a:t>
+            </a:r>
+            <a:endParaRPr lang="zh-CN" altLang="en-US" dirty="0"/>
           </a:p>
         </p:txBody>
       </p:sp>
     </p:spTree>
-    <p:extLst>
-      <p:ext uri="{BB962C8B-B14F-4D97-AF65-F5344CB8AC3E}">
-        <p14:creationId xmlns:p14="http://schemas.microsoft.com/office/powerpoint/2010/main" val="4116883645"/>
-      </p:ext>
-    </p:extLst>
   </p:cSld>
   <p:clrMapOvr>
     <a:masterClrMapping/>
@@ -4789,69 +5532,81 @@
           <a:chExt cx="0" cy="0"/>
         </a:xfrm>
       </p:grpSpPr>
+      <p:sp>
+        <p:nvSpPr>
+          <p:cNvPr id="3" name="标题 2"/>
+          <p:cNvSpPr>
+            <a:spLocks noGrp="1"/>
+          </p:cNvSpPr>
+          <p:nvPr>
+            <p:ph type="title"/>
+          </p:nvPr>
+        </p:nvSpPr>
+        <p:spPr/>
+        <p:txBody>
+          <a:bodyPr/>
+          <a:lstStyle/>
+          <a:p>
+            <a:r>
+              <a:rPr lang="zh-CN" altLang="en-US" dirty="0"/>
+              <a:t>一</a:t>
+            </a:r>
+            <a:r>
+              <a:rPr lang="en-US" altLang="zh-CN" dirty="0"/>
+              <a:t>.</a:t>
+            </a:r>
+            <a:r>
+              <a:rPr lang="zh-CN" altLang="en-US" dirty="0"/>
+              <a:t>里程碑评审</a:t>
+            </a:r>
+            <a:endParaRPr lang="zh-CN" altLang="en-US" dirty="0"/>
+          </a:p>
+        </p:txBody>
+      </p:sp>
+      <p:sp>
+        <p:nvSpPr>
+          <p:cNvPr id="7" name="内容占位符 6"/>
+          <p:cNvSpPr>
+            <a:spLocks noGrp="1"/>
+          </p:cNvSpPr>
+          <p:nvPr>
+            <p:ph idx="1"/>
+          </p:nvPr>
+        </p:nvSpPr>
+        <p:spPr/>
+        <p:txBody>
+          <a:bodyPr/>
+          <a:lstStyle/>
+          <a:p>
+            <a:endParaRPr lang="zh-CN" altLang="en-US"/>
+          </a:p>
+        </p:txBody>
+      </p:sp>
       <p:pic>
         <p:nvPicPr>
-          <p:cNvPr id="5" name="内容占位符 4">
-            <a:extLst>
-              <a:ext uri="{FF2B5EF4-FFF2-40B4-BE49-F238E27FC236}">
-                <a16:creationId xmlns:a16="http://schemas.microsoft.com/office/drawing/2014/main" id="{4309891F-7837-5178-6B85-E5924AA4BDDE}"/>
-              </a:ext>
-            </a:extLst>
-          </p:cNvPr>
+          <p:cNvPr id="9" name="图片 8"/>
           <p:cNvPicPr>
-            <a:picLocks noGrp="1" noChangeAspect="1"/>
+            <a:picLocks noChangeAspect="1"/>
           </p:cNvPicPr>
-          <p:nvPr>
-            <p:ph idx="1"/>
-          </p:nvPr>
+          <p:nvPr/>
         </p:nvPicPr>
         <p:blipFill>
-          <a:blip r:embed="rId2"/>
+          <a:blip r:embed="rId1"/>
           <a:stretch>
             <a:fillRect/>
           </a:stretch>
         </p:blipFill>
         <p:spPr>
           <a:xfrm>
-            <a:off x="2839847" y="1481138"/>
-            <a:ext cx="6512306" cy="4525962"/>
+            <a:off x="609600" y="1481329"/>
+            <a:ext cx="10791217" cy="4524442"/>
           </a:xfrm>
+          <a:prstGeom prst="rect">
+            <a:avLst/>
+          </a:prstGeom>
         </p:spPr>
       </p:pic>
-      <p:sp>
-        <p:nvSpPr>
-          <p:cNvPr id="3" name="标题 2">
-            <a:extLst>
-              <a:ext uri="{FF2B5EF4-FFF2-40B4-BE49-F238E27FC236}">
-                <a16:creationId xmlns:a16="http://schemas.microsoft.com/office/drawing/2014/main" id="{0D9C1430-D6FF-3023-AA28-D80CD8824F72}"/>
-              </a:ext>
-            </a:extLst>
-          </p:cNvPr>
-          <p:cNvSpPr>
-            <a:spLocks noGrp="1"/>
-          </p:cNvSpPr>
-          <p:nvPr>
-            <p:ph type="title"/>
-          </p:nvPr>
-        </p:nvSpPr>
-        <p:spPr/>
-        <p:txBody>
-          <a:bodyPr/>
-          <a:lstStyle/>
-          <a:p>
-            <a:r>
-              <a:rPr lang="zh-CN" altLang="en-US" dirty="0"/>
-              <a:t>功能规定</a:t>
-            </a:r>
-          </a:p>
-        </p:txBody>
-      </p:sp>
     </p:spTree>
-    <p:extLst>
-      <p:ext uri="{BB962C8B-B14F-4D97-AF65-F5344CB8AC3E}">
-        <p14:creationId xmlns:p14="http://schemas.microsoft.com/office/powerpoint/2010/main" val="3872810671"/>
-      </p:ext>
-    </p:extLst>
   </p:cSld>
   <p:clrMapOvr>
     <a:masterClrMapping/>
@@ -4876,73 +5631,43 @@
           <a:chExt cx="0" cy="0"/>
         </a:xfrm>
       </p:grpSpPr>
-      <p:pic>
-        <p:nvPicPr>
-          <p:cNvPr id="5" name="内容占位符 4">
-            <a:extLst>
-              <a:ext uri="{FF2B5EF4-FFF2-40B4-BE49-F238E27FC236}">
-                <a16:creationId xmlns:a16="http://schemas.microsoft.com/office/drawing/2014/main" id="{3D0753C9-8953-965D-1457-7D113C81223D}"/>
-              </a:ext>
-            </a:extLst>
-          </p:cNvPr>
-          <p:cNvPicPr>
-            <a:picLocks noGrp="1" noChangeAspect="1"/>
-          </p:cNvPicPr>
-          <p:nvPr>
-            <p:ph idx="1"/>
-          </p:nvPr>
-        </p:nvPicPr>
-        <p:blipFill>
-          <a:blip r:embed="rId2"/>
-          <a:stretch>
-            <a:fillRect/>
-          </a:stretch>
-        </p:blipFill>
+      <p:sp>
+        <p:nvSpPr>
+          <p:cNvPr id="3" name="标题 2"/>
+          <p:cNvSpPr>
+            <a:spLocks noGrp="1"/>
+          </p:cNvSpPr>
+          <p:nvPr>
+            <p:ph type="title"/>
+          </p:nvPr>
+        </p:nvSpPr>
         <p:spPr>
           <a:xfrm>
-            <a:off x="1395412" y="1534319"/>
-            <a:ext cx="9401175" cy="4419600"/>
+            <a:off x="4022103" y="2103438"/>
+            <a:ext cx="10972800" cy="1143000"/>
           </a:xfrm>
         </p:spPr>
-      </p:pic>
-      <p:sp>
-        <p:nvSpPr>
-          <p:cNvPr id="3" name="标题 2">
-            <a:extLst>
-              <a:ext uri="{FF2B5EF4-FFF2-40B4-BE49-F238E27FC236}">
-                <a16:creationId xmlns:a16="http://schemas.microsoft.com/office/drawing/2014/main" id="{0C84D8B7-4181-503E-041C-C37AEFD81CFC}"/>
-              </a:ext>
-            </a:extLst>
-          </p:cNvPr>
-          <p:cNvSpPr>
-            <a:spLocks noGrp="1"/>
-          </p:cNvSpPr>
-          <p:nvPr>
-            <p:ph type="title"/>
-          </p:nvPr>
-        </p:nvSpPr>
-        <p:spPr/>
         <p:txBody>
           <a:bodyPr/>
           <a:lstStyle/>
           <a:p>
             <a:r>
+              <a:rPr lang="zh-CN" altLang="en-US" dirty="0"/>
+              <a:t>二</a:t>
+            </a:r>
+            <a:r>
               <a:rPr lang="en-US" altLang="zh-CN" dirty="0"/>
-              <a:t>E-R</a:t>
+              <a:t>.</a:t>
             </a:r>
             <a:r>
               <a:rPr lang="zh-CN" altLang="en-US" dirty="0"/>
-              <a:t>图</a:t>
-            </a:r>
+              <a:t>用户代表</a:t>
+            </a:r>
+            <a:endParaRPr lang="zh-CN" altLang="en-US" dirty="0"/>
           </a:p>
         </p:txBody>
       </p:sp>
     </p:spTree>
-    <p:extLst>
-      <p:ext uri="{BB962C8B-B14F-4D97-AF65-F5344CB8AC3E}">
-        <p14:creationId xmlns:p14="http://schemas.microsoft.com/office/powerpoint/2010/main" val="878163629"/>
-      </p:ext>
-    </p:extLst>
   </p:cSld>
   <p:clrMapOvr>
     <a:masterClrMapping/>
@@ -4969,13 +5694,7 @@
       </p:grpSpPr>
       <p:sp>
         <p:nvSpPr>
-          <p:cNvPr id="2" name="内容占位符 1">
-            <a:extLst>
-              <a:ext uri="{FF2B5EF4-FFF2-40B4-BE49-F238E27FC236}">
-                <a16:creationId xmlns:a16="http://schemas.microsoft.com/office/drawing/2014/main" id="{A2D16A52-812C-5080-4F49-A891915D712A}"/>
-              </a:ext>
-            </a:extLst>
-          </p:cNvPr>
+          <p:cNvPr id="2" name="内容占位符 1"/>
           <p:cNvSpPr>
             <a:spLocks noGrp="1"/>
           </p:cNvSpPr>
@@ -4988,57 +5707,17 @@
           <a:bodyPr/>
           <a:lstStyle/>
           <a:p>
-            <a:pPr algn="just"/>
-            <a:r>
-              <a:rPr lang="en-US" altLang="zh-CN" sz="1800" kern="100" dirty="0">
-                <a:effectLst/>
-                <a:latin typeface="Times New Roman" panose="02020603050405020304" pitchFamily="18" charset="0"/>
-                <a:ea typeface="宋体" panose="02010600030101010101" pitchFamily="2" charset="-122"/>
-              </a:rPr>
-              <a:t>(1)</a:t>
-            </a:r>
-            <a:r>
-              <a:rPr lang="zh-CN" altLang="zh-CN" sz="1800" kern="100" dirty="0">
-                <a:effectLst/>
-                <a:latin typeface="Times New Roman" panose="02020603050405020304" pitchFamily="18" charset="0"/>
-                <a:ea typeface="宋体" panose="02010600030101010101" pitchFamily="2" charset="-122"/>
-              </a:rPr>
-              <a:t>经费限制：本项目主要目标为通过软件工程课程，没有赞助商和投资，经费需要由小组成员自行承担；</a:t>
-            </a:r>
-          </a:p>
-          <a:p>
-            <a:pPr algn="just"/>
-            <a:r>
-              <a:rPr lang="en-US" altLang="zh-CN" sz="1800" kern="100" dirty="0">
-                <a:effectLst/>
-                <a:latin typeface="Times New Roman" panose="02020603050405020304" pitchFamily="18" charset="0"/>
-                <a:ea typeface="宋体" panose="02010600030101010101" pitchFamily="2" charset="-122"/>
-              </a:rPr>
-              <a:t>(2)</a:t>
-            </a:r>
-            <a:r>
-              <a:rPr lang="zh-CN" altLang="zh-CN" sz="1800" kern="100" dirty="0">
-                <a:effectLst/>
-                <a:latin typeface="Times New Roman" panose="02020603050405020304" pitchFamily="18" charset="0"/>
-                <a:ea typeface="宋体" panose="02010600030101010101" pitchFamily="2" charset="-122"/>
-              </a:rPr>
-              <a:t>开发期限：本项目为软件工程课程任务，平时的其他课程作业导致时间不足</a:t>
-            </a:r>
-          </a:p>
-          <a:p>
+            <a:r>
+              <a:rPr lang="zh-CN" altLang="en-US" dirty="0"/>
+              <a:t>同寝室的室友</a:t>
+            </a:r>
             <a:endParaRPr lang="zh-CN" altLang="en-US" dirty="0"/>
           </a:p>
         </p:txBody>
       </p:sp>
       <p:sp>
         <p:nvSpPr>
-          <p:cNvPr id="3" name="标题 2">
-            <a:extLst>
-              <a:ext uri="{FF2B5EF4-FFF2-40B4-BE49-F238E27FC236}">
-                <a16:creationId xmlns:a16="http://schemas.microsoft.com/office/drawing/2014/main" id="{6F4D57C5-9DA9-40E7-1A7B-E0ACFEEED285}"/>
-              </a:ext>
-            </a:extLst>
-          </p:cNvPr>
+          <p:cNvPr id="3" name="标题 2"/>
           <p:cNvSpPr>
             <a:spLocks noGrp="1"/>
           </p:cNvSpPr>
@@ -5053,17 +5732,13 @@
           <a:p>
             <a:r>
               <a:rPr lang="zh-CN" altLang="en-US" dirty="0"/>
-              <a:t>约束条件</a:t>
-            </a:r>
+              <a:t>用户代表</a:t>
+            </a:r>
+            <a:endParaRPr lang="zh-CN" altLang="en-US" dirty="0"/>
           </a:p>
         </p:txBody>
       </p:sp>
     </p:spTree>
-    <p:extLst>
-      <p:ext uri="{BB962C8B-B14F-4D97-AF65-F5344CB8AC3E}">
-        <p14:creationId xmlns:p14="http://schemas.microsoft.com/office/powerpoint/2010/main" val="1928903148"/>
-      </p:ext>
-    </p:extLst>
   </p:cSld>
   <p:clrMapOvr>
     <a:masterClrMapping/>
@@ -5090,126 +5765,41 @@
       </p:grpSpPr>
       <p:sp>
         <p:nvSpPr>
-          <p:cNvPr id="2" name="内容占位符 1">
-            <a:extLst>
-              <a:ext uri="{FF2B5EF4-FFF2-40B4-BE49-F238E27FC236}">
-                <a16:creationId xmlns:a16="http://schemas.microsoft.com/office/drawing/2014/main" id="{3C56D0B7-F25E-07BE-D8B0-CB8087E3FD06}"/>
-              </a:ext>
-            </a:extLst>
-          </p:cNvPr>
-          <p:cNvSpPr>
-            <a:spLocks noGrp="1"/>
-          </p:cNvSpPr>
-          <p:nvPr>
-            <p:ph idx="1"/>
-          </p:nvPr>
-        </p:nvSpPr>
-        <p:spPr/>
+          <p:cNvPr id="3" name="标题 2"/>
+          <p:cNvSpPr>
+            <a:spLocks noGrp="1"/>
+          </p:cNvSpPr>
+          <p:nvPr>
+            <p:ph type="title"/>
+          </p:nvPr>
+        </p:nvSpPr>
+        <p:spPr>
+          <a:xfrm>
+            <a:off x="4088091" y="2286000"/>
+            <a:ext cx="10972800" cy="1143000"/>
+          </a:xfrm>
+        </p:spPr>
         <p:txBody>
           <a:bodyPr/>
           <a:lstStyle/>
           <a:p>
             <a:r>
               <a:rPr lang="zh-CN" altLang="en-US" dirty="0"/>
-              <a:t>李时博：完善分析报告与</a:t>
+              <a:t>三</a:t>
             </a:r>
             <a:r>
               <a:rPr lang="en-US" altLang="zh-CN" dirty="0"/>
-              <a:t>PPT</a:t>
+              <a:t>.</a:t>
             </a:r>
             <a:r>
               <a:rPr lang="zh-CN" altLang="en-US" dirty="0"/>
-              <a:t>绘制原理图（</a:t>
-            </a:r>
-            <a:r>
-              <a:rPr lang="en-US" altLang="zh-CN" dirty="0"/>
-              <a:t>93</a:t>
-            </a:r>
-            <a:r>
-              <a:rPr lang="zh-CN" altLang="en-US" dirty="0"/>
-              <a:t>）</a:t>
-            </a:r>
-            <a:endParaRPr lang="en-US" altLang="zh-CN" dirty="0"/>
-          </a:p>
-          <a:p>
-            <a:endParaRPr lang="en-US" altLang="zh-CN" dirty="0"/>
-          </a:p>
-          <a:p>
-            <a:r>
-              <a:rPr lang="zh-CN" altLang="en-US" dirty="0"/>
-              <a:t>秦思豪：编写需求分析</a:t>
-            </a:r>
-            <a:r>
-              <a:rPr lang="en-US" altLang="zh-CN" dirty="0"/>
-              <a:t>ppt</a:t>
-            </a:r>
-            <a:r>
-              <a:rPr lang="zh-CN" altLang="en-US" dirty="0"/>
-              <a:t>制作（</a:t>
-            </a:r>
-            <a:r>
-              <a:rPr lang="en-US" altLang="zh-CN" dirty="0"/>
-              <a:t>91</a:t>
-            </a:r>
-            <a:r>
-              <a:rPr lang="zh-CN" altLang="en-US" dirty="0"/>
-              <a:t>）</a:t>
-            </a:r>
-            <a:endParaRPr lang="en-US" altLang="zh-CN" dirty="0"/>
-          </a:p>
-          <a:p>
-            <a:endParaRPr lang="en-US" altLang="zh-CN" dirty="0"/>
-          </a:p>
-          <a:p>
-            <a:r>
-              <a:rPr lang="zh-CN" altLang="en-US" dirty="0"/>
-              <a:t>范伟：编写需求分析报告（</a:t>
-            </a:r>
-            <a:r>
-              <a:rPr lang="en-US" altLang="zh-CN" dirty="0"/>
-              <a:t>90</a:t>
-            </a:r>
-            <a:r>
-              <a:rPr lang="zh-CN" altLang="en-US" dirty="0"/>
-              <a:t>）</a:t>
-            </a:r>
-          </a:p>
-        </p:txBody>
-      </p:sp>
-      <p:sp>
-        <p:nvSpPr>
-          <p:cNvPr id="3" name="标题 2">
-            <a:extLst>
-              <a:ext uri="{FF2B5EF4-FFF2-40B4-BE49-F238E27FC236}">
-                <a16:creationId xmlns:a16="http://schemas.microsoft.com/office/drawing/2014/main" id="{41E0C00F-71A8-6C6E-9D5F-1A9DE9C5C298}"/>
-              </a:ext>
-            </a:extLst>
-          </p:cNvPr>
-          <p:cNvSpPr>
-            <a:spLocks noGrp="1"/>
-          </p:cNvSpPr>
-          <p:nvPr>
-            <p:ph type="title"/>
-          </p:nvPr>
-        </p:nvSpPr>
-        <p:spPr/>
-        <p:txBody>
-          <a:bodyPr/>
-          <a:lstStyle/>
-          <a:p>
-            <a:r>
-              <a:rPr lang="zh-CN" altLang="en-US" dirty="0"/>
-              <a:t>组员分工及评价</a:t>
-            </a:r>
+              <a:t>会议纪要</a:t>
+            </a:r>
+            <a:endParaRPr lang="zh-CN" altLang="en-US" dirty="0"/>
           </a:p>
         </p:txBody>
       </p:sp>
     </p:spTree>
-    <p:extLst>
-      <p:ext uri="{BB962C8B-B14F-4D97-AF65-F5344CB8AC3E}">
-        <p14:creationId xmlns:p14="http://schemas.microsoft.com/office/powerpoint/2010/main" val="87446127"/>
-      </p:ext>
-    </p:extLst>
   </p:cSld>
   <p:clrMapOvr>
     <a:masterClrMapping/>
@@ -5236,13 +5826,7 @@
       </p:grpSpPr>
       <p:sp>
         <p:nvSpPr>
-          <p:cNvPr id="2" name="内容占位符 1">
-            <a:extLst>
-              <a:ext uri="{FF2B5EF4-FFF2-40B4-BE49-F238E27FC236}">
-                <a16:creationId xmlns:a16="http://schemas.microsoft.com/office/drawing/2014/main" id="{38C37DA9-BE37-30E1-62C9-28AA21A9FAF4}"/>
-              </a:ext>
-            </a:extLst>
-          </p:cNvPr>
+          <p:cNvPr id="2" name="内容占位符 1"/>
           <p:cNvSpPr>
             <a:spLocks noGrp="1"/>
           </p:cNvSpPr>
@@ -5250,218 +5834,748 @@
             <p:ph idx="1"/>
           </p:nvPr>
         </p:nvSpPr>
-        <p:spPr/>
-        <p:txBody>
-          <a:bodyPr/>
-          <a:lstStyle/>
-          <a:p>
-            <a:pPr marL="342900" lvl="0" indent="-342900" algn="just">
+        <p:spPr>
+          <a:xfrm>
+            <a:off x="1033806" y="474249"/>
+            <a:ext cx="11158194" cy="5420412"/>
+          </a:xfrm>
+        </p:spPr>
+        <p:txBody>
+          <a:bodyPr>
+            <a:noAutofit/>
+          </a:bodyPr>
+          <a:lstStyle/>
+          <a:p>
+            <a:pPr algn="l">
               <a:lnSpc>
-                <a:spcPct val="150000"/>
+                <a:spcPts val="2250"/>
               </a:lnSpc>
-              <a:buFont typeface="+mj-lt"/>
-              <a:buAutoNum type="arabicPeriod"/>
-              <a:tabLst>
-                <a:tab pos="266700" algn="l"/>
-              </a:tabLst>
             </a:pPr>
             <a:r>
-              <a:rPr lang="en-US" altLang="zh-CN" sz="1800" kern="100" dirty="0">
+              <a:rPr lang="zh-CN" altLang="zh-CN" sz="1800" b="1" kern="0" dirty="0">
+                <a:solidFill>
+                  <a:srgbClr val="000000"/>
+                </a:solidFill>
                 <a:effectLst/>
-                <a:latin typeface="Times New Roman" panose="02020603050405020304" pitchFamily="18" charset="0"/>
+                <a:latin typeface="等线" panose="02010600030101010101" pitchFamily="2" charset="-122"/>
                 <a:ea typeface="宋体" panose="02010600030101010101" pitchFamily="2" charset="-122"/>
+                <a:cs typeface="宋体" panose="02010600030101010101" pitchFamily="2" charset="-122"/>
               </a:rPr>
-              <a:t>GB8567--88</a:t>
-            </a:r>
-            <a:r>
-              <a:rPr lang="zh-CN" altLang="zh-CN" sz="1800" kern="100" dirty="0">
-                <a:effectLst/>
-                <a:latin typeface="Times New Roman" panose="02020603050405020304" pitchFamily="18" charset="0"/>
-                <a:ea typeface="宋体" panose="02010600030101010101" pitchFamily="2" charset="-122"/>
-              </a:rPr>
-              <a:t>；</a:t>
-            </a:r>
-          </a:p>
-          <a:p>
-            <a:pPr marL="342900" lvl="0" indent="-342900" algn="l">
-              <a:buFont typeface="+mj-lt"/>
-              <a:buAutoNum type="arabicPeriod"/>
-              <a:tabLst>
-                <a:tab pos="266700" algn="l"/>
-              </a:tabLst>
-            </a:pPr>
-            <a:r>
-              <a:rPr lang="en-US" altLang="zh-CN" sz="1800" kern="100" dirty="0">
-                <a:effectLst/>
-                <a:latin typeface="Times New Roman" panose="02020603050405020304" pitchFamily="18" charset="0"/>
-                <a:ea typeface="宋体" panose="02010600030101010101" pitchFamily="2" charset="-122"/>
-              </a:rPr>
-              <a:t>B</a:t>
-            </a:r>
-            <a:r>
-              <a:rPr lang="zh-CN" altLang="zh-CN" sz="1800" kern="100" dirty="0">
-                <a:effectLst/>
-                <a:latin typeface="Times New Roman" panose="02020603050405020304" pitchFamily="18" charset="0"/>
-                <a:ea typeface="宋体" panose="02010600030101010101" pitchFamily="2" charset="-122"/>
-              </a:rPr>
-              <a:t>站视频：</a:t>
-            </a:r>
-            <a:r>
-              <a:rPr lang="en-US" altLang="zh-CN" sz="1800" kern="100" dirty="0">
-                <a:effectLst/>
-                <a:latin typeface="Times New Roman" panose="02020603050405020304" pitchFamily="18" charset="0"/>
-                <a:ea typeface="宋体" panose="02010600030101010101" pitchFamily="2" charset="-122"/>
-              </a:rPr>
-              <a:t>https://www.bilibili.com/video/BV1y3411s7He/?spm_id_from=333.880.my_history.page.click</a:t>
+              <a:t>时间：</a:t>
             </a:r>
             <a:endParaRPr lang="zh-CN" altLang="zh-CN" sz="1800" kern="100" dirty="0">
               <a:effectLst/>
-              <a:latin typeface="Times New Roman" panose="02020603050405020304" pitchFamily="18" charset="0"/>
-              <a:ea typeface="宋体" panose="02010600030101010101" pitchFamily="2" charset="-122"/>
+              <a:latin typeface="等线" panose="02010600030101010101" pitchFamily="2" charset="-122"/>
+              <a:ea typeface="等线" panose="02010600030101010101" pitchFamily="2" charset="-122"/>
+              <a:cs typeface="Times New Roman" panose="02020603050405020304" pitchFamily="18" charset="0"/>
             </a:endParaRPr>
           </a:p>
           <a:p>
-            <a:pPr marL="342900" lvl="0" indent="-342900" algn="just">
-              <a:buFont typeface="+mj-lt"/>
-              <a:buAutoNum type="arabicPeriod"/>
-              <a:tabLst>
-                <a:tab pos="266700" algn="l"/>
-              </a:tabLst>
+            <a:pPr indent="266700" algn="l">
+              <a:lnSpc>
+                <a:spcPts val="2250"/>
+              </a:lnSpc>
             </a:pPr>
             <a:r>
-              <a:rPr lang="en-US" altLang="zh-CN" sz="1800" kern="100" dirty="0" err="1">
-                <a:effectLst/>
-                <a:latin typeface="Times New Roman" panose="02020603050405020304" pitchFamily="18" charset="0"/>
-                <a:ea typeface="宋体" panose="02010600030101010101" pitchFamily="2" charset="-122"/>
-              </a:rPr>
-              <a:t>Csdn</a:t>
-            </a:r>
-            <a:r>
-              <a:rPr lang="en-US" altLang="zh-CN" sz="1800" kern="100" dirty="0">
-                <a:effectLst/>
-                <a:latin typeface="Times New Roman" panose="02020603050405020304" pitchFamily="18" charset="0"/>
-                <a:ea typeface="宋体" panose="02010600030101010101" pitchFamily="2" charset="-122"/>
-              </a:rPr>
-              <a:t> </a:t>
-            </a:r>
-            <a:r>
-              <a:rPr lang="en-US" altLang="zh-CN" sz="1800" u="sng" kern="100" dirty="0">
+              <a:rPr lang="en-US" altLang="zh-CN" sz="1800" kern="0" dirty="0">
                 <a:solidFill>
-                  <a:srgbClr val="0000FF"/>
+                  <a:srgbClr val="000000"/>
                 </a:solidFill>
                 <a:effectLst/>
-                <a:latin typeface="Times New Roman" panose="02020603050405020304" pitchFamily="18" charset="0"/>
+                <a:latin typeface="宋体" panose="02010600030101010101" pitchFamily="2" charset="-122"/>
+                <a:ea typeface="等线" panose="02010600030101010101" pitchFamily="2" charset="-122"/>
+                <a:cs typeface="宋体" panose="02010600030101010101" pitchFamily="2" charset="-122"/>
+              </a:rPr>
+              <a:t>2022</a:t>
+            </a:r>
+            <a:r>
+              <a:rPr lang="zh-CN" altLang="zh-CN" sz="1800" kern="0" dirty="0">
+                <a:solidFill>
+                  <a:srgbClr val="000000"/>
+                </a:solidFill>
+                <a:effectLst/>
+                <a:latin typeface="等线" panose="02010600030101010101" pitchFamily="2" charset="-122"/>
                 <a:ea typeface="宋体" panose="02010600030101010101" pitchFamily="2" charset="-122"/>
-                <a:hlinkClick r:id="rId2"/>
+                <a:cs typeface="宋体" panose="02010600030101010101" pitchFamily="2" charset="-122"/>
               </a:rPr>
-              <a:t>https://blog.csdn.net/weixin_36204727/article/details/117786281?spm=1001.2101.3001.6650.2&amp;utm_medium=distribute.pc_relevant.none-task-blog-2~default~CTRLIST~Rate-2-117786281-blog-125726404.pc_relevant_3mothn_strategy_recovery&amp;depth_1-utm_source=distribute.pc_relevant.none-task-blog-2~default~CTRLIST~Rate-2-117786281-blog-125726404.pc_relevant_3mothn_strategy_recovery&amp;utm_relevant_index=4</a:t>
+              <a:t>年</a:t>
+            </a:r>
+            <a:r>
+              <a:rPr lang="en-US" altLang="zh-CN" sz="1800" kern="0" dirty="0">
+                <a:solidFill>
+                  <a:srgbClr val="000000"/>
+                </a:solidFill>
+                <a:effectLst/>
+                <a:latin typeface="等线" panose="02010600030101010101" pitchFamily="2" charset="-122"/>
+                <a:ea typeface="宋体" panose="02010600030101010101" pitchFamily="2" charset="-122"/>
+                <a:cs typeface="宋体" panose="02010600030101010101" pitchFamily="2" charset="-122"/>
+              </a:rPr>
+              <a:t>10</a:t>
+            </a:r>
+            <a:r>
+              <a:rPr lang="zh-CN" altLang="zh-CN" sz="1800" kern="0" dirty="0">
+                <a:solidFill>
+                  <a:srgbClr val="000000"/>
+                </a:solidFill>
+                <a:effectLst/>
+                <a:latin typeface="等线" panose="02010600030101010101" pitchFamily="2" charset="-122"/>
+                <a:ea typeface="宋体" panose="02010600030101010101" pitchFamily="2" charset="-122"/>
+                <a:cs typeface="宋体" panose="02010600030101010101" pitchFamily="2" charset="-122"/>
+              </a:rPr>
+              <a:t>月</a:t>
+            </a:r>
+            <a:r>
+              <a:rPr lang="en-US" altLang="zh-CN" sz="1800" kern="0" dirty="0">
+                <a:solidFill>
+                  <a:srgbClr val="000000"/>
+                </a:solidFill>
+                <a:effectLst/>
+                <a:latin typeface="等线" panose="02010600030101010101" pitchFamily="2" charset="-122"/>
+                <a:ea typeface="宋体" panose="02010600030101010101" pitchFamily="2" charset="-122"/>
+                <a:cs typeface="宋体" panose="02010600030101010101" pitchFamily="2" charset="-122"/>
+              </a:rPr>
+              <a:t>12</a:t>
+            </a:r>
+            <a:r>
+              <a:rPr lang="zh-CN" altLang="zh-CN" sz="1800" kern="0" dirty="0">
+                <a:solidFill>
+                  <a:srgbClr val="000000"/>
+                </a:solidFill>
+                <a:effectLst/>
+                <a:latin typeface="等线" panose="02010600030101010101" pitchFamily="2" charset="-122"/>
+                <a:ea typeface="宋体" panose="02010600030101010101" pitchFamily="2" charset="-122"/>
+                <a:cs typeface="宋体" panose="02010600030101010101" pitchFamily="2" charset="-122"/>
+              </a:rPr>
+              <a:t>日下午</a:t>
+            </a:r>
+            <a:r>
+              <a:rPr lang="en-US" altLang="zh-CN" sz="1800" kern="0" dirty="0">
+                <a:solidFill>
+                  <a:srgbClr val="000000"/>
+                </a:solidFill>
+                <a:effectLst/>
+                <a:latin typeface="等线" panose="02010600030101010101" pitchFamily="2" charset="-122"/>
+                <a:ea typeface="宋体" panose="02010600030101010101" pitchFamily="2" charset="-122"/>
+                <a:cs typeface="宋体" panose="02010600030101010101" pitchFamily="2" charset="-122"/>
+              </a:rPr>
+              <a:t>8</a:t>
+            </a:r>
+            <a:r>
+              <a:rPr lang="zh-CN" altLang="zh-CN" sz="1800" kern="0" dirty="0">
+                <a:solidFill>
+                  <a:srgbClr val="000000"/>
+                </a:solidFill>
+                <a:effectLst/>
+                <a:latin typeface="等线" panose="02010600030101010101" pitchFamily="2" charset="-122"/>
+                <a:ea typeface="宋体" panose="02010600030101010101" pitchFamily="2" charset="-122"/>
+                <a:cs typeface="宋体" panose="02010600030101010101" pitchFamily="2" charset="-122"/>
+              </a:rPr>
+              <a:t>时</a:t>
             </a:r>
             <a:endParaRPr lang="zh-CN" altLang="zh-CN" sz="1800" kern="100" dirty="0">
               <a:effectLst/>
-              <a:latin typeface="Times New Roman" panose="02020603050405020304" pitchFamily="18" charset="0"/>
-              <a:ea typeface="宋体" panose="02010600030101010101" pitchFamily="2" charset="-122"/>
+              <a:latin typeface="等线" panose="02010600030101010101" pitchFamily="2" charset="-122"/>
+              <a:ea typeface="等线" panose="02010600030101010101" pitchFamily="2" charset="-122"/>
+              <a:cs typeface="Times New Roman" panose="02020603050405020304" pitchFamily="18" charset="0"/>
             </a:endParaRPr>
           </a:p>
           <a:p>
-            <a:pPr marL="342900" lvl="0" indent="-342900" algn="just">
-              <a:buFont typeface="+mj-lt"/>
-              <a:buAutoNum type="arabicPeriod"/>
-              <a:tabLst>
-                <a:tab pos="266700" algn="l"/>
-              </a:tabLst>
+            <a:pPr algn="l">
+              <a:lnSpc>
+                <a:spcPts val="2250"/>
+              </a:lnSpc>
             </a:pPr>
             <a:r>
-              <a:rPr lang="en-US" altLang="zh-CN" sz="1800" u="sng" kern="100" dirty="0">
+              <a:rPr lang="zh-CN" altLang="zh-CN" sz="1800" b="1" kern="0" dirty="0">
                 <a:solidFill>
-                  <a:srgbClr val="0000FF"/>
+                  <a:srgbClr val="000000"/>
                 </a:solidFill>
                 <a:effectLst/>
-                <a:latin typeface="Times New Roman" panose="02020603050405020304" pitchFamily="18" charset="0"/>
+                <a:latin typeface="等线" panose="02010600030101010101" pitchFamily="2" charset="-122"/>
                 <a:ea typeface="宋体" panose="02010600030101010101" pitchFamily="2" charset="-122"/>
-                <a:hlinkClick r:id="rId3"/>
+                <a:cs typeface="宋体" panose="02010600030101010101" pitchFamily="2" charset="-122"/>
               </a:rPr>
-              <a:t>https://blog.csdn.net/mhx3008557816/article/details/121542706</a:t>
+              <a:t>地点：</a:t>
             </a:r>
             <a:endParaRPr lang="zh-CN" altLang="zh-CN" sz="1800" kern="100" dirty="0">
               <a:effectLst/>
-              <a:latin typeface="Times New Roman" panose="02020603050405020304" pitchFamily="18" charset="0"/>
-              <a:ea typeface="宋体" panose="02010600030101010101" pitchFamily="2" charset="-122"/>
+              <a:latin typeface="等线" panose="02010600030101010101" pitchFamily="2" charset="-122"/>
+              <a:ea typeface="等线" panose="02010600030101010101" pitchFamily="2" charset="-122"/>
+              <a:cs typeface="Times New Roman" panose="02020603050405020304" pitchFamily="18" charset="0"/>
             </a:endParaRPr>
           </a:p>
           <a:p>
-            <a:pPr marL="342900" lvl="0" indent="-342900" algn="just">
-              <a:buFont typeface="+mj-lt"/>
-              <a:buAutoNum type="arabicPeriod"/>
-              <a:tabLst>
-                <a:tab pos="266700" algn="l"/>
-              </a:tabLst>
+            <a:pPr indent="266700" algn="l">
+              <a:lnSpc>
+                <a:spcPts val="2250"/>
+              </a:lnSpc>
             </a:pPr>
             <a:r>
-              <a:rPr lang="zh-CN" altLang="zh-CN" sz="1800" kern="100" dirty="0">
+              <a:rPr lang="zh-CN" altLang="zh-CN" sz="1800" kern="0" dirty="0">
+                <a:solidFill>
+                  <a:srgbClr val="000000"/>
+                </a:solidFill>
                 <a:effectLst/>
-                <a:latin typeface="Times New Roman" panose="02020603050405020304" pitchFamily="18" charset="0"/>
+                <a:latin typeface="等线" panose="02010600030101010101" pitchFamily="2" charset="-122"/>
                 <a:ea typeface="宋体" panose="02010600030101010101" pitchFamily="2" charset="-122"/>
+                <a:cs typeface="宋体" panose="02010600030101010101" pitchFamily="2" charset="-122"/>
               </a:rPr>
-              <a:t>《如何评价植物大战僵尸》</a:t>
-            </a:r>
-            <a:r>
-              <a:rPr lang="en-US" altLang="zh-CN" sz="1800" kern="100" dirty="0">
-                <a:effectLst/>
-                <a:latin typeface="Times New Roman" panose="02020603050405020304" pitchFamily="18" charset="0"/>
-                <a:ea typeface="宋体" panose="02010600030101010101" pitchFamily="2" charset="-122"/>
-              </a:rPr>
-              <a:t>https://baijiahao.baidu.com/s?id=1691471808354440505&amp;wfr=spider&amp;for=pc</a:t>
+              <a:t>寝室（线上腾讯会议）</a:t>
             </a:r>
             <a:endParaRPr lang="zh-CN" altLang="zh-CN" sz="1800" kern="100" dirty="0">
               <a:effectLst/>
-              <a:latin typeface="Times New Roman" panose="02020603050405020304" pitchFamily="18" charset="0"/>
-              <a:ea typeface="宋体" panose="02010600030101010101" pitchFamily="2" charset="-122"/>
+              <a:latin typeface="等线" panose="02010600030101010101" pitchFamily="2" charset="-122"/>
+              <a:ea typeface="等线" panose="02010600030101010101" pitchFamily="2" charset="-122"/>
+              <a:cs typeface="Times New Roman" panose="02020603050405020304" pitchFamily="18" charset="0"/>
             </a:endParaRPr>
           </a:p>
           <a:p>
+            <a:pPr algn="l">
+              <a:lnSpc>
+                <a:spcPts val="2250"/>
+              </a:lnSpc>
+            </a:pPr>
+            <a:r>
+              <a:rPr lang="zh-CN" altLang="zh-CN" sz="1800" b="1" kern="0" dirty="0">
+                <a:solidFill>
+                  <a:srgbClr val="000000"/>
+                </a:solidFill>
+                <a:effectLst/>
+                <a:latin typeface="等线" panose="02010600030101010101" pitchFamily="2" charset="-122"/>
+                <a:ea typeface="宋体" panose="02010600030101010101" pitchFamily="2" charset="-122"/>
+                <a:cs typeface="宋体" panose="02010600030101010101" pitchFamily="2" charset="-122"/>
+              </a:rPr>
+              <a:t>参会人员：</a:t>
+            </a:r>
+            <a:endParaRPr lang="zh-CN" altLang="zh-CN" sz="1800" kern="100" dirty="0">
+              <a:effectLst/>
+              <a:latin typeface="等线" panose="02010600030101010101" pitchFamily="2" charset="-122"/>
+              <a:ea typeface="等线" panose="02010600030101010101" pitchFamily="2" charset="-122"/>
+              <a:cs typeface="Times New Roman" panose="02020603050405020304" pitchFamily="18" charset="0"/>
+            </a:endParaRPr>
+          </a:p>
+          <a:p>
+            <a:pPr indent="266700" algn="l">
+              <a:lnSpc>
+                <a:spcPts val="2250"/>
+              </a:lnSpc>
+            </a:pPr>
+            <a:r>
+              <a:rPr lang="zh-CN" altLang="zh-CN" sz="1800" kern="0" dirty="0">
+                <a:solidFill>
+                  <a:srgbClr val="000000"/>
+                </a:solidFill>
+                <a:effectLst/>
+                <a:latin typeface="等线" panose="02010600030101010101" pitchFamily="2" charset="-122"/>
+                <a:ea typeface="宋体" panose="02010600030101010101" pitchFamily="2" charset="-122"/>
+                <a:cs typeface="宋体" panose="02010600030101010101" pitchFamily="2" charset="-122"/>
+              </a:rPr>
+              <a:t>李时博、范伟、秦思豪</a:t>
+            </a:r>
+            <a:endParaRPr lang="zh-CN" altLang="zh-CN" sz="1800" kern="100" dirty="0">
+              <a:effectLst/>
+              <a:latin typeface="等线" panose="02010600030101010101" pitchFamily="2" charset="-122"/>
+              <a:ea typeface="等线" panose="02010600030101010101" pitchFamily="2" charset="-122"/>
+              <a:cs typeface="Times New Roman" panose="02020603050405020304" pitchFamily="18" charset="0"/>
+            </a:endParaRPr>
+          </a:p>
+          <a:p>
+            <a:pPr algn="l">
+              <a:lnSpc>
+                <a:spcPts val="2250"/>
+              </a:lnSpc>
+            </a:pPr>
+            <a:r>
+              <a:rPr lang="zh-CN" altLang="zh-CN" sz="1800" b="1" kern="0" dirty="0">
+                <a:solidFill>
+                  <a:srgbClr val="000000"/>
+                </a:solidFill>
+                <a:effectLst/>
+                <a:latin typeface="等线" panose="02010600030101010101" pitchFamily="2" charset="-122"/>
+                <a:ea typeface="宋体" panose="02010600030101010101" pitchFamily="2" charset="-122"/>
+                <a:cs typeface="宋体" panose="02010600030101010101" pitchFamily="2" charset="-122"/>
+              </a:rPr>
+              <a:t>主持人：</a:t>
+            </a:r>
+            <a:endParaRPr lang="zh-CN" altLang="zh-CN" sz="1800" kern="100" dirty="0">
+              <a:effectLst/>
+              <a:latin typeface="等线" panose="02010600030101010101" pitchFamily="2" charset="-122"/>
+              <a:ea typeface="等线" panose="02010600030101010101" pitchFamily="2" charset="-122"/>
+              <a:cs typeface="Times New Roman" panose="02020603050405020304" pitchFamily="18" charset="0"/>
+            </a:endParaRPr>
+          </a:p>
+          <a:p>
+            <a:pPr indent="266700" algn="l">
+              <a:lnSpc>
+                <a:spcPts val="2250"/>
+              </a:lnSpc>
+            </a:pPr>
+            <a:r>
+              <a:rPr lang="zh-CN" altLang="zh-CN" sz="1800" kern="0" dirty="0">
+                <a:solidFill>
+                  <a:srgbClr val="000000"/>
+                </a:solidFill>
+                <a:effectLst/>
+                <a:latin typeface="等线" panose="02010600030101010101" pitchFamily="2" charset="-122"/>
+                <a:ea typeface="宋体" panose="02010600030101010101" pitchFamily="2" charset="-122"/>
+                <a:cs typeface="宋体" panose="02010600030101010101" pitchFamily="2" charset="-122"/>
+              </a:rPr>
+              <a:t>李时博</a:t>
+            </a:r>
+            <a:endParaRPr lang="zh-CN" altLang="zh-CN" sz="1800" kern="100" dirty="0">
+              <a:effectLst/>
+              <a:latin typeface="等线" panose="02010600030101010101" pitchFamily="2" charset="-122"/>
+              <a:ea typeface="等线" panose="02010600030101010101" pitchFamily="2" charset="-122"/>
+              <a:cs typeface="Times New Roman" panose="02020603050405020304" pitchFamily="18" charset="0"/>
+            </a:endParaRPr>
+          </a:p>
+          <a:p>
+            <a:pPr algn="l">
+              <a:lnSpc>
+                <a:spcPts val="2250"/>
+              </a:lnSpc>
+            </a:pPr>
+            <a:r>
+              <a:rPr lang="zh-CN" altLang="zh-CN" sz="1800" b="1" kern="0" dirty="0">
+                <a:solidFill>
+                  <a:srgbClr val="000000"/>
+                </a:solidFill>
+                <a:effectLst/>
+                <a:latin typeface="等线" panose="02010600030101010101" pitchFamily="2" charset="-122"/>
+                <a:ea typeface="宋体" panose="02010600030101010101" pitchFamily="2" charset="-122"/>
+                <a:cs typeface="宋体" panose="02010600030101010101" pitchFamily="2" charset="-122"/>
+              </a:rPr>
+              <a:t>记录人：</a:t>
+            </a:r>
+            <a:endParaRPr lang="zh-CN" altLang="zh-CN" sz="1800" kern="100" dirty="0">
+              <a:effectLst/>
+              <a:latin typeface="等线" panose="02010600030101010101" pitchFamily="2" charset="-122"/>
+              <a:ea typeface="等线" panose="02010600030101010101" pitchFamily="2" charset="-122"/>
+              <a:cs typeface="Times New Roman" panose="02020603050405020304" pitchFamily="18" charset="0"/>
+            </a:endParaRPr>
+          </a:p>
+          <a:p>
+            <a:pPr indent="266700" algn="l">
+              <a:lnSpc>
+                <a:spcPts val="2250"/>
+              </a:lnSpc>
+            </a:pPr>
+            <a:r>
+              <a:rPr lang="zh-CN" altLang="zh-CN" sz="1800" kern="0" dirty="0">
+                <a:solidFill>
+                  <a:srgbClr val="000000"/>
+                </a:solidFill>
+                <a:effectLst/>
+                <a:latin typeface="等线" panose="02010600030101010101" pitchFamily="2" charset="-122"/>
+                <a:ea typeface="宋体" panose="02010600030101010101" pitchFamily="2" charset="-122"/>
+                <a:cs typeface="宋体" panose="02010600030101010101" pitchFamily="2" charset="-122"/>
+              </a:rPr>
+              <a:t>秦思豪</a:t>
+            </a:r>
+            <a:endParaRPr lang="zh-CN" altLang="zh-CN" sz="1800" kern="100" dirty="0">
+              <a:effectLst/>
+              <a:latin typeface="等线" panose="02010600030101010101" pitchFamily="2" charset="-122"/>
+              <a:ea typeface="等线" panose="02010600030101010101" pitchFamily="2" charset="-122"/>
+              <a:cs typeface="Times New Roman" panose="02020603050405020304" pitchFamily="18" charset="0"/>
+            </a:endParaRPr>
+          </a:p>
+          <a:p>
+            <a:pPr algn="l">
+              <a:lnSpc>
+                <a:spcPts val="2250"/>
+              </a:lnSpc>
+            </a:pPr>
+            <a:r>
+              <a:rPr lang="zh-CN" altLang="zh-CN" sz="1800" b="1" kern="0" dirty="0">
+                <a:solidFill>
+                  <a:srgbClr val="000000"/>
+                </a:solidFill>
+                <a:effectLst/>
+                <a:latin typeface="等线" panose="02010600030101010101" pitchFamily="2" charset="-122"/>
+                <a:ea typeface="宋体" panose="02010600030101010101" pitchFamily="2" charset="-122"/>
+                <a:cs typeface="宋体" panose="02010600030101010101" pitchFamily="2" charset="-122"/>
+              </a:rPr>
+              <a:t>会议内容：</a:t>
+            </a:r>
+            <a:endParaRPr lang="zh-CN" altLang="zh-CN" sz="1800" kern="100" dirty="0">
+              <a:effectLst/>
+              <a:latin typeface="等线" panose="02010600030101010101" pitchFamily="2" charset="-122"/>
+              <a:ea typeface="等线" panose="02010600030101010101" pitchFamily="2" charset="-122"/>
+              <a:cs typeface="Times New Roman" panose="02020603050405020304" pitchFamily="18" charset="0"/>
+            </a:endParaRPr>
+          </a:p>
+          <a:p>
+            <a:pPr indent="266700" algn="l">
+              <a:lnSpc>
+                <a:spcPts val="2250"/>
+              </a:lnSpc>
+            </a:pPr>
+            <a:r>
+              <a:rPr lang="zh-CN" altLang="zh-CN" sz="1800" kern="0" dirty="0">
+                <a:solidFill>
+                  <a:srgbClr val="000000"/>
+                </a:solidFill>
+                <a:effectLst/>
+                <a:latin typeface="等线" panose="02010600030101010101" pitchFamily="2" charset="-122"/>
+                <a:ea typeface="宋体" panose="02010600030101010101" pitchFamily="2" charset="-122"/>
+                <a:cs typeface="宋体" panose="02010600030101010101" pitchFamily="2" charset="-122"/>
+              </a:rPr>
+              <a:t>会议由李时博、范伟、秦思豪轮流进行发言、研后纪要如下：</a:t>
+            </a:r>
+            <a:endParaRPr lang="zh-CN" altLang="zh-CN" sz="1800" kern="100" dirty="0">
+              <a:effectLst/>
+              <a:latin typeface="等线" panose="02010600030101010101" pitchFamily="2" charset="-122"/>
+              <a:ea typeface="等线" panose="02010600030101010101" pitchFamily="2" charset="-122"/>
+              <a:cs typeface="Times New Roman" panose="02020603050405020304" pitchFamily="18" charset="0"/>
+            </a:endParaRPr>
+          </a:p>
+          <a:p>
+            <a:pPr indent="266700" algn="l">
+              <a:lnSpc>
+                <a:spcPts val="2250"/>
+              </a:lnSpc>
+            </a:pPr>
+            <a:r>
+              <a:rPr lang="en-US" altLang="zh-CN" sz="1800" kern="0" dirty="0">
+                <a:solidFill>
+                  <a:srgbClr val="000000"/>
+                </a:solidFill>
+                <a:effectLst/>
+                <a:latin typeface="宋体" panose="02010600030101010101" pitchFamily="2" charset="-122"/>
+                <a:ea typeface="等线" panose="02010600030101010101" pitchFamily="2" charset="-122"/>
+                <a:cs typeface="宋体" panose="02010600030101010101" pitchFamily="2" charset="-122"/>
+              </a:rPr>
+              <a:t>1</a:t>
+            </a:r>
+            <a:r>
+              <a:rPr lang="zh-CN" altLang="zh-CN" sz="1800" kern="0" dirty="0">
+                <a:solidFill>
+                  <a:srgbClr val="000000"/>
+                </a:solidFill>
+                <a:effectLst/>
+                <a:latin typeface="等线" panose="02010600030101010101" pitchFamily="2" charset="-122"/>
+                <a:ea typeface="宋体" panose="02010600030101010101" pitchFamily="2" charset="-122"/>
+                <a:cs typeface="宋体" panose="02010600030101010101" pitchFamily="2" charset="-122"/>
+              </a:rPr>
+              <a:t>、会议就上周小组作业完成情况做总结，合理安排和调整任务分工。</a:t>
+            </a:r>
+            <a:endParaRPr lang="zh-CN" altLang="zh-CN" sz="1800" kern="100" dirty="0">
+              <a:effectLst/>
+              <a:latin typeface="等线" panose="02010600030101010101" pitchFamily="2" charset="-122"/>
+              <a:ea typeface="等线" panose="02010600030101010101" pitchFamily="2" charset="-122"/>
+              <a:cs typeface="Times New Roman" panose="02020603050405020304" pitchFamily="18" charset="0"/>
+            </a:endParaRPr>
+          </a:p>
+          <a:p>
+            <a:pPr indent="266700" algn="l">
+              <a:lnSpc>
+                <a:spcPts val="2250"/>
+              </a:lnSpc>
+            </a:pPr>
+            <a:r>
+              <a:rPr lang="en-US" altLang="zh-CN" sz="1800" kern="0" dirty="0">
+                <a:solidFill>
+                  <a:srgbClr val="000000"/>
+                </a:solidFill>
+                <a:effectLst/>
+                <a:latin typeface="宋体" panose="02010600030101010101" pitchFamily="2" charset="-122"/>
+                <a:ea typeface="等线" panose="02010600030101010101" pitchFamily="2" charset="-122"/>
+                <a:cs typeface="宋体" panose="02010600030101010101" pitchFamily="2" charset="-122"/>
+              </a:rPr>
+              <a:t>2</a:t>
+            </a:r>
+            <a:r>
+              <a:rPr lang="zh-CN" altLang="zh-CN" sz="1800" kern="0" dirty="0">
+                <a:solidFill>
+                  <a:srgbClr val="000000"/>
+                </a:solidFill>
+                <a:effectLst/>
+                <a:latin typeface="等线" panose="02010600030101010101" pitchFamily="2" charset="-122"/>
+                <a:ea typeface="宋体" panose="02010600030101010101" pitchFamily="2" charset="-122"/>
+                <a:cs typeface="宋体" panose="02010600030101010101" pitchFamily="2" charset="-122"/>
+              </a:rPr>
+              <a:t>、探讨</a:t>
+            </a:r>
+            <a:r>
+              <a:rPr lang="zh-CN" altLang="en-US" sz="1800" kern="0" dirty="0">
+                <a:solidFill>
+                  <a:srgbClr val="000000"/>
+                </a:solidFill>
+                <a:effectLst/>
+                <a:latin typeface="等线" panose="02010600030101010101" pitchFamily="2" charset="-122"/>
+                <a:ea typeface="宋体" panose="02010600030101010101" pitchFamily="2" charset="-122"/>
+                <a:cs typeface="宋体" panose="02010600030101010101" pitchFamily="2" charset="-122"/>
+              </a:rPr>
+              <a:t>学习</a:t>
+            </a:r>
+            <a:r>
+              <a:rPr lang="zh-CN" altLang="zh-CN" sz="1800" kern="0" dirty="0">
+                <a:solidFill>
+                  <a:srgbClr val="000000"/>
+                </a:solidFill>
+                <a:effectLst/>
+                <a:latin typeface="等线" panose="02010600030101010101" pitchFamily="2" charset="-122"/>
+                <a:ea typeface="宋体" panose="02010600030101010101" pitchFamily="2" charset="-122"/>
+                <a:cs typeface="宋体" panose="02010600030101010101" pitchFamily="2" charset="-122"/>
+              </a:rPr>
+              <a:t>，对各自经验进行交流和总结。</a:t>
+            </a:r>
+            <a:endParaRPr lang="zh-CN" altLang="zh-CN" sz="1800" kern="100" dirty="0">
+              <a:effectLst/>
+              <a:latin typeface="等线" panose="02010600030101010101" pitchFamily="2" charset="-122"/>
+              <a:ea typeface="等线" panose="02010600030101010101" pitchFamily="2" charset="-122"/>
+              <a:cs typeface="Times New Roman" panose="02020603050405020304" pitchFamily="18" charset="0"/>
+            </a:endParaRPr>
+          </a:p>
+          <a:p>
+            <a:pPr indent="266700" algn="l">
+              <a:lnSpc>
+                <a:spcPts val="2250"/>
+              </a:lnSpc>
+            </a:pPr>
+            <a:r>
+              <a:rPr lang="en-US" altLang="zh-CN" sz="1800" kern="0" dirty="0">
+                <a:solidFill>
+                  <a:srgbClr val="000000"/>
+                </a:solidFill>
+                <a:effectLst/>
+                <a:latin typeface="宋体" panose="02010600030101010101" pitchFamily="2" charset="-122"/>
+                <a:ea typeface="等线" panose="02010600030101010101" pitchFamily="2" charset="-122"/>
+                <a:cs typeface="宋体" panose="02010600030101010101" pitchFamily="2" charset="-122"/>
+              </a:rPr>
+              <a:t>3</a:t>
+            </a:r>
+            <a:r>
+              <a:rPr lang="zh-CN" altLang="zh-CN" sz="1800" kern="0" dirty="0">
+                <a:solidFill>
+                  <a:srgbClr val="000000"/>
+                </a:solidFill>
+                <a:effectLst/>
+                <a:latin typeface="等线" panose="02010600030101010101" pitchFamily="2" charset="-122"/>
+                <a:ea typeface="宋体" panose="02010600030101010101" pitchFamily="2" charset="-122"/>
+                <a:cs typeface="宋体" panose="02010600030101010101" pitchFamily="2" charset="-122"/>
+              </a:rPr>
+              <a:t>、要求每个人继续做好各自的工作。</a:t>
+            </a:r>
+            <a:endParaRPr lang="zh-CN" altLang="zh-CN" sz="1800" kern="100" dirty="0">
+              <a:effectLst/>
+              <a:latin typeface="等线" panose="02010600030101010101" pitchFamily="2" charset="-122"/>
+              <a:ea typeface="等线" panose="02010600030101010101" pitchFamily="2" charset="-122"/>
+              <a:cs typeface="Times New Roman" panose="02020603050405020304" pitchFamily="18" charset="0"/>
+            </a:endParaRPr>
+          </a:p>
+          <a:p>
+            <a:pPr indent="266700" algn="l">
+              <a:lnSpc>
+                <a:spcPts val="2250"/>
+              </a:lnSpc>
+            </a:pPr>
+            <a:r>
+              <a:rPr lang="en-US" altLang="zh-CN" sz="1800" kern="0" dirty="0">
+                <a:solidFill>
+                  <a:srgbClr val="000000"/>
+                </a:solidFill>
+                <a:effectLst/>
+                <a:latin typeface="宋体" panose="02010600030101010101" pitchFamily="2" charset="-122"/>
+                <a:ea typeface="等线" panose="02010600030101010101" pitchFamily="2" charset="-122"/>
+                <a:cs typeface="宋体" panose="02010600030101010101" pitchFamily="2" charset="-122"/>
+              </a:rPr>
+              <a:t>4</a:t>
+            </a:r>
+            <a:r>
+              <a:rPr lang="zh-CN" altLang="zh-CN" sz="1800" kern="0" dirty="0">
+                <a:solidFill>
+                  <a:srgbClr val="000000"/>
+                </a:solidFill>
+                <a:effectLst/>
+                <a:latin typeface="等线" panose="02010600030101010101" pitchFamily="2" charset="-122"/>
+                <a:ea typeface="宋体" panose="02010600030101010101" pitchFamily="2" charset="-122"/>
+                <a:cs typeface="宋体" panose="02010600030101010101" pitchFamily="2" charset="-122"/>
+              </a:rPr>
+              <a:t>、督促所有小组成员尽快完成各自当下任务。</a:t>
+            </a:r>
+            <a:endParaRPr lang="zh-CN" altLang="zh-CN" sz="1800" kern="100" dirty="0">
+              <a:effectLst/>
+              <a:latin typeface="等线" panose="02010600030101010101" pitchFamily="2" charset="-122"/>
+              <a:ea typeface="等线" panose="02010600030101010101" pitchFamily="2" charset="-122"/>
+              <a:cs typeface="Times New Roman" panose="02020603050405020304" pitchFamily="18" charset="0"/>
+            </a:endParaRPr>
+          </a:p>
+        </p:txBody>
+      </p:sp>
+      <p:sp>
+        <p:nvSpPr>
+          <p:cNvPr id="3" name="标题 2"/>
+          <p:cNvSpPr>
+            <a:spLocks noGrp="1"/>
+          </p:cNvSpPr>
+          <p:nvPr>
+            <p:ph type="title"/>
+          </p:nvPr>
+        </p:nvSpPr>
+        <p:spPr>
+          <a:xfrm>
+            <a:off x="5531796" y="559648"/>
+            <a:ext cx="10972800" cy="1143000"/>
+          </a:xfrm>
+        </p:spPr>
+        <p:txBody>
+          <a:bodyPr/>
+          <a:lstStyle/>
+          <a:p>
+            <a:r>
+              <a:rPr lang="zh-CN" altLang="en-US" dirty="0"/>
+              <a:t>会议纪要</a:t>
+            </a:r>
             <a:endParaRPr lang="zh-CN" altLang="en-US" dirty="0"/>
           </a:p>
         </p:txBody>
       </p:sp>
-      <p:sp>
-        <p:nvSpPr>
-          <p:cNvPr id="3" name="标题 2">
-            <a:extLst>
-              <a:ext uri="{FF2B5EF4-FFF2-40B4-BE49-F238E27FC236}">
-                <a16:creationId xmlns:a16="http://schemas.microsoft.com/office/drawing/2014/main" id="{0E279029-2C2D-B0B6-B6D7-6B6B308DC557}"/>
-              </a:ext>
-            </a:extLst>
-          </p:cNvPr>
-          <p:cNvSpPr>
-            <a:spLocks noGrp="1"/>
-          </p:cNvSpPr>
-          <p:nvPr>
-            <p:ph type="title"/>
-          </p:nvPr>
-        </p:nvSpPr>
-        <p:spPr/>
-        <p:txBody>
-          <a:bodyPr/>
-          <a:lstStyle/>
-          <a:p>
-            <a:r>
-              <a:rPr lang="zh-CN" altLang="en-US" dirty="0"/>
-              <a:t>参考资料</a:t>
-            </a:r>
-          </a:p>
-        </p:txBody>
-      </p:sp>
     </p:spTree>
-    <p:extLst>
-      <p:ext uri="{BB962C8B-B14F-4D97-AF65-F5344CB8AC3E}">
-        <p14:creationId xmlns:p14="http://schemas.microsoft.com/office/powerpoint/2010/main" val="1623889375"/>
-      </p:ext>
-    </p:extLst>
   </p:cSld>
   <p:clrMapOvr>
     <a:masterClrMapping/>
   </p:clrMapOvr>
 </p:sld>
+</file>
+
+<file path=ppt/slides/slide8.xml><?xml version="1.0" encoding="utf-8"?>
+<p:sld xmlns:a="http://schemas.openxmlformats.org/drawingml/2006/main" xmlns:r="http://schemas.openxmlformats.org/officeDocument/2006/relationships" xmlns:p="http://schemas.openxmlformats.org/presentationml/2006/main">
+  <p:cSld>
+    <p:spTree>
+      <p:nvGrpSpPr>
+        <p:cNvPr id="1" name=""/>
+        <p:cNvGrpSpPr/>
+        <p:nvPr/>
+      </p:nvGrpSpPr>
+      <p:grpSpPr>
+        <a:xfrm>
+          <a:off x="0" y="0"/>
+          <a:ext cx="0" cy="0"/>
+          <a:chOff x="0" y="0"/>
+          <a:chExt cx="0" cy="0"/>
+        </a:xfrm>
+      </p:grpSpPr>
+      <p:sp>
+        <p:nvSpPr>
+          <p:cNvPr id="3" name="标题 2"/>
+          <p:cNvSpPr>
+            <a:spLocks noGrp="1"/>
+          </p:cNvSpPr>
+          <p:nvPr>
+            <p:ph type="title"/>
+          </p:nvPr>
+        </p:nvSpPr>
+        <p:spPr>
+          <a:xfrm>
+            <a:off x="4644272" y="2376815"/>
+            <a:ext cx="10972800" cy="1143000"/>
+          </a:xfrm>
+        </p:spPr>
+        <p:txBody>
+          <a:bodyPr/>
+          <a:lstStyle/>
+          <a:p>
+            <a:r>
+              <a:rPr lang="zh-CN" altLang="en-US" dirty="0"/>
+              <a:t>四</a:t>
+            </a:r>
+            <a:r>
+              <a:rPr lang="en-US" altLang="zh-CN" dirty="0"/>
+              <a:t>.</a:t>
+            </a:r>
+            <a:r>
+              <a:rPr lang="zh-CN" altLang="en-US" dirty="0"/>
+              <a:t>功能分析</a:t>
+            </a:r>
+            <a:endParaRPr lang="zh-CN" altLang="en-US" dirty="0"/>
+          </a:p>
+        </p:txBody>
+      </p:sp>
+    </p:spTree>
+  </p:cSld>
+  <p:clrMapOvr>
+    <a:masterClrMapping/>
+  </p:clrMapOvr>
+</p:sld>
+</file>
+
+<file path=ppt/slides/slide9.xml><?xml version="1.0" encoding="utf-8"?>
+<p:sld xmlns:a="http://schemas.openxmlformats.org/drawingml/2006/main" xmlns:r="http://schemas.openxmlformats.org/officeDocument/2006/relationships" xmlns:p="http://schemas.openxmlformats.org/presentationml/2006/main">
+  <p:cSld>
+    <p:spTree>
+      <p:nvGrpSpPr>
+        <p:cNvPr id="1" name=""/>
+        <p:cNvGrpSpPr/>
+        <p:nvPr/>
+      </p:nvGrpSpPr>
+      <p:grpSpPr>
+        <a:xfrm>
+          <a:off x="0" y="0"/>
+          <a:ext cx="0" cy="0"/>
+          <a:chOff x="0" y="0"/>
+          <a:chExt cx="0" cy="0"/>
+        </a:xfrm>
+      </p:grpSpPr>
+      <p:pic>
+        <p:nvPicPr>
+          <p:cNvPr id="5" name="内容占位符 4"/>
+          <p:cNvPicPr>
+            <a:picLocks noGrp="1" noChangeAspect="1"/>
+          </p:cNvPicPr>
+          <p:nvPr>
+            <p:ph idx="1"/>
+          </p:nvPr>
+        </p:nvPicPr>
+        <p:blipFill>
+          <a:blip r:embed="rId1"/>
+          <a:stretch>
+            <a:fillRect/>
+          </a:stretch>
+        </p:blipFill>
+        <p:spPr>
+          <a:xfrm>
+            <a:off x="2839847" y="1481138"/>
+            <a:ext cx="6512306" cy="4525962"/>
+          </a:xfrm>
+        </p:spPr>
+      </p:pic>
+      <p:sp>
+        <p:nvSpPr>
+          <p:cNvPr id="3" name="标题 2"/>
+          <p:cNvSpPr>
+            <a:spLocks noGrp="1"/>
+          </p:cNvSpPr>
+          <p:nvPr>
+            <p:ph type="title"/>
+          </p:nvPr>
+        </p:nvSpPr>
+        <p:spPr/>
+        <p:txBody>
+          <a:bodyPr/>
+          <a:lstStyle/>
+          <a:p>
+            <a:r>
+              <a:rPr lang="zh-CN" altLang="en-US" dirty="0"/>
+              <a:t>功能规定</a:t>
+            </a:r>
+            <a:endParaRPr lang="zh-CN" altLang="en-US" dirty="0"/>
+          </a:p>
+        </p:txBody>
+      </p:sp>
+    </p:spTree>
+  </p:cSld>
+  <p:clrMapOvr>
+    <a:masterClrMapping/>
+  </p:clrMapOvr>
+</p:sld>
+</file>
+
+<file path=ppt/tags/tag1.xml><?xml version="1.0" encoding="utf-8"?>
+<p:tagLst xmlns:p="http://schemas.openxmlformats.org/presentationml/2006/main">
+  <p:tag name="KSO_WPP_MARK_KEY" val="b826dc4b-3168-4dcc-bf47-057a2cf4db86"/>
+  <p:tag name="COMMONDATA" val="eyJoZGlkIjoiMDJjNmVjNjhiYjdjOTkyOTBlMjE3MTQ4ODI0YThmZjEifQ=="/>
+</p:tagLst>
 </file>
 
 <file path=ppt/theme/theme1.xml><?xml version="1.0" encoding="utf-8"?>
@@ -5746,7 +6860,10 @@
       </a:bgFillStyleLst>
     </a:fmtScheme>
   </a:themeElements>
-  <a:objectDefaults/>
-  <a:extraClrSchemeLst/>
+  <a:extLst>
+    <a:ext uri="{05A4C25C-085E-4340-85A3-A5531E510DB2}">
+      <thm15:themeFamily xmlns:thm15="http://schemas.microsoft.com/office/thememl/2012/main" name="Office Theme" id="{62F939B6-93AF-4DB8-9C6B-D6C7DFDC589F}" vid="{4A3C46E8-61CC-4603-A589-7422A47A8E4A}"/>
+    </a:ext>
+  </a:extLst>
 </a:theme>
 </file>
--- a/SE2022-G17小组-软件需求.pptx
+++ b/SE2022-G17小组-软件需求.pptx
@@ -5,27 +5,29 @@
     <p:sldMasterId id="2147483648" r:id="rId1"/>
   </p:sldMasterIdLst>
   <p:sldIdLst>
-    <p:sldId id="256" r:id="rId3"/>
-    <p:sldId id="265" r:id="rId4"/>
-    <p:sldId id="280" r:id="rId5"/>
-    <p:sldId id="275" r:id="rId6"/>
-    <p:sldId id="261" r:id="rId7"/>
-    <p:sldId id="277" r:id="rId8"/>
-    <p:sldId id="274" r:id="rId9"/>
-    <p:sldId id="278" r:id="rId10"/>
-    <p:sldId id="258" r:id="rId11"/>
-    <p:sldId id="263" r:id="rId12"/>
-    <p:sldId id="259" r:id="rId13"/>
-    <p:sldId id="276" r:id="rId14"/>
-    <p:sldId id="262" r:id="rId15"/>
-    <p:sldId id="279" r:id="rId16"/>
-    <p:sldId id="257" r:id="rId17"/>
-    <p:sldId id="293" r:id="rId18"/>
+    <p:sldId id="256" r:id="rId2"/>
+    <p:sldId id="265" r:id="rId3"/>
+    <p:sldId id="280" r:id="rId4"/>
+    <p:sldId id="275" r:id="rId5"/>
+    <p:sldId id="261" r:id="rId6"/>
+    <p:sldId id="277" r:id="rId7"/>
+    <p:sldId id="274" r:id="rId8"/>
+    <p:sldId id="278" r:id="rId9"/>
+    <p:sldId id="258" r:id="rId10"/>
+    <p:sldId id="263" r:id="rId11"/>
+    <p:sldId id="259" r:id="rId12"/>
+    <p:sldId id="276" r:id="rId13"/>
+    <p:sldId id="262" r:id="rId14"/>
+    <p:sldId id="294" r:id="rId15"/>
+    <p:sldId id="295" r:id="rId16"/>
+    <p:sldId id="279" r:id="rId17"/>
+    <p:sldId id="257" r:id="rId18"/>
+    <p:sldId id="293" r:id="rId19"/>
   </p:sldIdLst>
   <p:sldSz cx="12192000" cy="6858000"/>
   <p:notesSz cx="6858000" cy="9144000"/>
   <p:custDataLst>
-    <p:tags r:id="rId22"/>
+    <p:tags r:id="rId20"/>
   </p:custDataLst>
   <p:defaultTextStyle>
     <a:defPPr>
@@ -122,11 +124,27 @@
       </a:defRPr>
     </a:lvl9pPr>
   </p:defaultTextStyle>
+  <p:extLst>
+    <p:ext uri="{EFAFB233-063F-42B5-8137-9DF3F51BA10A}">
+      <p15:sldGuideLst xmlns:p15="http://schemas.microsoft.com/office/powerpoint/2012/main">
+        <p15:guide id="1" orient="horz" pos="2160">
+          <p15:clr>
+            <a:srgbClr val="A4A3A4"/>
+          </p15:clr>
+        </p15:guide>
+        <p15:guide id="2" pos="3840">
+          <p15:clr>
+            <a:srgbClr val="A4A3A4"/>
+          </p15:clr>
+        </p15:guide>
+      </p15:sldGuideLst>
+    </p:ext>
+  </p:extLst>
 </p:presentation>
 </file>
 
 <file path=ppt/slideLayouts/slideLayout1.xml><?xml version="1.0" encoding="utf-8"?>
-<p:sldLayout xmlns:a="http://schemas.openxmlformats.org/drawingml/2006/main" xmlns:r="http://schemas.openxmlformats.org/officeDocument/2006/relationships" xmlns:p="http://schemas.openxmlformats.org/presentationml/2006/main" type="title" preserve="1" showMasterSp="0">
+<p:sldLayout xmlns:a="http://schemas.openxmlformats.org/drawingml/2006/main" xmlns:r="http://schemas.openxmlformats.org/officeDocument/2006/relationships" xmlns:p="http://schemas.openxmlformats.org/presentationml/2006/main" showMasterSp="0" type="title" preserve="1">
   <p:cSld name="标题幻灯片">
     <p:spTree>
       <p:nvGrpSpPr>
@@ -733,6 +751,7 @@
           <a:p>
             <a:fld id="{0E74D3FF-88B1-413F-934F-543E2B4CF409}" type="datetimeFigureOut">
               <a:rPr lang="zh-CN" altLang="en-US" smtClean="0"/>
+              <a:t>2022/11/2</a:t>
             </a:fld>
             <a:endParaRPr lang="zh-CN" altLang="en-US"/>
           </a:p>
@@ -792,6 +811,7 @@
           <a:p>
             <a:fld id="{191CB8CA-5380-489E-9AA3-9A16E7E26556}" type="slidenum">
               <a:rPr lang="zh-CN" altLang="en-US" smtClean="0"/>
+              <a:t>‹#›</a:t>
             </a:fld>
             <a:endParaRPr lang="zh-CN" altLang="en-US"/>
           </a:p>
@@ -870,7 +890,6 @@
               <a:rPr lang="zh-CN" altLang="en-US"/>
               <a:t>单击此处编辑母版文本样式</a:t>
             </a:r>
-            <a:endParaRPr lang="zh-CN" altLang="en-US"/>
           </a:p>
           <a:p>
             <a:pPr lvl="1" eaLnBrk="1" latinLnBrk="0" hangingPunct="1"/>
@@ -878,7 +897,6 @@
               <a:rPr lang="zh-CN" altLang="en-US"/>
               <a:t>第二级</a:t>
             </a:r>
-            <a:endParaRPr lang="zh-CN" altLang="en-US"/>
           </a:p>
           <a:p>
             <a:pPr lvl="2" eaLnBrk="1" latinLnBrk="0" hangingPunct="1"/>
@@ -886,7 +904,6 @@
               <a:rPr lang="zh-CN" altLang="en-US"/>
               <a:t>第三级</a:t>
             </a:r>
-            <a:endParaRPr lang="zh-CN" altLang="en-US"/>
           </a:p>
           <a:p>
             <a:pPr lvl="3" eaLnBrk="1" latinLnBrk="0" hangingPunct="1"/>
@@ -894,7 +911,6 @@
               <a:rPr lang="zh-CN" altLang="en-US"/>
               <a:t>第四级</a:t>
             </a:r>
-            <a:endParaRPr lang="zh-CN" altLang="en-US"/>
           </a:p>
           <a:p>
             <a:pPr lvl="4" eaLnBrk="1" latinLnBrk="0" hangingPunct="1"/>
@@ -923,6 +939,7 @@
           <a:p>
             <a:fld id="{0E74D3FF-88B1-413F-934F-543E2B4CF409}" type="datetimeFigureOut">
               <a:rPr lang="zh-CN" altLang="en-US" smtClean="0"/>
+              <a:t>2022/11/2</a:t>
             </a:fld>
             <a:endParaRPr lang="zh-CN" altLang="en-US"/>
           </a:p>
@@ -964,6 +981,7 @@
           <a:p>
             <a:fld id="{191CB8CA-5380-489E-9AA3-9A16E7E26556}" type="slidenum">
               <a:rPr lang="zh-CN" altLang="en-US" smtClean="0"/>
+              <a:t>‹#›</a:t>
             </a:fld>
             <a:endParaRPr lang="zh-CN" altLang="en-US"/>
           </a:p>
@@ -1047,7 +1065,6 @@
               <a:rPr lang="zh-CN" altLang="en-US"/>
               <a:t>单击此处编辑母版文本样式</a:t>
             </a:r>
-            <a:endParaRPr lang="zh-CN" altLang="en-US"/>
           </a:p>
           <a:p>
             <a:pPr lvl="1" eaLnBrk="1" latinLnBrk="0" hangingPunct="1"/>
@@ -1055,7 +1072,6 @@
               <a:rPr lang="zh-CN" altLang="en-US"/>
               <a:t>第二级</a:t>
             </a:r>
-            <a:endParaRPr lang="zh-CN" altLang="en-US"/>
           </a:p>
           <a:p>
             <a:pPr lvl="2" eaLnBrk="1" latinLnBrk="0" hangingPunct="1"/>
@@ -1063,7 +1079,6 @@
               <a:rPr lang="zh-CN" altLang="en-US"/>
               <a:t>第三级</a:t>
             </a:r>
-            <a:endParaRPr lang="zh-CN" altLang="en-US"/>
           </a:p>
           <a:p>
             <a:pPr lvl="3" eaLnBrk="1" latinLnBrk="0" hangingPunct="1"/>
@@ -1071,7 +1086,6 @@
               <a:rPr lang="zh-CN" altLang="en-US"/>
               <a:t>第四级</a:t>
             </a:r>
-            <a:endParaRPr lang="zh-CN" altLang="en-US"/>
           </a:p>
           <a:p>
             <a:pPr lvl="4" eaLnBrk="1" latinLnBrk="0" hangingPunct="1"/>
@@ -1100,6 +1114,7 @@
           <a:p>
             <a:fld id="{0E74D3FF-88B1-413F-934F-543E2B4CF409}" type="datetimeFigureOut">
               <a:rPr lang="zh-CN" altLang="en-US" smtClean="0"/>
+              <a:t>2022/11/2</a:t>
             </a:fld>
             <a:endParaRPr lang="zh-CN" altLang="en-US"/>
           </a:p>
@@ -1141,6 +1156,7 @@
           <a:p>
             <a:fld id="{191CB8CA-5380-489E-9AA3-9A16E7E26556}" type="slidenum">
               <a:rPr lang="zh-CN" altLang="en-US" smtClean="0"/>
+              <a:t>‹#›</a:t>
             </a:fld>
             <a:endParaRPr lang="zh-CN" altLang="en-US"/>
           </a:p>
@@ -1191,7 +1207,6 @@
               <a:rPr lang="zh-CN" altLang="en-US"/>
               <a:t>单击此处编辑母版文本样式</a:t>
             </a:r>
-            <a:endParaRPr lang="zh-CN" altLang="en-US"/>
           </a:p>
           <a:p>
             <a:pPr lvl="1" eaLnBrk="1" latinLnBrk="0" hangingPunct="1"/>
@@ -1199,7 +1214,6 @@
               <a:rPr lang="zh-CN" altLang="en-US"/>
               <a:t>第二级</a:t>
             </a:r>
-            <a:endParaRPr lang="zh-CN" altLang="en-US"/>
           </a:p>
           <a:p>
             <a:pPr lvl="2" eaLnBrk="1" latinLnBrk="0" hangingPunct="1"/>
@@ -1207,7 +1221,6 @@
               <a:rPr lang="zh-CN" altLang="en-US"/>
               <a:t>第三级</a:t>
             </a:r>
-            <a:endParaRPr lang="zh-CN" altLang="en-US"/>
           </a:p>
           <a:p>
             <a:pPr lvl="3" eaLnBrk="1" latinLnBrk="0" hangingPunct="1"/>
@@ -1215,7 +1228,6 @@
               <a:rPr lang="zh-CN" altLang="en-US"/>
               <a:t>第四级</a:t>
             </a:r>
-            <a:endParaRPr lang="zh-CN" altLang="en-US"/>
           </a:p>
           <a:p>
             <a:pPr lvl="4" eaLnBrk="1" latinLnBrk="0" hangingPunct="1"/>
@@ -1244,6 +1256,7 @@
           <a:p>
             <a:fld id="{0E74D3FF-88B1-413F-934F-543E2B4CF409}" type="datetimeFigureOut">
               <a:rPr lang="zh-CN" altLang="en-US" smtClean="0"/>
+              <a:t>2022/11/2</a:t>
             </a:fld>
             <a:endParaRPr lang="zh-CN" altLang="en-US"/>
           </a:p>
@@ -1285,6 +1298,7 @@
           <a:p>
             <a:fld id="{191CB8CA-5380-489E-9AA3-9A16E7E26556}" type="slidenum">
               <a:rPr lang="zh-CN" altLang="en-US" smtClean="0"/>
+              <a:t>‹#›</a:t>
             </a:fld>
             <a:endParaRPr lang="zh-CN" altLang="en-US"/>
           </a:p>
@@ -1467,7 +1481,6 @@
               <a:rPr kumimoji="0" lang="zh-CN" altLang="en-US"/>
               <a:t>单击此处编辑母版文本样式</a:t>
             </a:r>
-            <a:endParaRPr kumimoji="0" lang="zh-CN" altLang="en-US"/>
           </a:p>
         </p:txBody>
       </p:sp>
@@ -1488,6 +1501,7 @@
           <a:p>
             <a:fld id="{0E74D3FF-88B1-413F-934F-543E2B4CF409}" type="datetimeFigureOut">
               <a:rPr lang="zh-CN" altLang="en-US" smtClean="0"/>
+              <a:t>2022/11/2</a:t>
             </a:fld>
             <a:endParaRPr lang="zh-CN" altLang="en-US"/>
           </a:p>
@@ -1529,6 +1543,7 @@
           <a:p>
             <a:fld id="{191CB8CA-5380-489E-9AA3-9A16E7E26556}" type="slidenum">
               <a:rPr lang="zh-CN" altLang="en-US" smtClean="0"/>
+              <a:t>‹#›</a:t>
             </a:fld>
             <a:endParaRPr lang="zh-CN" altLang="en-US"/>
           </a:p>
@@ -1761,7 +1776,6 @@
               <a:rPr lang="zh-CN" altLang="en-US"/>
               <a:t>单击此处编辑母版文本样式</a:t>
             </a:r>
-            <a:endParaRPr lang="zh-CN" altLang="en-US"/>
           </a:p>
           <a:p>
             <a:pPr lvl="1" eaLnBrk="1" latinLnBrk="0" hangingPunct="1"/>
@@ -1769,7 +1783,6 @@
               <a:rPr lang="zh-CN" altLang="en-US"/>
               <a:t>第二级</a:t>
             </a:r>
-            <a:endParaRPr lang="zh-CN" altLang="en-US"/>
           </a:p>
           <a:p>
             <a:pPr lvl="2" eaLnBrk="1" latinLnBrk="0" hangingPunct="1"/>
@@ -1777,7 +1790,6 @@
               <a:rPr lang="zh-CN" altLang="en-US"/>
               <a:t>第三级</a:t>
             </a:r>
-            <a:endParaRPr lang="zh-CN" altLang="en-US"/>
           </a:p>
           <a:p>
             <a:pPr lvl="3" eaLnBrk="1" latinLnBrk="0" hangingPunct="1"/>
@@ -1785,7 +1797,6 @@
               <a:rPr lang="zh-CN" altLang="en-US"/>
               <a:t>第四级</a:t>
             </a:r>
-            <a:endParaRPr lang="zh-CN" altLang="en-US"/>
           </a:p>
           <a:p>
             <a:pPr lvl="4" eaLnBrk="1" latinLnBrk="0" hangingPunct="1"/>
@@ -1838,7 +1849,6 @@
               <a:rPr lang="zh-CN" altLang="en-US"/>
               <a:t>单击此处编辑母版文本样式</a:t>
             </a:r>
-            <a:endParaRPr lang="zh-CN" altLang="en-US"/>
           </a:p>
           <a:p>
             <a:pPr lvl="1" eaLnBrk="1" latinLnBrk="0" hangingPunct="1"/>
@@ -1846,7 +1856,6 @@
               <a:rPr lang="zh-CN" altLang="en-US"/>
               <a:t>第二级</a:t>
             </a:r>
-            <a:endParaRPr lang="zh-CN" altLang="en-US"/>
           </a:p>
           <a:p>
             <a:pPr lvl="2" eaLnBrk="1" latinLnBrk="0" hangingPunct="1"/>
@@ -1854,7 +1863,6 @@
               <a:rPr lang="zh-CN" altLang="en-US"/>
               <a:t>第三级</a:t>
             </a:r>
-            <a:endParaRPr lang="zh-CN" altLang="en-US"/>
           </a:p>
           <a:p>
             <a:pPr lvl="3" eaLnBrk="1" latinLnBrk="0" hangingPunct="1"/>
@@ -1862,7 +1870,6 @@
               <a:rPr lang="zh-CN" altLang="en-US"/>
               <a:t>第四级</a:t>
             </a:r>
-            <a:endParaRPr lang="zh-CN" altLang="en-US"/>
           </a:p>
           <a:p>
             <a:pPr lvl="4" eaLnBrk="1" latinLnBrk="0" hangingPunct="1"/>
@@ -1891,6 +1898,7 @@
           <a:p>
             <a:fld id="{0E74D3FF-88B1-413F-934F-543E2B4CF409}" type="datetimeFigureOut">
               <a:rPr lang="zh-CN" altLang="en-US" smtClean="0"/>
+              <a:t>2022/11/2</a:t>
             </a:fld>
             <a:endParaRPr lang="zh-CN" altLang="en-US"/>
           </a:p>
@@ -1932,6 +1940,7 @@
           <a:p>
             <a:fld id="{191CB8CA-5380-489E-9AA3-9A16E7E26556}" type="slidenum">
               <a:rPr lang="zh-CN" altLang="en-US" smtClean="0"/>
+              <a:t>‹#›</a:t>
             </a:fld>
             <a:endParaRPr lang="zh-CN" altLang="en-US"/>
           </a:p>
@@ -1969,7 +1978,7 @@
 </file>
 
 <file path=ppt/slideLayouts/slideLayout5.xml><?xml version="1.0" encoding="utf-8"?>
-<p:sldLayout xmlns:a="http://schemas.openxmlformats.org/drawingml/2006/main" xmlns:r="http://schemas.openxmlformats.org/officeDocument/2006/relationships" xmlns:p="http://schemas.openxmlformats.org/presentationml/2006/main" type="twoTxTwoObj" preserve="1" showMasterSp="0">
+<p:sldLayout xmlns:a="http://schemas.openxmlformats.org/drawingml/2006/main" xmlns:r="http://schemas.openxmlformats.org/officeDocument/2006/relationships" xmlns:p="http://schemas.openxmlformats.org/presentationml/2006/main" showMasterSp="0" type="twoTxTwoObj" preserve="1">
   <p:cSld name="比较">
     <p:bg>
       <p:bgRef idx="1003">
@@ -2081,7 +2090,6 @@
               <a:rPr kumimoji="0" lang="zh-CN" altLang="en-US"/>
               <a:t>单击此处编辑母版文本样式</a:t>
             </a:r>
-            <a:endParaRPr kumimoji="0" lang="zh-CN" altLang="en-US"/>
           </a:p>
         </p:txBody>
       </p:sp>
@@ -2144,7 +2152,6 @@
               <a:rPr kumimoji="0" lang="zh-CN" altLang="en-US"/>
               <a:t>单击此处编辑母版文本样式</a:t>
             </a:r>
-            <a:endParaRPr kumimoji="0" lang="zh-CN" altLang="en-US"/>
           </a:p>
         </p:txBody>
       </p:sp>
@@ -2194,7 +2201,6 @@
               <a:rPr lang="zh-CN" altLang="en-US"/>
               <a:t>单击此处编辑母版文本样式</a:t>
             </a:r>
-            <a:endParaRPr lang="zh-CN" altLang="en-US"/>
           </a:p>
           <a:p>
             <a:pPr lvl="1" eaLnBrk="1" latinLnBrk="0" hangingPunct="1"/>
@@ -2202,7 +2208,6 @@
               <a:rPr lang="zh-CN" altLang="en-US"/>
               <a:t>第二级</a:t>
             </a:r>
-            <a:endParaRPr lang="zh-CN" altLang="en-US"/>
           </a:p>
           <a:p>
             <a:pPr lvl="2" eaLnBrk="1" latinLnBrk="0" hangingPunct="1"/>
@@ -2210,7 +2215,6 @@
               <a:rPr lang="zh-CN" altLang="en-US"/>
               <a:t>第三级</a:t>
             </a:r>
-            <a:endParaRPr lang="zh-CN" altLang="en-US"/>
           </a:p>
           <a:p>
             <a:pPr lvl="3" eaLnBrk="1" latinLnBrk="0" hangingPunct="1"/>
@@ -2218,7 +2222,6 @@
               <a:rPr lang="zh-CN" altLang="en-US"/>
               <a:t>第四级</a:t>
             </a:r>
-            <a:endParaRPr lang="zh-CN" altLang="en-US"/>
           </a:p>
           <a:p>
             <a:pPr lvl="4" eaLnBrk="1" latinLnBrk="0" hangingPunct="1"/>
@@ -2279,7 +2282,6 @@
               <a:rPr lang="zh-CN" altLang="en-US"/>
               <a:t>单击此处编辑母版文本样式</a:t>
             </a:r>
-            <a:endParaRPr lang="zh-CN" altLang="en-US"/>
           </a:p>
           <a:p>
             <a:pPr lvl="1" eaLnBrk="1" latinLnBrk="0" hangingPunct="1"/>
@@ -2287,7 +2289,6 @@
               <a:rPr lang="zh-CN" altLang="en-US"/>
               <a:t>第二级</a:t>
             </a:r>
-            <a:endParaRPr lang="zh-CN" altLang="en-US"/>
           </a:p>
           <a:p>
             <a:pPr lvl="2" eaLnBrk="1" latinLnBrk="0" hangingPunct="1"/>
@@ -2295,7 +2296,6 @@
               <a:rPr lang="zh-CN" altLang="en-US"/>
               <a:t>第三级</a:t>
             </a:r>
-            <a:endParaRPr lang="zh-CN" altLang="en-US"/>
           </a:p>
           <a:p>
             <a:pPr lvl="3" eaLnBrk="1" latinLnBrk="0" hangingPunct="1"/>
@@ -2303,7 +2303,6 @@
               <a:rPr lang="zh-CN" altLang="en-US"/>
               <a:t>第四级</a:t>
             </a:r>
-            <a:endParaRPr lang="zh-CN" altLang="en-US"/>
           </a:p>
           <a:p>
             <a:pPr lvl="4" eaLnBrk="1" latinLnBrk="0" hangingPunct="1"/>
@@ -2332,6 +2331,7 @@
           <a:p>
             <a:fld id="{0E74D3FF-88B1-413F-934F-543E2B4CF409}" type="datetimeFigureOut">
               <a:rPr lang="zh-CN" altLang="en-US" smtClean="0"/>
+              <a:t>2022/11/2</a:t>
             </a:fld>
             <a:endParaRPr lang="zh-CN" altLang="en-US"/>
           </a:p>
@@ -2373,6 +2373,7 @@
           <a:p>
             <a:fld id="{191CB8CA-5380-489E-9AA3-9A16E7E26556}" type="slidenum">
               <a:rPr lang="zh-CN" altLang="en-US" smtClean="0"/>
+              <a:t>‹#›</a:t>
             </a:fld>
             <a:endParaRPr lang="zh-CN" altLang="en-US"/>
           </a:p>
@@ -2425,6 +2426,7 @@
           <a:p>
             <a:fld id="{0E74D3FF-88B1-413F-934F-543E2B4CF409}" type="datetimeFigureOut">
               <a:rPr lang="zh-CN" altLang="en-US" smtClean="0"/>
+              <a:t>2022/11/2</a:t>
             </a:fld>
             <a:endParaRPr lang="zh-CN" altLang="en-US"/>
           </a:p>
@@ -2466,6 +2468,7 @@
           <a:p>
             <a:fld id="{191CB8CA-5380-489E-9AA3-9A16E7E26556}" type="slidenum">
               <a:rPr lang="zh-CN" altLang="en-US" smtClean="0"/>
+              <a:t>‹#›</a:t>
             </a:fld>
             <a:endParaRPr lang="zh-CN" altLang="en-US"/>
           </a:p>
@@ -2536,6 +2539,7 @@
           <a:p>
             <a:fld id="{0E74D3FF-88B1-413F-934F-543E2B4CF409}" type="datetimeFigureOut">
               <a:rPr lang="zh-CN" altLang="en-US" smtClean="0"/>
+              <a:t>2022/11/2</a:t>
             </a:fld>
             <a:endParaRPr lang="zh-CN" altLang="en-US"/>
           </a:p>
@@ -2577,6 +2581,7 @@
           <a:p>
             <a:fld id="{191CB8CA-5380-489E-9AA3-9A16E7E26556}" type="slidenum">
               <a:rPr lang="zh-CN" altLang="en-US" smtClean="0"/>
+              <a:t>‹#›</a:t>
             </a:fld>
             <a:endParaRPr lang="zh-CN" altLang="en-US"/>
           </a:p>
@@ -2591,7 +2596,7 @@
 </file>
 
 <file path=ppt/slideLayouts/slideLayout8.xml><?xml version="1.0" encoding="utf-8"?>
-<p:sldLayout xmlns:a="http://schemas.openxmlformats.org/drawingml/2006/main" xmlns:r="http://schemas.openxmlformats.org/officeDocument/2006/relationships" xmlns:p="http://schemas.openxmlformats.org/presentationml/2006/main" type="objTx" preserve="1" showMasterSp="0">
+<p:sldLayout xmlns:a="http://schemas.openxmlformats.org/drawingml/2006/main" xmlns:r="http://schemas.openxmlformats.org/officeDocument/2006/relationships" xmlns:p="http://schemas.openxmlformats.org/presentationml/2006/main" showMasterSp="0" type="objTx" preserve="1">
   <p:cSld name="内容与标题">
     <p:bg>
       <p:bgRef idx="1003">
@@ -2701,7 +2706,6 @@
               <a:rPr kumimoji="0" lang="zh-CN" altLang="en-US"/>
               <a:t>单击此处编辑母版文本样式</a:t>
             </a:r>
-            <a:endParaRPr kumimoji="0" lang="zh-CN" altLang="en-US"/>
           </a:p>
         </p:txBody>
       </p:sp>
@@ -2746,7 +2750,6 @@
               <a:rPr lang="zh-CN" altLang="en-US"/>
               <a:t>单击此处编辑母版文本样式</a:t>
             </a:r>
-            <a:endParaRPr lang="zh-CN" altLang="en-US"/>
           </a:p>
           <a:p>
             <a:pPr lvl="1" eaLnBrk="1" latinLnBrk="0" hangingPunct="1"/>
@@ -2754,7 +2757,6 @@
               <a:rPr lang="zh-CN" altLang="en-US"/>
               <a:t>第二级</a:t>
             </a:r>
-            <a:endParaRPr lang="zh-CN" altLang="en-US"/>
           </a:p>
           <a:p>
             <a:pPr lvl="2" eaLnBrk="1" latinLnBrk="0" hangingPunct="1"/>
@@ -2762,7 +2764,6 @@
               <a:rPr lang="zh-CN" altLang="en-US"/>
               <a:t>第三级</a:t>
             </a:r>
-            <a:endParaRPr lang="zh-CN" altLang="en-US"/>
           </a:p>
           <a:p>
             <a:pPr lvl="3" eaLnBrk="1" latinLnBrk="0" hangingPunct="1"/>
@@ -2770,7 +2771,6 @@
               <a:rPr lang="zh-CN" altLang="en-US"/>
               <a:t>第四级</a:t>
             </a:r>
-            <a:endParaRPr lang="zh-CN" altLang="en-US"/>
           </a:p>
           <a:p>
             <a:pPr lvl="4" eaLnBrk="1" latinLnBrk="0" hangingPunct="1"/>
@@ -2804,6 +2804,7 @@
           <a:p>
             <a:fld id="{0E74D3FF-88B1-413F-934F-543E2B4CF409}" type="datetimeFigureOut">
               <a:rPr lang="zh-CN" altLang="en-US" smtClean="0"/>
+              <a:t>2022/11/2</a:t>
             </a:fld>
             <a:endParaRPr lang="zh-CN" altLang="en-US"/>
           </a:p>
@@ -2845,6 +2846,7 @@
           <a:p>
             <a:fld id="{191CB8CA-5380-489E-9AA3-9A16E7E26556}" type="slidenum">
               <a:rPr lang="zh-CN" altLang="en-US" smtClean="0"/>
+              <a:t>‹#›</a:t>
             </a:fld>
             <a:endParaRPr lang="zh-CN" altLang="en-US"/>
           </a:p>
@@ -2859,7 +2861,7 @@
 </file>
 
 <file path=ppt/slideLayouts/slideLayout9.xml><?xml version="1.0" encoding="utf-8"?>
-<p:sldLayout xmlns:a="http://schemas.openxmlformats.org/drawingml/2006/main" xmlns:r="http://schemas.openxmlformats.org/officeDocument/2006/relationships" xmlns:p="http://schemas.openxmlformats.org/presentationml/2006/main" type="picTx" preserve="1" showMasterSp="0">
+<p:sldLayout xmlns:a="http://schemas.openxmlformats.org/drawingml/2006/main" xmlns:r="http://schemas.openxmlformats.org/officeDocument/2006/relationships" xmlns:p="http://schemas.openxmlformats.org/presentationml/2006/main" showMasterSp="0" type="picTx" preserve="1">
   <p:cSld name="图片与标题">
     <p:bg>
       <p:bgRef idx="1002">
@@ -2923,7 +2925,6 @@
               <a:rPr kumimoji="0" lang="zh-CN" altLang="en-US"/>
               <a:t>单击此处编辑母版文本样式</a:t>
             </a:r>
-            <a:endParaRPr kumimoji="0" lang="zh-CN" altLang="en-US"/>
           </a:p>
         </p:txBody>
       </p:sp>
@@ -3001,6 +3002,7 @@
           <a:p>
             <a:fld id="{0E74D3FF-88B1-413F-934F-543E2B4CF409}" type="datetimeFigureOut">
               <a:rPr lang="zh-CN" altLang="en-US" smtClean="0"/>
+              <a:t>2022/11/2</a:t>
             </a:fld>
             <a:endParaRPr lang="zh-CN" altLang="en-US"/>
           </a:p>
@@ -3063,6 +3065,7 @@
           <a:p>
             <a:fld id="{191CB8CA-5380-489E-9AA3-9A16E7E26556}" type="slidenum">
               <a:rPr lang="zh-CN" altLang="en-US" smtClean="0"/>
+              <a:t>‹#›</a:t>
             </a:fld>
             <a:endParaRPr lang="zh-CN" altLang="en-US"/>
           </a:p>
@@ -3792,7 +3795,7 @@
             <a:avLst/>
           </a:prstGeom>
           <a:blipFill>
-            <a:blip r:embed="rId12">
+            <a:blip r:embed="rId13">
               <a:alphaModFix amt="50000"/>
             </a:blip>
             <a:tile tx="0" ty="0" sx="50000" sy="50000" flip="none" algn="t"/>
@@ -4007,7 +4010,6 @@
               <a:rPr kumimoji="0" lang="zh-CN" altLang="en-US"/>
               <a:t>单击此处编辑母版文本样式</a:t>
             </a:r>
-            <a:endParaRPr kumimoji="0" lang="zh-CN" altLang="en-US"/>
           </a:p>
           <a:p>
             <a:pPr lvl="1" eaLnBrk="1" latinLnBrk="0" hangingPunct="1"/>
@@ -4015,7 +4017,6 @@
               <a:rPr kumimoji="0" lang="zh-CN" altLang="en-US"/>
               <a:t>第二级</a:t>
             </a:r>
-            <a:endParaRPr kumimoji="0" lang="zh-CN" altLang="en-US"/>
           </a:p>
           <a:p>
             <a:pPr lvl="2" eaLnBrk="1" latinLnBrk="0" hangingPunct="1"/>
@@ -4023,7 +4024,6 @@
               <a:rPr kumimoji="0" lang="zh-CN" altLang="en-US"/>
               <a:t>第三级</a:t>
             </a:r>
-            <a:endParaRPr kumimoji="0" lang="zh-CN" altLang="en-US"/>
           </a:p>
           <a:p>
             <a:pPr lvl="3" eaLnBrk="1" latinLnBrk="0" hangingPunct="1"/>
@@ -4031,7 +4031,6 @@
               <a:rPr kumimoji="0" lang="zh-CN" altLang="en-US"/>
               <a:t>第四级</a:t>
             </a:r>
-            <a:endParaRPr kumimoji="0" lang="zh-CN" altLang="en-US"/>
           </a:p>
           <a:p>
             <a:pPr lvl="4" eaLnBrk="1" latinLnBrk="0" hangingPunct="1"/>
@@ -4076,6 +4075,7 @@
           <a:p>
             <a:fld id="{0E74D3FF-88B1-413F-934F-543E2B4CF409}" type="datetimeFigureOut">
               <a:rPr lang="zh-CN" altLang="en-US" smtClean="0"/>
+              <a:t>2022/11/2</a:t>
             </a:fld>
             <a:endParaRPr lang="zh-CN" altLang="en-US"/>
           </a:p>
@@ -4149,6 +4149,7 @@
           <a:p>
             <a:fld id="{191CB8CA-5380-489E-9AA3-9A16E7E26556}" type="slidenum">
               <a:rPr lang="zh-CN" altLang="en-US" smtClean="0"/>
+              <a:t>‹#›</a:t>
             </a:fld>
             <a:endParaRPr lang="zh-CN" altLang="en-US"/>
           </a:p>
@@ -4515,7 +4516,6 @@
               <a:rPr lang="zh-CN" altLang="en-US" dirty="0"/>
               <a:t>打豆豆</a:t>
             </a:r>
-            <a:endParaRPr lang="zh-CN" altLang="en-US" dirty="0"/>
           </a:p>
         </p:txBody>
       </p:sp>
@@ -4552,7 +4552,6 @@
               <a:rPr lang="en-US" altLang="zh-CN" dirty="0"/>
               <a:t>	</a:t>
             </a:r>
-            <a:endParaRPr lang="en-US" altLang="zh-CN" dirty="0"/>
           </a:p>
           <a:p>
             <a:r>
@@ -4571,7 +4570,6 @@
               <a:rPr lang="en-US" altLang="zh-CN" dirty="0"/>
               <a:t>	</a:t>
             </a:r>
-            <a:endParaRPr lang="en-US" altLang="zh-CN" dirty="0"/>
           </a:p>
           <a:p>
             <a:r>
@@ -4586,7 +4584,6 @@
               <a:rPr lang="zh-CN" altLang="en-US" dirty="0"/>
               <a:t>秦思豪</a:t>
             </a:r>
-            <a:endParaRPr lang="zh-CN" altLang="en-US" dirty="0"/>
           </a:p>
         </p:txBody>
       </p:sp>
@@ -4599,7 +4596,7 @@
           <p:nvPr/>
         </p:nvPicPr>
         <p:blipFill>
-          <a:blip r:embed="rId1">
+          <a:blip r:embed="rId2">
             <a:extLst>
               <a:ext uri="{28A0092B-C50C-407E-A947-70E740481C1C}">
                 <a14:useLocalDpi xmlns:a14="http://schemas.microsoft.com/office/drawing/2010/main" val="0"/>
@@ -4667,7 +4664,7 @@
           </p:nvPr>
         </p:nvPicPr>
         <p:blipFill>
-          <a:blip r:embed="rId1"/>
+          <a:blip r:embed="rId2"/>
           <a:stretch>
             <a:fillRect/>
           </a:stretch>
@@ -4702,7 +4699,6 @@
               <a:rPr lang="zh-CN" altLang="en-US" dirty="0"/>
               <a:t>图</a:t>
             </a:r>
-            <a:endParaRPr lang="zh-CN" altLang="en-US" dirty="0"/>
           </a:p>
         </p:txBody>
       </p:sp>
@@ -4763,11 +4759,6 @@
               </a:rPr>
               <a:t>经费限制：本项目主要目标为通过软件工程课程，没有赞助商和投资，经费需要由小组成员自行承担；</a:t>
             </a:r>
-            <a:endParaRPr lang="zh-CN" altLang="zh-CN" sz="1800" kern="100" dirty="0">
-              <a:effectLst/>
-              <a:latin typeface="Times New Roman" panose="02020603050405020304" pitchFamily="18" charset="0"/>
-              <a:ea typeface="宋体" panose="02010600030101010101" pitchFamily="2" charset="-122"/>
-            </a:endParaRPr>
           </a:p>
           <a:p>
             <a:pPr algn="just"/>
@@ -4787,11 +4778,6 @@
               </a:rPr>
               <a:t>开发期限：本项目为软件工程课程任务，平时的其他课程作业导致时间不足</a:t>
             </a:r>
-            <a:endParaRPr lang="zh-CN" altLang="zh-CN" sz="1800" kern="100" dirty="0">
-              <a:effectLst/>
-              <a:latin typeface="Times New Roman" panose="02020603050405020304" pitchFamily="18" charset="0"/>
-              <a:ea typeface="宋体" panose="02010600030101010101" pitchFamily="2" charset="-122"/>
-            </a:endParaRPr>
           </a:p>
           <a:p>
             <a:endParaRPr lang="zh-CN" altLang="en-US" dirty="0"/>
@@ -4817,7 +4803,6 @@
               <a:rPr lang="zh-CN" altLang="en-US" dirty="0"/>
               <a:t>约束条件</a:t>
             </a:r>
-            <a:endParaRPr lang="zh-CN" altLang="en-US" dirty="0"/>
           </a:p>
         </p:txBody>
       </p:sp>
@@ -4878,7 +4863,6 @@
               <a:rPr lang="zh-CN" altLang="en-US" dirty="0"/>
               <a:t>组员分工及评价</a:t>
             </a:r>
-            <a:endParaRPr lang="zh-CN" altLang="en-US" dirty="0"/>
           </a:p>
         </p:txBody>
       </p:sp>
@@ -4986,7 +4970,6 @@
               <a:rPr lang="zh-CN" altLang="en-US" dirty="0"/>
               <a:t>）</a:t>
             </a:r>
-            <a:endParaRPr lang="zh-CN" altLang="en-US" dirty="0"/>
           </a:p>
         </p:txBody>
       </p:sp>
@@ -5009,7 +4992,6 @@
               <a:rPr lang="zh-CN" altLang="en-US" dirty="0"/>
               <a:t>组员分工及评价</a:t>
             </a:r>
-            <a:endParaRPr lang="zh-CN" altLang="en-US" dirty="0"/>
           </a:p>
         </p:txBody>
       </p:sp>
@@ -5040,7 +5022,38 @@
       </p:grpSpPr>
       <p:sp>
         <p:nvSpPr>
-          <p:cNvPr id="3" name="标题 2"/>
+          <p:cNvPr id="2" name="内容占位符 1">
+            <a:extLst>
+              <a:ext uri="{FF2B5EF4-FFF2-40B4-BE49-F238E27FC236}">
+                <a16:creationId xmlns:a16="http://schemas.microsoft.com/office/drawing/2014/main" id="{D3450109-44CF-7205-E801-D8CCCD6504C0}"/>
+              </a:ext>
+            </a:extLst>
+          </p:cNvPr>
+          <p:cNvSpPr>
+            <a:spLocks noGrp="1"/>
+          </p:cNvSpPr>
+          <p:nvPr>
+            <p:ph idx="1"/>
+          </p:nvPr>
+        </p:nvSpPr>
+        <p:spPr/>
+        <p:txBody>
+          <a:bodyPr/>
+          <a:lstStyle/>
+          <a:p>
+            <a:endParaRPr lang="zh-CN" altLang="en-US"/>
+          </a:p>
+        </p:txBody>
+      </p:sp>
+      <p:sp>
+        <p:nvSpPr>
+          <p:cNvPr id="3" name="标题 2">
+            <a:extLst>
+              <a:ext uri="{FF2B5EF4-FFF2-40B4-BE49-F238E27FC236}">
+                <a16:creationId xmlns:a16="http://schemas.microsoft.com/office/drawing/2014/main" id="{6446CBD0-9815-4972-1548-754B0FFE3F48}"/>
+              </a:ext>
+            </a:extLst>
+          </p:cNvPr>
           <p:cNvSpPr>
             <a:spLocks noGrp="1"/>
           </p:cNvSpPr>
@@ -5050,7 +5063,7 @@
         </p:nvSpPr>
         <p:spPr>
           <a:xfrm>
-            <a:off x="4568858" y="2461657"/>
+            <a:off x="4144652" y="1990316"/>
             <a:ext cx="10972800" cy="1143000"/>
           </a:xfrm>
         </p:spPr>
@@ -5068,13 +5081,17 @@
             </a:r>
             <a:r>
               <a:rPr lang="zh-CN" altLang="en-US" dirty="0"/>
-              <a:t>参考资料</a:t>
-            </a:r>
-            <a:endParaRPr lang="zh-CN" altLang="en-US" dirty="0"/>
+              <a:t>界面原型</a:t>
+            </a:r>
           </a:p>
         </p:txBody>
       </p:sp>
     </p:spTree>
+    <p:extLst>
+      <p:ext uri="{BB962C8B-B14F-4D97-AF65-F5344CB8AC3E}">
+        <p14:creationId xmlns:p14="http://schemas.microsoft.com/office/powerpoint/2010/main" val="2421633747"/>
+      </p:ext>
+    </p:extLst>
   </p:cSld>
   <p:clrMapOvr>
     <a:masterClrMapping/>
@@ -5099,218 +5116,217 @@
           <a:chExt cx="0" cy="0"/>
         </a:xfrm>
       </p:grpSpPr>
-      <p:sp>
-        <p:nvSpPr>
-          <p:cNvPr id="2" name="内容占位符 1"/>
-          <p:cNvSpPr>
-            <a:spLocks noGrp="1"/>
-          </p:cNvSpPr>
+      <p:pic>
+        <p:nvPicPr>
+          <p:cNvPr id="5" name="内容占位符 4">
+            <a:extLst>
+              <a:ext uri="{FF2B5EF4-FFF2-40B4-BE49-F238E27FC236}">
+                <a16:creationId xmlns:a16="http://schemas.microsoft.com/office/drawing/2014/main" id="{3809213F-4CB2-A893-D9E9-EDE4EA0A2B20}"/>
+              </a:ext>
+            </a:extLst>
+          </p:cNvPr>
+          <p:cNvPicPr>
+            <a:picLocks noGrp="1" noChangeAspect="1"/>
+          </p:cNvPicPr>
           <p:nvPr>
             <p:ph idx="1"/>
           </p:nvPr>
+        </p:nvPicPr>
+        <p:blipFill>
+          <a:blip r:embed="rId2">
+            <a:extLst>
+              <a:ext uri="{28A0092B-C50C-407E-A947-70E740481C1C}">
+                <a14:useLocalDpi xmlns:a14="http://schemas.microsoft.com/office/drawing/2010/main" val="0"/>
+              </a:ext>
+            </a:extLst>
+          </a:blip>
+          <a:stretch>
+            <a:fillRect/>
+          </a:stretch>
+        </p:blipFill>
+        <p:spPr>
+          <a:xfrm>
+            <a:off x="477625" y="1958467"/>
+            <a:ext cx="2751058" cy="1242168"/>
+          </a:xfrm>
+        </p:spPr>
+      </p:pic>
+      <p:sp>
+        <p:nvSpPr>
+          <p:cNvPr id="3" name="标题 2">
+            <a:extLst>
+              <a:ext uri="{FF2B5EF4-FFF2-40B4-BE49-F238E27FC236}">
+                <a16:creationId xmlns:a16="http://schemas.microsoft.com/office/drawing/2014/main" id="{5A4ECB59-74CB-489C-0F4A-D47EBB75EFFF}"/>
+              </a:ext>
+            </a:extLst>
+          </p:cNvPr>
+          <p:cNvSpPr>
+            <a:spLocks noGrp="1"/>
+          </p:cNvSpPr>
+          <p:nvPr>
+            <p:ph type="title"/>
+          </p:nvPr>
         </p:nvSpPr>
         <p:spPr/>
         <p:txBody>
           <a:bodyPr/>
           <a:lstStyle/>
           <a:p>
-            <a:pPr marL="342900" lvl="0" indent="-342900" algn="just">
-              <a:lnSpc>
-                <a:spcPct val="150000"/>
-              </a:lnSpc>
-              <a:buFont typeface="+mj-lt"/>
-              <a:buAutoNum type="arabicPeriod"/>
-              <a:tabLst>
-                <a:tab pos="266700" algn="l"/>
-              </a:tabLst>
-            </a:pPr>
-            <a:r>
-              <a:rPr lang="en-US" altLang="zh-CN" sz="1800" kern="100" dirty="0">
-                <a:effectLst/>
-                <a:latin typeface="Times New Roman" panose="02020603050405020304" pitchFamily="18" charset="0"/>
-                <a:ea typeface="宋体" panose="02010600030101010101" pitchFamily="2" charset="-122"/>
-              </a:rPr>
-              <a:t>GB8567--88</a:t>
-            </a:r>
-            <a:r>
-              <a:rPr lang="zh-CN" altLang="zh-CN" sz="1800" kern="100" dirty="0">
-                <a:effectLst/>
-                <a:latin typeface="Times New Roman" panose="02020603050405020304" pitchFamily="18" charset="0"/>
-                <a:ea typeface="宋体" panose="02010600030101010101" pitchFamily="2" charset="-122"/>
-              </a:rPr>
-              <a:t>；</a:t>
-            </a:r>
-            <a:endParaRPr lang="zh-CN" altLang="zh-CN" sz="1800" kern="100" dirty="0">
-              <a:effectLst/>
-              <a:latin typeface="Times New Roman" panose="02020603050405020304" pitchFamily="18" charset="0"/>
-              <a:ea typeface="宋体" panose="02010600030101010101" pitchFamily="2" charset="-122"/>
-            </a:endParaRPr>
-          </a:p>
-          <a:p>
-            <a:pPr marL="342900" lvl="0" indent="-342900" algn="l">
-              <a:buFont typeface="+mj-lt"/>
-              <a:buAutoNum type="arabicPeriod"/>
-              <a:tabLst>
-                <a:tab pos="266700" algn="l"/>
-              </a:tabLst>
-            </a:pPr>
-            <a:r>
-              <a:rPr lang="en-US" altLang="zh-CN" sz="1800" kern="100" dirty="0">
-                <a:effectLst/>
-                <a:latin typeface="Times New Roman" panose="02020603050405020304" pitchFamily="18" charset="0"/>
-                <a:ea typeface="宋体" panose="02010600030101010101" pitchFamily="2" charset="-122"/>
-              </a:rPr>
-              <a:t>B</a:t>
-            </a:r>
-            <a:r>
-              <a:rPr lang="zh-CN" altLang="zh-CN" sz="1800" kern="100" dirty="0">
-                <a:effectLst/>
-                <a:latin typeface="Times New Roman" panose="02020603050405020304" pitchFamily="18" charset="0"/>
-                <a:ea typeface="宋体" panose="02010600030101010101" pitchFamily="2" charset="-122"/>
-              </a:rPr>
-              <a:t>站视频：</a:t>
-            </a:r>
-            <a:r>
-              <a:rPr lang="en-US" altLang="zh-CN" sz="1800" kern="100" dirty="0">
-                <a:effectLst/>
-                <a:latin typeface="Times New Roman" panose="02020603050405020304" pitchFamily="18" charset="0"/>
-                <a:ea typeface="宋体" panose="02010600030101010101" pitchFamily="2" charset="-122"/>
-              </a:rPr>
-              <a:t>https://www.bilibili.com/video/BV1y3411s7He/?spm_id_from=333.880.my_history.page.click</a:t>
-            </a:r>
-            <a:endParaRPr lang="zh-CN" altLang="zh-CN" sz="1800" kern="100" dirty="0">
-              <a:effectLst/>
-              <a:latin typeface="Times New Roman" panose="02020603050405020304" pitchFamily="18" charset="0"/>
-              <a:ea typeface="宋体" panose="02010600030101010101" pitchFamily="2" charset="-122"/>
-            </a:endParaRPr>
-          </a:p>
-          <a:p>
-            <a:pPr marL="342900" lvl="0" indent="-342900" algn="just">
-              <a:buFont typeface="+mj-lt"/>
-              <a:buAutoNum type="arabicPeriod"/>
-              <a:tabLst>
-                <a:tab pos="266700" algn="l"/>
-              </a:tabLst>
-            </a:pPr>
-            <a:r>
-              <a:rPr lang="en-US" altLang="zh-CN" sz="1800" kern="100" dirty="0" err="1">
-                <a:effectLst/>
-                <a:latin typeface="Times New Roman" panose="02020603050405020304" pitchFamily="18" charset="0"/>
-                <a:ea typeface="宋体" panose="02010600030101010101" pitchFamily="2" charset="-122"/>
-              </a:rPr>
-              <a:t>Csdn</a:t>
-            </a:r>
-            <a:r>
-              <a:rPr lang="en-US" altLang="zh-CN" sz="1800" kern="100" dirty="0">
-                <a:effectLst/>
-                <a:latin typeface="Times New Roman" panose="02020603050405020304" pitchFamily="18" charset="0"/>
-                <a:ea typeface="宋体" panose="02010600030101010101" pitchFamily="2" charset="-122"/>
-              </a:rPr>
-              <a:t> </a:t>
-            </a:r>
-            <a:r>
-              <a:rPr lang="en-US" altLang="zh-CN" sz="1800" u="sng" kern="100" dirty="0">
-                <a:solidFill>
-                  <a:srgbClr val="0000FF"/>
-                </a:solidFill>
-                <a:effectLst/>
-                <a:latin typeface="Times New Roman" panose="02020603050405020304" pitchFamily="18" charset="0"/>
-                <a:ea typeface="宋体" panose="02010600030101010101" pitchFamily="2" charset="-122"/>
-                <a:hlinkClick r:id="rId1"/>
-              </a:rPr>
-              <a:t>https://blog.csdn.net/weixin_36204727/article/details/117786281?spm=1001.2101.3001.6650.2&amp;utm_medium=distribute.pc_relevant.none-task-blog-2~default~CTRLIST~Rate-2-117786281-blog-125726404.pc_relevant_3mothn_strategy_recovery&amp;depth_1-utm_source=distribute.pc_relevant.none-task-blog-2~default~CTRLIST~Rate-2-117786281-blog-125726404.pc_relevant_3mothn_strategy_recovery&amp;utm_relevant_index=4</a:t>
-            </a:r>
-            <a:endParaRPr lang="zh-CN" altLang="zh-CN" sz="1800" kern="100" dirty="0">
-              <a:effectLst/>
-              <a:latin typeface="Times New Roman" panose="02020603050405020304" pitchFamily="18" charset="0"/>
-              <a:ea typeface="宋体" panose="02010600030101010101" pitchFamily="2" charset="-122"/>
-            </a:endParaRPr>
-          </a:p>
-          <a:p>
-            <a:pPr marL="342900" lvl="0" indent="-342900" algn="just">
-              <a:buFont typeface="+mj-lt"/>
-              <a:buAutoNum type="arabicPeriod"/>
-              <a:tabLst>
-                <a:tab pos="266700" algn="l"/>
-              </a:tabLst>
-            </a:pPr>
-            <a:r>
-              <a:rPr lang="en-US" altLang="zh-CN" sz="1800" u="sng" kern="100" dirty="0">
-                <a:solidFill>
-                  <a:srgbClr val="0000FF"/>
-                </a:solidFill>
-                <a:effectLst/>
-                <a:latin typeface="Times New Roman" panose="02020603050405020304" pitchFamily="18" charset="0"/>
-                <a:ea typeface="宋体" panose="02010600030101010101" pitchFamily="2" charset="-122"/>
-                <a:hlinkClick r:id="rId2"/>
-              </a:rPr>
-              <a:t>https://blog.csdn.net/mhx3008557816/article/details/121542706</a:t>
-            </a:r>
-            <a:endParaRPr lang="zh-CN" altLang="zh-CN" sz="1800" kern="100" dirty="0">
-              <a:effectLst/>
-              <a:latin typeface="Times New Roman" panose="02020603050405020304" pitchFamily="18" charset="0"/>
-              <a:ea typeface="宋体" panose="02010600030101010101" pitchFamily="2" charset="-122"/>
-            </a:endParaRPr>
-          </a:p>
-          <a:p>
-            <a:pPr marL="342900" lvl="0" indent="-342900" algn="just">
-              <a:buFont typeface="+mj-lt"/>
-              <a:buAutoNum type="arabicPeriod"/>
-              <a:tabLst>
-                <a:tab pos="266700" algn="l"/>
-              </a:tabLst>
-            </a:pPr>
-            <a:r>
-              <a:rPr lang="zh-CN" altLang="zh-CN" sz="1800" kern="100" dirty="0">
-                <a:effectLst/>
-                <a:latin typeface="Times New Roman" panose="02020603050405020304" pitchFamily="18" charset="0"/>
-                <a:ea typeface="宋体" panose="02010600030101010101" pitchFamily="2" charset="-122"/>
-              </a:rPr>
-              <a:t>《如何评价植物大战僵尸》</a:t>
-            </a:r>
-            <a:r>
-              <a:rPr lang="en-US" altLang="zh-CN" sz="1800" kern="100" dirty="0">
-                <a:effectLst/>
-                <a:latin typeface="Times New Roman" panose="02020603050405020304" pitchFamily="18" charset="0"/>
-                <a:ea typeface="宋体" panose="02010600030101010101" pitchFamily="2" charset="-122"/>
-              </a:rPr>
-              <a:t>https://baijiahao.baidu.com/s?id=1691471808354440505&amp;wfr=spider&amp;for=pc</a:t>
-            </a:r>
-            <a:endParaRPr lang="zh-CN" altLang="zh-CN" sz="1800" kern="100" dirty="0">
-              <a:effectLst/>
-              <a:latin typeface="Times New Roman" panose="02020603050405020304" pitchFamily="18" charset="0"/>
-              <a:ea typeface="宋体" panose="02010600030101010101" pitchFamily="2" charset="-122"/>
-            </a:endParaRPr>
-          </a:p>
-          <a:p>
-            <a:endParaRPr lang="zh-CN" altLang="en-US" dirty="0"/>
-          </a:p>
-        </p:txBody>
-      </p:sp>
-      <p:sp>
-        <p:nvSpPr>
-          <p:cNvPr id="3" name="标题 2"/>
-          <p:cNvSpPr>
-            <a:spLocks noGrp="1"/>
-          </p:cNvSpPr>
-          <p:nvPr>
-            <p:ph type="title"/>
-          </p:nvPr>
-        </p:nvSpPr>
-        <p:spPr/>
-        <p:txBody>
-          <a:bodyPr/>
-          <a:lstStyle/>
-          <a:p>
             <a:r>
               <a:rPr lang="zh-CN" altLang="en-US" dirty="0"/>
-              <a:t>参考资料</a:t>
-            </a:r>
-            <a:endParaRPr lang="zh-CN" altLang="en-US" dirty="0"/>
-          </a:p>
-        </p:txBody>
-      </p:sp>
+              <a:t>登录界面</a:t>
+            </a:r>
+          </a:p>
+        </p:txBody>
+      </p:sp>
+      <p:pic>
+        <p:nvPicPr>
+          <p:cNvPr id="7" name="图片 6">
+            <a:extLst>
+              <a:ext uri="{FF2B5EF4-FFF2-40B4-BE49-F238E27FC236}">
+                <a16:creationId xmlns:a16="http://schemas.microsoft.com/office/drawing/2014/main" id="{F47C54F2-D9C0-6849-9C9A-1ABA3BA61567}"/>
+              </a:ext>
+            </a:extLst>
+          </p:cNvPr>
+          <p:cNvPicPr>
+            <a:picLocks noChangeAspect="1"/>
+          </p:cNvPicPr>
+          <p:nvPr/>
+        </p:nvPicPr>
+        <p:blipFill>
+          <a:blip r:embed="rId3">
+            <a:extLst>
+              <a:ext uri="{28A0092B-C50C-407E-A947-70E740481C1C}">
+                <a14:useLocalDpi xmlns:a14="http://schemas.microsoft.com/office/drawing/2010/main" val="0"/>
+              </a:ext>
+            </a:extLst>
+          </a:blip>
+          <a:stretch>
+            <a:fillRect/>
+          </a:stretch>
+        </p:blipFill>
+        <p:spPr>
+          <a:xfrm>
+            <a:off x="3474841" y="1189018"/>
+            <a:ext cx="4450466" cy="2941575"/>
+          </a:xfrm>
+          <a:prstGeom prst="rect">
+            <a:avLst/>
+          </a:prstGeom>
+        </p:spPr>
+      </p:pic>
+      <p:sp>
+        <p:nvSpPr>
+          <p:cNvPr id="8" name="文本框 7">
+            <a:extLst>
+              <a:ext uri="{FF2B5EF4-FFF2-40B4-BE49-F238E27FC236}">
+                <a16:creationId xmlns:a16="http://schemas.microsoft.com/office/drawing/2014/main" id="{C7171B08-C8F7-67E4-ACBF-621850C1944D}"/>
+              </a:ext>
+            </a:extLst>
+          </p:cNvPr>
+          <p:cNvSpPr txBox="1"/>
+          <p:nvPr/>
+        </p:nvSpPr>
+        <p:spPr>
+          <a:xfrm>
+            <a:off x="4620705" y="481132"/>
+            <a:ext cx="3233394" cy="707886"/>
+          </a:xfrm>
+          <a:prstGeom prst="rect">
+            <a:avLst/>
+          </a:prstGeom>
+          <a:noFill/>
+        </p:spPr>
+        <p:txBody>
+          <a:bodyPr wrap="square" rtlCol="0">
+            <a:spAutoFit/>
+          </a:bodyPr>
+          <a:lstStyle/>
+          <a:p>
+            <a:r>
+              <a:rPr lang="zh-CN" altLang="en-US" sz="4000" dirty="0"/>
+              <a:t>主界面</a:t>
+            </a:r>
+          </a:p>
+        </p:txBody>
+      </p:sp>
+      <p:sp>
+        <p:nvSpPr>
+          <p:cNvPr id="9" name="文本框 8">
+            <a:extLst>
+              <a:ext uri="{FF2B5EF4-FFF2-40B4-BE49-F238E27FC236}">
+                <a16:creationId xmlns:a16="http://schemas.microsoft.com/office/drawing/2014/main" id="{1D91A884-48A6-F5E1-2476-C70EFAC90621}"/>
+              </a:ext>
+            </a:extLst>
+          </p:cNvPr>
+          <p:cNvSpPr txBox="1"/>
+          <p:nvPr/>
+        </p:nvSpPr>
+        <p:spPr>
+          <a:xfrm>
+            <a:off x="8039490" y="593889"/>
+            <a:ext cx="3442357" cy="707886"/>
+          </a:xfrm>
+          <a:prstGeom prst="rect">
+            <a:avLst/>
+          </a:prstGeom>
+          <a:noFill/>
+        </p:spPr>
+        <p:txBody>
+          <a:bodyPr wrap="square" rtlCol="0">
+            <a:spAutoFit/>
+          </a:bodyPr>
+          <a:lstStyle/>
+          <a:p>
+            <a:r>
+              <a:rPr lang="zh-CN" altLang="en-US" sz="4000" dirty="0"/>
+              <a:t>游戏界面</a:t>
+            </a:r>
+          </a:p>
+        </p:txBody>
+      </p:sp>
+      <p:pic>
+        <p:nvPicPr>
+          <p:cNvPr id="11" name="图片 10">
+            <a:extLst>
+              <a:ext uri="{FF2B5EF4-FFF2-40B4-BE49-F238E27FC236}">
+                <a16:creationId xmlns:a16="http://schemas.microsoft.com/office/drawing/2014/main" id="{67B62551-431E-1681-8B5B-EB16800F2038}"/>
+              </a:ext>
+            </a:extLst>
+          </p:cNvPr>
+          <p:cNvPicPr>
+            <a:picLocks noChangeAspect="1"/>
+          </p:cNvPicPr>
+          <p:nvPr/>
+        </p:nvPicPr>
+        <p:blipFill>
+          <a:blip r:embed="rId4" cstate="print">
+            <a:extLst>
+              <a:ext uri="{28A0092B-C50C-407E-A947-70E740481C1C}">
+                <a14:useLocalDpi xmlns:a14="http://schemas.microsoft.com/office/drawing/2010/main" val="0"/>
+              </a:ext>
+            </a:extLst>
+          </a:blip>
+          <a:stretch>
+            <a:fillRect/>
+          </a:stretch>
+        </p:blipFill>
+        <p:spPr>
+          <a:xfrm>
+            <a:off x="8081208" y="1958467"/>
+            <a:ext cx="3501192" cy="1631296"/>
+          </a:xfrm>
+          <a:prstGeom prst="rect">
+            <a:avLst/>
+          </a:prstGeom>
+        </p:spPr>
+      </p:pic>
     </p:spTree>
+    <p:extLst>
+      <p:ext uri="{BB962C8B-B14F-4D97-AF65-F5344CB8AC3E}">
+        <p14:creationId xmlns:p14="http://schemas.microsoft.com/office/powerpoint/2010/main" val="938568352"/>
+      </p:ext>
+    </p:extLst>
   </p:cSld>
   <p:clrMapOvr>
     <a:masterClrMapping/>
@@ -5327,7 +5343,74 @@
         <p:cNvGrpSpPr/>
         <p:nvPr/>
       </p:nvGrpSpPr>
-      <p:grpSpPr/>
+      <p:grpSpPr>
+        <a:xfrm>
+          <a:off x="0" y="0"/>
+          <a:ext cx="0" cy="0"/>
+          <a:chOff x="0" y="0"/>
+          <a:chExt cx="0" cy="0"/>
+        </a:xfrm>
+      </p:grpSpPr>
+      <p:sp>
+        <p:nvSpPr>
+          <p:cNvPr id="3" name="标题 2"/>
+          <p:cNvSpPr>
+            <a:spLocks noGrp="1"/>
+          </p:cNvSpPr>
+          <p:nvPr>
+            <p:ph type="title"/>
+          </p:nvPr>
+        </p:nvSpPr>
+        <p:spPr>
+          <a:xfrm>
+            <a:off x="4568858" y="2461657"/>
+            <a:ext cx="10972800" cy="1143000"/>
+          </a:xfrm>
+        </p:spPr>
+        <p:txBody>
+          <a:bodyPr/>
+          <a:lstStyle/>
+          <a:p>
+            <a:r>
+              <a:rPr lang="zh-CN" altLang="en-US" dirty="0"/>
+              <a:t>七</a:t>
+            </a:r>
+            <a:r>
+              <a:rPr lang="en-US" altLang="zh-CN" dirty="0"/>
+              <a:t>.</a:t>
+            </a:r>
+            <a:r>
+              <a:rPr lang="zh-CN" altLang="en-US" dirty="0"/>
+              <a:t>参考资料</a:t>
+            </a:r>
+          </a:p>
+        </p:txBody>
+      </p:sp>
+    </p:spTree>
+  </p:cSld>
+  <p:clrMapOvr>
+    <a:masterClrMapping/>
+  </p:clrMapOvr>
+</p:sld>
+</file>
+
+<file path=ppt/slides/slide17.xml><?xml version="1.0" encoding="utf-8"?>
+<p:sld xmlns:a="http://schemas.openxmlformats.org/drawingml/2006/main" xmlns:r="http://schemas.openxmlformats.org/officeDocument/2006/relationships" xmlns:p="http://schemas.openxmlformats.org/presentationml/2006/main">
+  <p:cSld>
+    <p:spTree>
+      <p:nvGrpSpPr>
+        <p:cNvPr id="1" name=""/>
+        <p:cNvGrpSpPr/>
+        <p:nvPr/>
+      </p:nvGrpSpPr>
+      <p:grpSpPr>
+        <a:xfrm>
+          <a:off x="0" y="0"/>
+          <a:ext cx="0" cy="0"/>
+          <a:chOff x="0" y="0"/>
+          <a:chExt cx="0" cy="0"/>
+        </a:xfrm>
+      </p:grpSpPr>
       <p:sp>
         <p:nvSpPr>
           <p:cNvPr id="2" name="内容占位符 1"/>
@@ -5341,6 +5424,237 @@
         <p:spPr/>
         <p:txBody>
           <a:bodyPr/>
+          <a:lstStyle/>
+          <a:p>
+            <a:pPr marL="342900" lvl="0" indent="-342900" algn="just">
+              <a:lnSpc>
+                <a:spcPct val="150000"/>
+              </a:lnSpc>
+              <a:buFont typeface="+mj-lt"/>
+              <a:buAutoNum type="arabicPeriod"/>
+              <a:tabLst>
+                <a:tab pos="266700" algn="l"/>
+              </a:tabLst>
+            </a:pPr>
+            <a:r>
+              <a:rPr lang="en-US" altLang="zh-CN" sz="1800" kern="100" dirty="0">
+                <a:effectLst/>
+                <a:latin typeface="Times New Roman" panose="02020603050405020304" pitchFamily="18" charset="0"/>
+                <a:ea typeface="宋体" panose="02010600030101010101" pitchFamily="2" charset="-122"/>
+              </a:rPr>
+              <a:t>GB8567--88</a:t>
+            </a:r>
+            <a:r>
+              <a:rPr lang="zh-CN" altLang="zh-CN" sz="1800" kern="100" dirty="0">
+                <a:effectLst/>
+                <a:latin typeface="Times New Roman" panose="02020603050405020304" pitchFamily="18" charset="0"/>
+                <a:ea typeface="宋体" panose="02010600030101010101" pitchFamily="2" charset="-122"/>
+              </a:rPr>
+              <a:t>；</a:t>
+            </a:r>
+          </a:p>
+          <a:p>
+            <a:pPr marL="342900" lvl="0" indent="-342900" algn="l">
+              <a:buFont typeface="+mj-lt"/>
+              <a:buAutoNum type="arabicPeriod"/>
+              <a:tabLst>
+                <a:tab pos="266700" algn="l"/>
+              </a:tabLst>
+            </a:pPr>
+            <a:r>
+              <a:rPr lang="en-US" altLang="zh-CN" sz="1800" kern="100" dirty="0">
+                <a:effectLst/>
+                <a:latin typeface="Times New Roman" panose="02020603050405020304" pitchFamily="18" charset="0"/>
+                <a:ea typeface="宋体" panose="02010600030101010101" pitchFamily="2" charset="-122"/>
+              </a:rPr>
+              <a:t>B</a:t>
+            </a:r>
+            <a:r>
+              <a:rPr lang="zh-CN" altLang="zh-CN" sz="1800" kern="100" dirty="0">
+                <a:effectLst/>
+                <a:latin typeface="Times New Roman" panose="02020603050405020304" pitchFamily="18" charset="0"/>
+                <a:ea typeface="宋体" panose="02010600030101010101" pitchFamily="2" charset="-122"/>
+              </a:rPr>
+              <a:t>站视频：</a:t>
+            </a:r>
+            <a:r>
+              <a:rPr lang="en-US" altLang="zh-CN" sz="1800" kern="100" dirty="0">
+                <a:effectLst/>
+                <a:latin typeface="Times New Roman" panose="02020603050405020304" pitchFamily="18" charset="0"/>
+                <a:ea typeface="宋体" panose="02010600030101010101" pitchFamily="2" charset="-122"/>
+              </a:rPr>
+              <a:t>https://www.bilibili.com/video/BV1y3411s7He/?spm_id_from=333.880.my_history.page.click</a:t>
+            </a:r>
+            <a:endParaRPr lang="zh-CN" altLang="zh-CN" sz="1800" kern="100" dirty="0">
+              <a:effectLst/>
+              <a:latin typeface="Times New Roman" panose="02020603050405020304" pitchFamily="18" charset="0"/>
+              <a:ea typeface="宋体" panose="02010600030101010101" pitchFamily="2" charset="-122"/>
+            </a:endParaRPr>
+          </a:p>
+          <a:p>
+            <a:pPr marL="342900" lvl="0" indent="-342900" algn="just">
+              <a:buFont typeface="+mj-lt"/>
+              <a:buAutoNum type="arabicPeriod"/>
+              <a:tabLst>
+                <a:tab pos="266700" algn="l"/>
+              </a:tabLst>
+            </a:pPr>
+            <a:r>
+              <a:rPr lang="en-US" altLang="zh-CN" sz="1800" kern="100" dirty="0" err="1">
+                <a:effectLst/>
+                <a:latin typeface="Times New Roman" panose="02020603050405020304" pitchFamily="18" charset="0"/>
+                <a:ea typeface="宋体" panose="02010600030101010101" pitchFamily="2" charset="-122"/>
+              </a:rPr>
+              <a:t>Csdn</a:t>
+            </a:r>
+            <a:r>
+              <a:rPr lang="en-US" altLang="zh-CN" sz="1800" kern="100" dirty="0">
+                <a:effectLst/>
+                <a:latin typeface="Times New Roman" panose="02020603050405020304" pitchFamily="18" charset="0"/>
+                <a:ea typeface="宋体" panose="02010600030101010101" pitchFamily="2" charset="-122"/>
+              </a:rPr>
+              <a:t> </a:t>
+            </a:r>
+            <a:r>
+              <a:rPr lang="en-US" altLang="zh-CN" sz="1800" u="sng" kern="100" dirty="0">
+                <a:solidFill>
+                  <a:srgbClr val="0000FF"/>
+                </a:solidFill>
+                <a:effectLst/>
+                <a:latin typeface="Times New Roman" panose="02020603050405020304" pitchFamily="18" charset="0"/>
+                <a:ea typeface="宋体" panose="02010600030101010101" pitchFamily="2" charset="-122"/>
+                <a:hlinkClick r:id="rId2"/>
+              </a:rPr>
+              <a:t>https://blog.csdn.net/weixin_36204727/article/details/117786281?spm=1001.2101.3001.6650.2&amp;utm_medium=distribute.pc_relevant.none-task-blog-2~default~CTRLIST~Rate-2-117786281-blog-125726404.pc_relevant_3mothn_strategy_recovery&amp;depth_1-utm_source=distribute.pc_relevant.none-task-blog-2~default~CTRLIST~Rate-2-117786281-blog-125726404.pc_relevant_3mothn_strategy_recovery&amp;utm_relevant_index=4</a:t>
+            </a:r>
+            <a:endParaRPr lang="zh-CN" altLang="zh-CN" sz="1800" kern="100" dirty="0">
+              <a:effectLst/>
+              <a:latin typeface="Times New Roman" panose="02020603050405020304" pitchFamily="18" charset="0"/>
+              <a:ea typeface="宋体" panose="02010600030101010101" pitchFamily="2" charset="-122"/>
+            </a:endParaRPr>
+          </a:p>
+          <a:p>
+            <a:pPr marL="342900" lvl="0" indent="-342900" algn="just">
+              <a:buFont typeface="+mj-lt"/>
+              <a:buAutoNum type="arabicPeriod"/>
+              <a:tabLst>
+                <a:tab pos="266700" algn="l"/>
+              </a:tabLst>
+            </a:pPr>
+            <a:r>
+              <a:rPr lang="en-US" altLang="zh-CN" sz="1800" u="sng" kern="100" dirty="0">
+                <a:solidFill>
+                  <a:srgbClr val="0000FF"/>
+                </a:solidFill>
+                <a:effectLst/>
+                <a:latin typeface="Times New Roman" panose="02020603050405020304" pitchFamily="18" charset="0"/>
+                <a:ea typeface="宋体" panose="02010600030101010101" pitchFamily="2" charset="-122"/>
+                <a:hlinkClick r:id="rId3"/>
+              </a:rPr>
+              <a:t>https://blog.csdn.net/mhx3008557816/article/details/121542706</a:t>
+            </a:r>
+            <a:endParaRPr lang="zh-CN" altLang="zh-CN" sz="1800" kern="100" dirty="0">
+              <a:effectLst/>
+              <a:latin typeface="Times New Roman" panose="02020603050405020304" pitchFamily="18" charset="0"/>
+              <a:ea typeface="宋体" panose="02010600030101010101" pitchFamily="2" charset="-122"/>
+            </a:endParaRPr>
+          </a:p>
+          <a:p>
+            <a:pPr marL="342900" lvl="0" indent="-342900" algn="just">
+              <a:buFont typeface="+mj-lt"/>
+              <a:buAutoNum type="arabicPeriod"/>
+              <a:tabLst>
+                <a:tab pos="266700" algn="l"/>
+              </a:tabLst>
+            </a:pPr>
+            <a:r>
+              <a:rPr lang="zh-CN" altLang="zh-CN" sz="1800" kern="100" dirty="0">
+                <a:effectLst/>
+                <a:latin typeface="Times New Roman" panose="02020603050405020304" pitchFamily="18" charset="0"/>
+                <a:ea typeface="宋体" panose="02010600030101010101" pitchFamily="2" charset="-122"/>
+              </a:rPr>
+              <a:t>《如何评价植物大战僵尸》</a:t>
+            </a:r>
+            <a:r>
+              <a:rPr lang="en-US" altLang="zh-CN" sz="1800" kern="100" dirty="0">
+                <a:effectLst/>
+                <a:latin typeface="Times New Roman" panose="02020603050405020304" pitchFamily="18" charset="0"/>
+                <a:ea typeface="宋体" panose="02010600030101010101" pitchFamily="2" charset="-122"/>
+              </a:rPr>
+              <a:t>https://baijiahao.baidu.com/s?id=1691471808354440505&amp;wfr=spider&amp;for=pc</a:t>
+            </a:r>
+            <a:endParaRPr lang="zh-CN" altLang="zh-CN" sz="1800" kern="100" dirty="0">
+              <a:effectLst/>
+              <a:latin typeface="Times New Roman" panose="02020603050405020304" pitchFamily="18" charset="0"/>
+              <a:ea typeface="宋体" panose="02010600030101010101" pitchFamily="2" charset="-122"/>
+            </a:endParaRPr>
+          </a:p>
+          <a:p>
+            <a:endParaRPr lang="zh-CN" altLang="en-US" dirty="0"/>
+          </a:p>
+        </p:txBody>
+      </p:sp>
+      <p:sp>
+        <p:nvSpPr>
+          <p:cNvPr id="3" name="标题 2"/>
+          <p:cNvSpPr>
+            <a:spLocks noGrp="1"/>
+          </p:cNvSpPr>
+          <p:nvPr>
+            <p:ph type="title"/>
+          </p:nvPr>
+        </p:nvSpPr>
+        <p:spPr/>
+        <p:txBody>
+          <a:bodyPr/>
+          <a:lstStyle/>
+          <a:p>
+            <a:r>
+              <a:rPr lang="zh-CN" altLang="en-US" dirty="0"/>
+              <a:t>参考资料</a:t>
+            </a:r>
+          </a:p>
+        </p:txBody>
+      </p:sp>
+    </p:spTree>
+  </p:cSld>
+  <p:clrMapOvr>
+    <a:masterClrMapping/>
+  </p:clrMapOvr>
+</p:sld>
+</file>
+
+<file path=ppt/slides/slide18.xml><?xml version="1.0" encoding="utf-8"?>
+<p:sld xmlns:a="http://schemas.openxmlformats.org/drawingml/2006/main" xmlns:r="http://schemas.openxmlformats.org/officeDocument/2006/relationships" xmlns:p="http://schemas.openxmlformats.org/presentationml/2006/main">
+  <p:cSld>
+    <p:spTree>
+      <p:nvGrpSpPr>
+        <p:cNvPr id="1" name=""/>
+        <p:cNvGrpSpPr/>
+        <p:nvPr/>
+      </p:nvGrpSpPr>
+      <p:grpSpPr>
+        <a:xfrm>
+          <a:off x="0" y="0"/>
+          <a:ext cx="0" cy="0"/>
+          <a:chOff x="0" y="0"/>
+          <a:chExt cx="0" cy="0"/>
+        </a:xfrm>
+      </p:grpSpPr>
+      <p:sp>
+        <p:nvSpPr>
+          <p:cNvPr id="2" name="内容占位符 1"/>
+          <p:cNvSpPr>
+            <a:spLocks noGrp="1"/>
+          </p:cNvSpPr>
+          <p:nvPr>
+            <p:ph idx="1"/>
+          </p:nvPr>
+        </p:nvSpPr>
+        <p:spPr/>
+        <p:txBody>
+          <a:bodyPr/>
+          <a:lstStyle/>
           <a:p>
             <a:endParaRPr lang="zh-CN" altLang="en-US"/>
           </a:p>
@@ -5364,12 +5678,12 @@
         </p:spPr>
         <p:txBody>
           <a:bodyPr/>
+          <a:lstStyle/>
           <a:p>
             <a:r>
               <a:rPr lang="zh-CN" altLang="en-US"/>
               <a:t>谢谢大家</a:t>
             </a:r>
-            <a:endParaRPr lang="zh-CN" altLang="en-US"/>
           </a:p>
         </p:txBody>
       </p:sp>
@@ -5478,9 +5792,19 @@
             </a:pPr>
             <a:r>
               <a:rPr lang="zh-CN" altLang="en-US" dirty="0"/>
+              <a:t>界面原型</a:t>
+            </a:r>
+            <a:endParaRPr lang="en-US" altLang="zh-CN" dirty="0"/>
+          </a:p>
+          <a:p>
+            <a:pPr marL="514350" indent="-514350">
+              <a:buFont typeface="+mj-lt"/>
+              <a:buAutoNum type="arabicPeriod"/>
+            </a:pPr>
+            <a:r>
+              <a:rPr lang="zh-CN" altLang="en-US" dirty="0"/>
               <a:t>参考文献</a:t>
             </a:r>
-            <a:endParaRPr lang="zh-CN" altLang="en-US" dirty="0"/>
           </a:p>
         </p:txBody>
       </p:sp>
@@ -5503,7 +5827,6 @@
               <a:rPr lang="zh-CN" altLang="en-US" dirty="0"/>
               <a:t>目录</a:t>
             </a:r>
-            <a:endParaRPr lang="zh-CN" altLang="en-US" dirty="0"/>
           </a:p>
         </p:txBody>
       </p:sp>
@@ -5559,7 +5882,6 @@
               <a:rPr lang="zh-CN" altLang="en-US" dirty="0"/>
               <a:t>里程碑评审</a:t>
             </a:r>
-            <a:endParaRPr lang="zh-CN" altLang="en-US" dirty="0"/>
           </a:p>
         </p:txBody>
       </p:sp>
@@ -5591,7 +5913,7 @@
           <p:nvPr/>
         </p:nvPicPr>
         <p:blipFill>
-          <a:blip r:embed="rId1"/>
+          <a:blip r:embed="rId2"/>
           <a:stretch>
             <a:fillRect/>
           </a:stretch>
@@ -5663,7 +5985,6 @@
               <a:rPr lang="zh-CN" altLang="en-US" dirty="0"/>
               <a:t>用户代表</a:t>
             </a:r>
-            <a:endParaRPr lang="zh-CN" altLang="en-US" dirty="0"/>
           </a:p>
         </p:txBody>
       </p:sp>
@@ -5711,7 +6032,6 @@
               <a:rPr lang="zh-CN" altLang="en-US" dirty="0"/>
               <a:t>同寝室的室友</a:t>
             </a:r>
-            <a:endParaRPr lang="zh-CN" altLang="en-US" dirty="0"/>
           </a:p>
         </p:txBody>
       </p:sp>
@@ -5734,7 +6054,6 @@
               <a:rPr lang="zh-CN" altLang="en-US" dirty="0"/>
               <a:t>用户代表</a:t>
             </a:r>
-            <a:endParaRPr lang="zh-CN" altLang="en-US" dirty="0"/>
           </a:p>
         </p:txBody>
       </p:sp>
@@ -5795,7 +6114,6 @@
               <a:rPr lang="zh-CN" altLang="en-US" dirty="0"/>
               <a:t>会议纪要</a:t>
             </a:r>
-            <a:endParaRPr lang="zh-CN" altLang="en-US" dirty="0"/>
           </a:p>
         </p:txBody>
       </p:sp>
@@ -6427,7 +6745,6 @@
               <a:rPr lang="zh-CN" altLang="en-US" dirty="0"/>
               <a:t>会议纪要</a:t>
             </a:r>
-            <a:endParaRPr lang="zh-CN" altLang="en-US" dirty="0"/>
           </a:p>
         </p:txBody>
       </p:sp>
@@ -6488,7 +6805,6 @@
               <a:rPr lang="zh-CN" altLang="en-US" dirty="0"/>
               <a:t>功能分析</a:t>
             </a:r>
-            <a:endParaRPr lang="zh-CN" altLang="en-US" dirty="0"/>
           </a:p>
         </p:txBody>
       </p:sp>
@@ -6528,7 +6844,7 @@
           </p:nvPr>
         </p:nvPicPr>
         <p:blipFill>
-          <a:blip r:embed="rId1"/>
+          <a:blip r:embed="rId2"/>
           <a:stretch>
             <a:fillRect/>
           </a:stretch>
@@ -6559,7 +6875,6 @@
               <a:rPr lang="zh-CN" altLang="en-US" dirty="0"/>
               <a:t>功能规定</a:t>
             </a:r>
-            <a:endParaRPr lang="zh-CN" altLang="en-US" dirty="0"/>
           </a:p>
         </p:txBody>
       </p:sp>
@@ -6572,7 +6887,7 @@
 </file>
 
 <file path=ppt/tags/tag1.xml><?xml version="1.0" encoding="utf-8"?>
-<p:tagLst xmlns:p="http://schemas.openxmlformats.org/presentationml/2006/main">
+<p:tagLst xmlns:a="http://schemas.openxmlformats.org/drawingml/2006/main" xmlns:r="http://schemas.openxmlformats.org/officeDocument/2006/relationships" xmlns:p="http://schemas.openxmlformats.org/presentationml/2006/main">
   <p:tag name="KSO_WPP_MARK_KEY" val="b826dc4b-3168-4dcc-bf47-057a2cf4db86"/>
   <p:tag name="COMMONDATA" val="eyJoZGlkIjoiMDJjNmVjNjhiYjdjOTkyOTBlMjE3MTQ4ODI0YThmZjEifQ=="/>
 </p:tagLst>
@@ -6860,6 +7175,8 @@
       </a:bgFillStyleLst>
     </a:fmtScheme>
   </a:themeElements>
+  <a:objectDefaults/>
+  <a:extraClrSchemeLst/>
   <a:extLst>
     <a:ext uri="{05A4C25C-085E-4340-85A3-A5531E510DB2}">
       <thm15:themeFamily xmlns:thm15="http://schemas.microsoft.com/office/thememl/2012/main" name="Office Theme" id="{62F939B6-93AF-4DB8-9C6B-D6C7DFDC589F}" vid="{4A3C46E8-61CC-4603-A589-7422A47A8E4A}"/>

--- a/SE2022-G17小组-软件需求.pptx
+++ b/SE2022-G17小组-软件需求.pptx
@@ -6032,6 +6032,14 @@
               <a:rPr lang="zh-CN" altLang="en-US" dirty="0"/>
               <a:t>同寝室的室友</a:t>
             </a:r>
+            <a:r>
+              <a:rPr lang="en-US" altLang="zh-CN" dirty="0"/>
+              <a:t>-32001262</a:t>
+            </a:r>
+            <a:r>
+              <a:rPr lang="zh-CN" altLang="en-US" dirty="0"/>
+              <a:t>鲍明</a:t>
+            </a:r>
           </a:p>
         </p:txBody>
       </p:sp>

--- a/SE2022-G17小组-软件需求.pptx
+++ b/SE2022-G17小组-软件需求.pptx
@@ -14,20 +14,21 @@
     <p:sldId id="274" r:id="rId8"/>
     <p:sldId id="278" r:id="rId9"/>
     <p:sldId id="258" r:id="rId10"/>
-    <p:sldId id="263" r:id="rId11"/>
-    <p:sldId id="259" r:id="rId12"/>
-    <p:sldId id="276" r:id="rId13"/>
-    <p:sldId id="262" r:id="rId14"/>
-    <p:sldId id="294" r:id="rId15"/>
-    <p:sldId id="295" r:id="rId16"/>
-    <p:sldId id="279" r:id="rId17"/>
-    <p:sldId id="257" r:id="rId18"/>
-    <p:sldId id="293" r:id="rId19"/>
+    <p:sldId id="296" r:id="rId11"/>
+    <p:sldId id="263" r:id="rId12"/>
+    <p:sldId id="259" r:id="rId13"/>
+    <p:sldId id="276" r:id="rId14"/>
+    <p:sldId id="262" r:id="rId15"/>
+    <p:sldId id="294" r:id="rId16"/>
+    <p:sldId id="295" r:id="rId17"/>
+    <p:sldId id="279" r:id="rId18"/>
+    <p:sldId id="257" r:id="rId19"/>
+    <p:sldId id="293" r:id="rId20"/>
   </p:sldIdLst>
   <p:sldSz cx="12192000" cy="6858000"/>
   <p:notesSz cx="6858000" cy="9144000"/>
   <p:custDataLst>
-    <p:tags r:id="rId20"/>
+    <p:tags r:id="rId21"/>
   </p:custDataLst>
   <p:defaultTextStyle>
     <a:defPPr>
@@ -751,7 +752,7 @@
           <a:p>
             <a:fld id="{0E74D3FF-88B1-413F-934F-543E2B4CF409}" type="datetimeFigureOut">
               <a:rPr lang="zh-CN" altLang="en-US" smtClean="0"/>
-              <a:t>2022/11/2</a:t>
+              <a:t>2022/11/9</a:t>
             </a:fld>
             <a:endParaRPr lang="zh-CN" altLang="en-US"/>
           </a:p>
@@ -939,7 +940,7 @@
           <a:p>
             <a:fld id="{0E74D3FF-88B1-413F-934F-543E2B4CF409}" type="datetimeFigureOut">
               <a:rPr lang="zh-CN" altLang="en-US" smtClean="0"/>
-              <a:t>2022/11/2</a:t>
+              <a:t>2022/11/9</a:t>
             </a:fld>
             <a:endParaRPr lang="zh-CN" altLang="en-US"/>
           </a:p>
@@ -1114,7 +1115,7 @@
           <a:p>
             <a:fld id="{0E74D3FF-88B1-413F-934F-543E2B4CF409}" type="datetimeFigureOut">
               <a:rPr lang="zh-CN" altLang="en-US" smtClean="0"/>
-              <a:t>2022/11/2</a:t>
+              <a:t>2022/11/9</a:t>
             </a:fld>
             <a:endParaRPr lang="zh-CN" altLang="en-US"/>
           </a:p>
@@ -1256,7 +1257,7 @@
           <a:p>
             <a:fld id="{0E74D3FF-88B1-413F-934F-543E2B4CF409}" type="datetimeFigureOut">
               <a:rPr lang="zh-CN" altLang="en-US" smtClean="0"/>
-              <a:t>2022/11/2</a:t>
+              <a:t>2022/11/9</a:t>
             </a:fld>
             <a:endParaRPr lang="zh-CN" altLang="en-US"/>
           </a:p>
@@ -1501,7 +1502,7 @@
           <a:p>
             <a:fld id="{0E74D3FF-88B1-413F-934F-543E2B4CF409}" type="datetimeFigureOut">
               <a:rPr lang="zh-CN" altLang="en-US" smtClean="0"/>
-              <a:t>2022/11/2</a:t>
+              <a:t>2022/11/9</a:t>
             </a:fld>
             <a:endParaRPr lang="zh-CN" altLang="en-US"/>
           </a:p>
@@ -1898,7 +1899,7 @@
           <a:p>
             <a:fld id="{0E74D3FF-88B1-413F-934F-543E2B4CF409}" type="datetimeFigureOut">
               <a:rPr lang="zh-CN" altLang="en-US" smtClean="0"/>
-              <a:t>2022/11/2</a:t>
+              <a:t>2022/11/9</a:t>
             </a:fld>
             <a:endParaRPr lang="zh-CN" altLang="en-US"/>
           </a:p>
@@ -2331,7 +2332,7 @@
           <a:p>
             <a:fld id="{0E74D3FF-88B1-413F-934F-543E2B4CF409}" type="datetimeFigureOut">
               <a:rPr lang="zh-CN" altLang="en-US" smtClean="0"/>
-              <a:t>2022/11/2</a:t>
+              <a:t>2022/11/9</a:t>
             </a:fld>
             <a:endParaRPr lang="zh-CN" altLang="en-US"/>
           </a:p>
@@ -2426,7 +2427,7 @@
           <a:p>
             <a:fld id="{0E74D3FF-88B1-413F-934F-543E2B4CF409}" type="datetimeFigureOut">
               <a:rPr lang="zh-CN" altLang="en-US" smtClean="0"/>
-              <a:t>2022/11/2</a:t>
+              <a:t>2022/11/9</a:t>
             </a:fld>
             <a:endParaRPr lang="zh-CN" altLang="en-US"/>
           </a:p>
@@ -2539,7 +2540,7 @@
           <a:p>
             <a:fld id="{0E74D3FF-88B1-413F-934F-543E2B4CF409}" type="datetimeFigureOut">
               <a:rPr lang="zh-CN" altLang="en-US" smtClean="0"/>
-              <a:t>2022/11/2</a:t>
+              <a:t>2022/11/9</a:t>
             </a:fld>
             <a:endParaRPr lang="zh-CN" altLang="en-US"/>
           </a:p>
@@ -2804,7 +2805,7 @@
           <a:p>
             <a:fld id="{0E74D3FF-88B1-413F-934F-543E2B4CF409}" type="datetimeFigureOut">
               <a:rPr lang="zh-CN" altLang="en-US" smtClean="0"/>
-              <a:t>2022/11/2</a:t>
+              <a:t>2022/11/9</a:t>
             </a:fld>
             <a:endParaRPr lang="zh-CN" altLang="en-US"/>
           </a:p>
@@ -3002,7 +3003,7 @@
           <a:p>
             <a:fld id="{0E74D3FF-88B1-413F-934F-543E2B4CF409}" type="datetimeFigureOut">
               <a:rPr lang="zh-CN" altLang="en-US" smtClean="0"/>
-              <a:t>2022/11/2</a:t>
+              <a:t>2022/11/9</a:t>
             </a:fld>
             <a:endParaRPr lang="zh-CN" altLang="en-US"/>
           </a:p>
@@ -4075,7 +4076,7 @@
           <a:p>
             <a:fld id="{0E74D3FF-88B1-413F-934F-543E2B4CF409}" type="datetimeFigureOut">
               <a:rPr lang="zh-CN" altLang="en-US" smtClean="0"/>
-              <a:t>2022/11/2</a:t>
+              <a:t>2022/11/9</a:t>
             </a:fld>
             <a:endParaRPr lang="zh-CN" altLang="en-US"/>
           </a:p>
@@ -4655,7 +4656,13 @@
       </p:grpSpPr>
       <p:pic>
         <p:nvPicPr>
-          <p:cNvPr id="5" name="内容占位符 4"/>
+          <p:cNvPr id="5" name="内容占位符 4">
+            <a:extLst>
+              <a:ext uri="{FF2B5EF4-FFF2-40B4-BE49-F238E27FC236}">
+                <a16:creationId xmlns:a16="http://schemas.microsoft.com/office/drawing/2014/main" id="{801777B1-3C04-3808-A9DB-5A36B184892F}"/>
+              </a:ext>
+            </a:extLst>
+          </p:cNvPr>
           <p:cNvPicPr>
             <a:picLocks noGrp="1" noChangeAspect="1"/>
           </p:cNvPicPr>
@@ -4671,14 +4678,20 @@
         </p:blipFill>
         <p:spPr>
           <a:xfrm>
-            <a:off x="1395412" y="1534319"/>
-            <a:ext cx="9401175" cy="4419600"/>
+            <a:off x="2095500" y="2120106"/>
+            <a:ext cx="8001000" cy="3248025"/>
           </a:xfrm>
         </p:spPr>
       </p:pic>
       <p:sp>
         <p:nvSpPr>
-          <p:cNvPr id="3" name="标题 2"/>
+          <p:cNvPr id="3" name="标题 2">
+            <a:extLst>
+              <a:ext uri="{FF2B5EF4-FFF2-40B4-BE49-F238E27FC236}">
+                <a16:creationId xmlns:a16="http://schemas.microsoft.com/office/drawing/2014/main" id="{F186411F-2DBA-35BB-D88C-0915FAA49562}"/>
+              </a:ext>
+            </a:extLst>
+          </p:cNvPr>
           <p:cNvSpPr>
             <a:spLocks noGrp="1"/>
           </p:cNvSpPr>
@@ -4692,17 +4705,18 @@
           <a:lstStyle/>
           <a:p>
             <a:r>
-              <a:rPr lang="en-US" altLang="zh-CN" dirty="0"/>
-              <a:t>E-R</a:t>
-            </a:r>
-            <a:r>
               <a:rPr lang="zh-CN" altLang="en-US" dirty="0"/>
-              <a:t>图</a:t>
+              <a:t>数据字典</a:t>
             </a:r>
           </a:p>
         </p:txBody>
       </p:sp>
     </p:spTree>
+    <p:extLst>
+      <p:ext uri="{BB962C8B-B14F-4D97-AF65-F5344CB8AC3E}">
+        <p14:creationId xmlns:p14="http://schemas.microsoft.com/office/powerpoint/2010/main" val="3922932851"/>
+      </p:ext>
+    </p:extLst>
   </p:cSld>
   <p:clrMapOvr>
     <a:masterClrMapping/>
@@ -4727,81 +4741,51 @@
           <a:chExt cx="0" cy="0"/>
         </a:xfrm>
       </p:grpSpPr>
-      <p:sp>
-        <p:nvSpPr>
-          <p:cNvPr id="2" name="内容占位符 1"/>
-          <p:cNvSpPr>
-            <a:spLocks noGrp="1"/>
-          </p:cNvSpPr>
+      <p:pic>
+        <p:nvPicPr>
+          <p:cNvPr id="5" name="内容占位符 4"/>
+          <p:cNvPicPr>
+            <a:picLocks noGrp="1" noChangeAspect="1"/>
+          </p:cNvPicPr>
           <p:nvPr>
             <p:ph idx="1"/>
           </p:nvPr>
+        </p:nvPicPr>
+        <p:blipFill>
+          <a:blip r:embed="rId2"/>
+          <a:stretch>
+            <a:fillRect/>
+          </a:stretch>
+        </p:blipFill>
+        <p:spPr>
+          <a:xfrm>
+            <a:off x="1395412" y="1534319"/>
+            <a:ext cx="9401175" cy="4419600"/>
+          </a:xfrm>
+        </p:spPr>
+      </p:pic>
+      <p:sp>
+        <p:nvSpPr>
+          <p:cNvPr id="3" name="标题 2"/>
+          <p:cNvSpPr>
+            <a:spLocks noGrp="1"/>
+          </p:cNvSpPr>
+          <p:nvPr>
+            <p:ph type="title"/>
+          </p:nvPr>
         </p:nvSpPr>
         <p:spPr/>
         <p:txBody>
           <a:bodyPr/>
           <a:lstStyle/>
           <a:p>
-            <a:pPr algn="just"/>
-            <a:r>
-              <a:rPr lang="en-US" altLang="zh-CN" sz="1800" kern="100" dirty="0">
-                <a:effectLst/>
-                <a:latin typeface="Times New Roman" panose="02020603050405020304" pitchFamily="18" charset="0"/>
-                <a:ea typeface="宋体" panose="02010600030101010101" pitchFamily="2" charset="-122"/>
-              </a:rPr>
-              <a:t>(1)</a:t>
-            </a:r>
-            <a:r>
-              <a:rPr lang="zh-CN" altLang="zh-CN" sz="1800" kern="100" dirty="0">
-                <a:effectLst/>
-                <a:latin typeface="Times New Roman" panose="02020603050405020304" pitchFamily="18" charset="0"/>
-                <a:ea typeface="宋体" panose="02010600030101010101" pitchFamily="2" charset="-122"/>
-              </a:rPr>
-              <a:t>经费限制：本项目主要目标为通过软件工程课程，没有赞助商和投资，经费需要由小组成员自行承担；</a:t>
-            </a:r>
-          </a:p>
-          <a:p>
-            <a:pPr algn="just"/>
-            <a:r>
-              <a:rPr lang="en-US" altLang="zh-CN" sz="1800" kern="100" dirty="0">
-                <a:effectLst/>
-                <a:latin typeface="Times New Roman" panose="02020603050405020304" pitchFamily="18" charset="0"/>
-                <a:ea typeface="宋体" panose="02010600030101010101" pitchFamily="2" charset="-122"/>
-              </a:rPr>
-              <a:t>(2)</a:t>
-            </a:r>
-            <a:r>
-              <a:rPr lang="zh-CN" altLang="zh-CN" sz="1800" kern="100" dirty="0">
-                <a:effectLst/>
-                <a:latin typeface="Times New Roman" panose="02020603050405020304" pitchFamily="18" charset="0"/>
-                <a:ea typeface="宋体" panose="02010600030101010101" pitchFamily="2" charset="-122"/>
-              </a:rPr>
-              <a:t>开发期限：本项目为软件工程课程任务，平时的其他课程作业导致时间不足</a:t>
-            </a:r>
-          </a:p>
-          <a:p>
-            <a:endParaRPr lang="zh-CN" altLang="en-US" dirty="0"/>
-          </a:p>
-        </p:txBody>
-      </p:sp>
-      <p:sp>
-        <p:nvSpPr>
-          <p:cNvPr id="3" name="标题 2"/>
-          <p:cNvSpPr>
-            <a:spLocks noGrp="1"/>
-          </p:cNvSpPr>
-          <p:nvPr>
-            <p:ph type="title"/>
-          </p:nvPr>
-        </p:nvSpPr>
-        <p:spPr/>
-        <p:txBody>
-          <a:bodyPr/>
-          <a:lstStyle/>
-          <a:p>
+            <a:r>
+              <a:rPr lang="en-US" altLang="zh-CN" dirty="0"/>
+              <a:t>E-R</a:t>
+            </a:r>
             <a:r>
               <a:rPr lang="zh-CN" altLang="en-US" dirty="0"/>
-              <a:t>约束条件</a:t>
+              <a:t>图</a:t>
             </a:r>
           </a:p>
         </p:txBody>
@@ -4833,6 +4817,63 @@
       </p:grpSpPr>
       <p:sp>
         <p:nvSpPr>
+          <p:cNvPr id="2" name="内容占位符 1"/>
+          <p:cNvSpPr>
+            <a:spLocks noGrp="1"/>
+          </p:cNvSpPr>
+          <p:nvPr>
+            <p:ph idx="1"/>
+          </p:nvPr>
+        </p:nvSpPr>
+        <p:spPr/>
+        <p:txBody>
+          <a:bodyPr/>
+          <a:lstStyle/>
+          <a:p>
+            <a:pPr algn="just"/>
+            <a:r>
+              <a:rPr lang="en-US" altLang="zh-CN" sz="1800" kern="100" dirty="0">
+                <a:effectLst/>
+                <a:latin typeface="Times New Roman" panose="02020603050405020304" pitchFamily="18" charset="0"/>
+                <a:ea typeface="宋体" panose="02010600030101010101" pitchFamily="2" charset="-122"/>
+              </a:rPr>
+              <a:t>(1)</a:t>
+            </a:r>
+            <a:r>
+              <a:rPr lang="zh-CN" altLang="zh-CN" sz="1800" kern="100" dirty="0">
+                <a:effectLst/>
+                <a:latin typeface="Times New Roman" panose="02020603050405020304" pitchFamily="18" charset="0"/>
+                <a:ea typeface="宋体" panose="02010600030101010101" pitchFamily="2" charset="-122"/>
+              </a:rPr>
+              <a:t>经费限制：本项目主要目标为通过软件工程课程，没有赞助商和投资，经费需要由小组成员自行承担；</a:t>
+            </a:r>
+          </a:p>
+          <a:p>
+            <a:pPr algn="just"/>
+            <a:r>
+              <a:rPr lang="en-US" altLang="zh-CN" sz="1800" kern="100" dirty="0">
+                <a:effectLst/>
+                <a:latin typeface="Times New Roman" panose="02020603050405020304" pitchFamily="18" charset="0"/>
+                <a:ea typeface="宋体" panose="02010600030101010101" pitchFamily="2" charset="-122"/>
+              </a:rPr>
+              <a:t>(2)</a:t>
+            </a:r>
+            <a:r>
+              <a:rPr lang="zh-CN" altLang="zh-CN" sz="1800" kern="100" dirty="0">
+                <a:effectLst/>
+                <a:latin typeface="Times New Roman" panose="02020603050405020304" pitchFamily="18" charset="0"/>
+                <a:ea typeface="宋体" panose="02010600030101010101" pitchFamily="2" charset="-122"/>
+              </a:rPr>
+              <a:t>开发期限：本项目为软件工程课程任务，平时的其他课程作业导致时间不足</a:t>
+            </a:r>
+          </a:p>
+          <a:p>
+            <a:endParaRPr lang="zh-CN" altLang="en-US" dirty="0"/>
+          </a:p>
+        </p:txBody>
+      </p:sp>
+      <p:sp>
+        <p:nvSpPr>
           <p:cNvPr id="3" name="标题 2"/>
           <p:cNvSpPr>
             <a:spLocks noGrp="1"/>
@@ -4841,27 +4882,14 @@
             <p:ph type="title"/>
           </p:nvPr>
         </p:nvSpPr>
-        <p:spPr>
-          <a:xfrm>
-            <a:off x="3465921" y="2386242"/>
-            <a:ext cx="10972800" cy="1143000"/>
-          </a:xfrm>
-        </p:spPr>
+        <p:spPr/>
         <p:txBody>
           <a:bodyPr/>
           <a:lstStyle/>
           <a:p>
             <a:r>
               <a:rPr lang="zh-CN" altLang="en-US" dirty="0"/>
-              <a:t>五</a:t>
-            </a:r>
-            <a:r>
-              <a:rPr lang="en-US" altLang="zh-CN" dirty="0"/>
-              <a:t>.</a:t>
-            </a:r>
-            <a:r>
-              <a:rPr lang="zh-CN" altLang="en-US" dirty="0"/>
-              <a:t>组员分工及评价</a:t>
+              <a:t>约束条件</a:t>
             </a:r>
           </a:p>
         </p:txBody>
@@ -4893,101 +4921,32 @@
       </p:grpSpPr>
       <p:sp>
         <p:nvSpPr>
-          <p:cNvPr id="2" name="内容占位符 1"/>
-          <p:cNvSpPr>
-            <a:spLocks noGrp="1"/>
-          </p:cNvSpPr>
-          <p:nvPr>
-            <p:ph idx="1"/>
-          </p:nvPr>
-        </p:nvSpPr>
-        <p:spPr/>
+          <p:cNvPr id="3" name="标题 2"/>
+          <p:cNvSpPr>
+            <a:spLocks noGrp="1"/>
+          </p:cNvSpPr>
+          <p:nvPr>
+            <p:ph type="title"/>
+          </p:nvPr>
+        </p:nvSpPr>
+        <p:spPr>
+          <a:xfrm>
+            <a:off x="3465921" y="2386242"/>
+            <a:ext cx="10972800" cy="1143000"/>
+          </a:xfrm>
+        </p:spPr>
         <p:txBody>
           <a:bodyPr/>
           <a:lstStyle/>
           <a:p>
             <a:r>
               <a:rPr lang="zh-CN" altLang="en-US" dirty="0"/>
-              <a:t>李时博：完善分析报告与</a:t>
+              <a:t>五</a:t>
             </a:r>
             <a:r>
               <a:rPr lang="en-US" altLang="zh-CN" dirty="0"/>
-              <a:t>PPT</a:t>
-            </a:r>
-            <a:r>
-              <a:rPr lang="zh-CN" altLang="en-US" dirty="0"/>
-              <a:t>绘制原理图（</a:t>
-            </a:r>
-            <a:r>
-              <a:rPr lang="en-US" altLang="zh-CN" dirty="0"/>
-              <a:t>93</a:t>
-            </a:r>
-            <a:r>
-              <a:rPr lang="zh-CN" altLang="en-US" dirty="0"/>
-              <a:t>）</a:t>
-            </a:r>
-            <a:endParaRPr lang="en-US" altLang="zh-CN" dirty="0"/>
-          </a:p>
-          <a:p>
-            <a:endParaRPr lang="en-US" altLang="zh-CN" dirty="0"/>
-          </a:p>
-          <a:p>
-            <a:r>
-              <a:rPr lang="zh-CN" altLang="en-US" dirty="0"/>
-              <a:t>秦思豪：编写需求分析</a:t>
-            </a:r>
-            <a:r>
-              <a:rPr lang="en-US" altLang="zh-CN" dirty="0"/>
-              <a:t>ppt</a:t>
-            </a:r>
-            <a:r>
-              <a:rPr lang="zh-CN" altLang="en-US" dirty="0"/>
-              <a:t>制作（</a:t>
-            </a:r>
-            <a:r>
-              <a:rPr lang="en-US" altLang="zh-CN" dirty="0"/>
-              <a:t>91</a:t>
-            </a:r>
-            <a:r>
-              <a:rPr lang="zh-CN" altLang="en-US" dirty="0"/>
-              <a:t>）</a:t>
-            </a:r>
-            <a:endParaRPr lang="en-US" altLang="zh-CN" dirty="0"/>
-          </a:p>
-          <a:p>
-            <a:endParaRPr lang="en-US" altLang="zh-CN" dirty="0"/>
-          </a:p>
-          <a:p>
-            <a:r>
-              <a:rPr lang="zh-CN" altLang="en-US" dirty="0"/>
-              <a:t>范伟：编写需求分析报告（</a:t>
-            </a:r>
-            <a:r>
-              <a:rPr lang="en-US" altLang="zh-CN" dirty="0"/>
-              <a:t>90</a:t>
-            </a:r>
-            <a:r>
-              <a:rPr lang="zh-CN" altLang="en-US" dirty="0"/>
-              <a:t>）</a:t>
-            </a:r>
-          </a:p>
-        </p:txBody>
-      </p:sp>
-      <p:sp>
-        <p:nvSpPr>
-          <p:cNvPr id="3" name="标题 2"/>
-          <p:cNvSpPr>
-            <a:spLocks noGrp="1"/>
-          </p:cNvSpPr>
-          <p:nvPr>
-            <p:ph type="title"/>
-          </p:nvPr>
-        </p:nvSpPr>
-        <p:spPr/>
-        <p:txBody>
-          <a:bodyPr/>
-          <a:lstStyle/>
-          <a:p>
+              <a:t>.</a:t>
+            </a:r>
             <a:r>
               <a:rPr lang="zh-CN" altLang="en-US" dirty="0"/>
               <a:t>组员分工及评价</a:t>
@@ -5022,6 +4981,135 @@
       </p:grpSpPr>
       <p:sp>
         <p:nvSpPr>
+          <p:cNvPr id="2" name="内容占位符 1"/>
+          <p:cNvSpPr>
+            <a:spLocks noGrp="1"/>
+          </p:cNvSpPr>
+          <p:nvPr>
+            <p:ph idx="1"/>
+          </p:nvPr>
+        </p:nvSpPr>
+        <p:spPr/>
+        <p:txBody>
+          <a:bodyPr/>
+          <a:lstStyle/>
+          <a:p>
+            <a:r>
+              <a:rPr lang="zh-CN" altLang="en-US" dirty="0"/>
+              <a:t>李时博：完善分析报告与</a:t>
+            </a:r>
+            <a:r>
+              <a:rPr lang="en-US" altLang="zh-CN" dirty="0"/>
+              <a:t>PPT</a:t>
+            </a:r>
+            <a:r>
+              <a:rPr lang="zh-CN" altLang="en-US" dirty="0"/>
+              <a:t>绘制原理图（</a:t>
+            </a:r>
+            <a:r>
+              <a:rPr lang="en-US" altLang="zh-CN" dirty="0"/>
+              <a:t>93</a:t>
+            </a:r>
+            <a:r>
+              <a:rPr lang="zh-CN" altLang="en-US" dirty="0"/>
+              <a:t>）</a:t>
+            </a:r>
+            <a:endParaRPr lang="en-US" altLang="zh-CN" dirty="0"/>
+          </a:p>
+          <a:p>
+            <a:endParaRPr lang="en-US" altLang="zh-CN" dirty="0"/>
+          </a:p>
+          <a:p>
+            <a:r>
+              <a:rPr lang="zh-CN" altLang="en-US" dirty="0"/>
+              <a:t>秦思豪：编写需求分析</a:t>
+            </a:r>
+            <a:r>
+              <a:rPr lang="en-US" altLang="zh-CN" dirty="0"/>
+              <a:t>ppt</a:t>
+            </a:r>
+            <a:r>
+              <a:rPr lang="zh-CN" altLang="en-US" dirty="0"/>
+              <a:t>制作（</a:t>
+            </a:r>
+            <a:r>
+              <a:rPr lang="en-US" altLang="zh-CN" dirty="0"/>
+              <a:t>91</a:t>
+            </a:r>
+            <a:r>
+              <a:rPr lang="zh-CN" altLang="en-US" dirty="0"/>
+              <a:t>）</a:t>
+            </a:r>
+            <a:endParaRPr lang="en-US" altLang="zh-CN" dirty="0"/>
+          </a:p>
+          <a:p>
+            <a:endParaRPr lang="en-US" altLang="zh-CN" dirty="0"/>
+          </a:p>
+          <a:p>
+            <a:r>
+              <a:rPr lang="zh-CN" altLang="en-US" dirty="0"/>
+              <a:t>范伟：编写需求分析报告（</a:t>
+            </a:r>
+            <a:r>
+              <a:rPr lang="en-US" altLang="zh-CN" dirty="0"/>
+              <a:t>90</a:t>
+            </a:r>
+            <a:r>
+              <a:rPr lang="zh-CN" altLang="en-US" dirty="0"/>
+              <a:t>）</a:t>
+            </a:r>
+          </a:p>
+        </p:txBody>
+      </p:sp>
+      <p:sp>
+        <p:nvSpPr>
+          <p:cNvPr id="3" name="标题 2"/>
+          <p:cNvSpPr>
+            <a:spLocks noGrp="1"/>
+          </p:cNvSpPr>
+          <p:nvPr>
+            <p:ph type="title"/>
+          </p:nvPr>
+        </p:nvSpPr>
+        <p:spPr/>
+        <p:txBody>
+          <a:bodyPr/>
+          <a:lstStyle/>
+          <a:p>
+            <a:r>
+              <a:rPr lang="zh-CN" altLang="en-US" dirty="0"/>
+              <a:t>组员分工及评价</a:t>
+            </a:r>
+          </a:p>
+        </p:txBody>
+      </p:sp>
+    </p:spTree>
+  </p:cSld>
+  <p:clrMapOvr>
+    <a:masterClrMapping/>
+  </p:clrMapOvr>
+</p:sld>
+</file>
+
+<file path=ppt/slides/slide15.xml><?xml version="1.0" encoding="utf-8"?>
+<p:sld xmlns:a="http://schemas.openxmlformats.org/drawingml/2006/main" xmlns:r="http://schemas.openxmlformats.org/officeDocument/2006/relationships" xmlns:p="http://schemas.openxmlformats.org/presentationml/2006/main">
+  <p:cSld>
+    <p:spTree>
+      <p:nvGrpSpPr>
+        <p:cNvPr id="1" name=""/>
+        <p:cNvGrpSpPr/>
+        <p:nvPr/>
+      </p:nvGrpSpPr>
+      <p:grpSpPr>
+        <a:xfrm>
+          <a:off x="0" y="0"/>
+          <a:ext cx="0" cy="0"/>
+          <a:chOff x="0" y="0"/>
+          <a:chExt cx="0" cy="0"/>
+        </a:xfrm>
+      </p:grpSpPr>
+      <p:sp>
+        <p:nvSpPr>
           <p:cNvPr id="2" name="内容占位符 1">
             <a:extLst>
               <a:ext uri="{FF2B5EF4-FFF2-40B4-BE49-F238E27FC236}">
@@ -5099,7 +5187,7 @@
 </p:sld>
 </file>
 
-<file path=ppt/slides/slide15.xml><?xml version="1.0" encoding="utf-8"?>
+<file path=ppt/slides/slide16.xml><?xml version="1.0" encoding="utf-8"?>
 <p:sld xmlns:a="http://schemas.openxmlformats.org/drawingml/2006/main" xmlns:r="http://schemas.openxmlformats.org/officeDocument/2006/relationships" xmlns:p="http://schemas.openxmlformats.org/presentationml/2006/main">
   <p:cSld>
     <p:spTree>
@@ -5334,66 +5422,6 @@
 </p:sld>
 </file>
 
-<file path=ppt/slides/slide16.xml><?xml version="1.0" encoding="utf-8"?>
-<p:sld xmlns:a="http://schemas.openxmlformats.org/drawingml/2006/main" xmlns:r="http://schemas.openxmlformats.org/officeDocument/2006/relationships" xmlns:p="http://schemas.openxmlformats.org/presentationml/2006/main">
-  <p:cSld>
-    <p:spTree>
-      <p:nvGrpSpPr>
-        <p:cNvPr id="1" name=""/>
-        <p:cNvGrpSpPr/>
-        <p:nvPr/>
-      </p:nvGrpSpPr>
-      <p:grpSpPr>
-        <a:xfrm>
-          <a:off x="0" y="0"/>
-          <a:ext cx="0" cy="0"/>
-          <a:chOff x="0" y="0"/>
-          <a:chExt cx="0" cy="0"/>
-        </a:xfrm>
-      </p:grpSpPr>
-      <p:sp>
-        <p:nvSpPr>
-          <p:cNvPr id="3" name="标题 2"/>
-          <p:cNvSpPr>
-            <a:spLocks noGrp="1"/>
-          </p:cNvSpPr>
-          <p:nvPr>
-            <p:ph type="title"/>
-          </p:nvPr>
-        </p:nvSpPr>
-        <p:spPr>
-          <a:xfrm>
-            <a:off x="4568858" y="2461657"/>
-            <a:ext cx="10972800" cy="1143000"/>
-          </a:xfrm>
-        </p:spPr>
-        <p:txBody>
-          <a:bodyPr/>
-          <a:lstStyle/>
-          <a:p>
-            <a:r>
-              <a:rPr lang="zh-CN" altLang="en-US" dirty="0"/>
-              <a:t>七</a:t>
-            </a:r>
-            <a:r>
-              <a:rPr lang="en-US" altLang="zh-CN" dirty="0"/>
-              <a:t>.</a:t>
-            </a:r>
-            <a:r>
-              <a:rPr lang="zh-CN" altLang="en-US" dirty="0"/>
-              <a:t>参考资料</a:t>
-            </a:r>
-          </a:p>
-        </p:txBody>
-      </p:sp>
-    </p:spTree>
-  </p:cSld>
-  <p:clrMapOvr>
-    <a:masterClrMapping/>
-  </p:clrMapOvr>
-</p:sld>
-</file>
-
 <file path=ppt/slides/slide17.xml><?xml version="1.0" encoding="utf-8"?>
 <p:sld xmlns:a="http://schemas.openxmlformats.org/drawingml/2006/main" xmlns:r="http://schemas.openxmlformats.org/officeDocument/2006/relationships" xmlns:p="http://schemas.openxmlformats.org/presentationml/2006/main">
   <p:cSld>
@@ -5413,6 +5441,66 @@
       </p:grpSpPr>
       <p:sp>
         <p:nvSpPr>
+          <p:cNvPr id="3" name="标题 2"/>
+          <p:cNvSpPr>
+            <a:spLocks noGrp="1"/>
+          </p:cNvSpPr>
+          <p:nvPr>
+            <p:ph type="title"/>
+          </p:nvPr>
+        </p:nvSpPr>
+        <p:spPr>
+          <a:xfrm>
+            <a:off x="4568858" y="2461657"/>
+            <a:ext cx="10972800" cy="1143000"/>
+          </a:xfrm>
+        </p:spPr>
+        <p:txBody>
+          <a:bodyPr/>
+          <a:lstStyle/>
+          <a:p>
+            <a:r>
+              <a:rPr lang="zh-CN" altLang="en-US" dirty="0"/>
+              <a:t>七</a:t>
+            </a:r>
+            <a:r>
+              <a:rPr lang="en-US" altLang="zh-CN" dirty="0"/>
+              <a:t>.</a:t>
+            </a:r>
+            <a:r>
+              <a:rPr lang="zh-CN" altLang="en-US" dirty="0"/>
+              <a:t>参考资料</a:t>
+            </a:r>
+          </a:p>
+        </p:txBody>
+      </p:sp>
+    </p:spTree>
+  </p:cSld>
+  <p:clrMapOvr>
+    <a:masterClrMapping/>
+  </p:clrMapOvr>
+</p:sld>
+</file>
+
+<file path=ppt/slides/slide18.xml><?xml version="1.0" encoding="utf-8"?>
+<p:sld xmlns:a="http://schemas.openxmlformats.org/drawingml/2006/main" xmlns:r="http://schemas.openxmlformats.org/officeDocument/2006/relationships" xmlns:p="http://schemas.openxmlformats.org/presentationml/2006/main">
+  <p:cSld>
+    <p:spTree>
+      <p:nvGrpSpPr>
+        <p:cNvPr id="1" name=""/>
+        <p:cNvGrpSpPr/>
+        <p:nvPr/>
+      </p:nvGrpSpPr>
+      <p:grpSpPr>
+        <a:xfrm>
+          <a:off x="0" y="0"/>
+          <a:ext cx="0" cy="0"/>
+          <a:chOff x="0" y="0"/>
+          <a:chExt cx="0" cy="0"/>
+        </a:xfrm>
+      </p:grpSpPr>
+      <p:sp>
+        <p:nvSpPr>
           <p:cNvPr id="2" name="内容占位符 1"/>
           <p:cNvSpPr>
             <a:spLocks noGrp="1"/>
@@ -5624,7 +5712,7 @@
 </p:sld>
 </file>
 
-<file path=ppt/slides/slide18.xml><?xml version="1.0" encoding="utf-8"?>
+<file path=ppt/slides/slide19.xml><?xml version="1.0" encoding="utf-8"?>
 <p:sld xmlns:a="http://schemas.openxmlformats.org/drawingml/2006/main" xmlns:r="http://schemas.openxmlformats.org/officeDocument/2006/relationships" xmlns:p="http://schemas.openxmlformats.org/presentationml/2006/main">
   <p:cSld>
     <p:spTree>
